--- a/Presentation.pptx
+++ b/Presentation.pptx
@@ -1,26 +1,26 @@
 
 <file path=ppt/presentation.xml><?xml version="1.0" encoding="utf-8"?>
-<p:presentation xmlns:a="http://schemas.openxmlformats.org/drawingml/2006/main" xmlns:r="http://schemas.openxmlformats.org/officeDocument/2006/relationships" xmlns:mc="http://schemas.openxmlformats.org/markup-compatibility/2006" xmlns:mv="urn:schemas-microsoft-com:mac:vml" xmlns:p="http://schemas.openxmlformats.org/presentationml/2006/main" xmlns:c="http://schemas.openxmlformats.org/drawingml/2006/chart" xmlns:dgm="http://schemas.openxmlformats.org/drawingml/2006/diagram" xmlns:o="urn:schemas-microsoft-com:office:office" xmlns:v="urn:schemas-microsoft-com:vml" xmlns:pvml="urn:schemas-microsoft-com:office:powerpoint" xmlns:com="http://schemas.openxmlformats.org/drawingml/2006/compatibility" xmlns:p14="http://schemas.microsoft.com/office/powerpoint/2010/main" saveSubsetFonts="1" autoCompressPictures="0" mc:PreserveAttributes="mv:*" mc:Ignorable="mv">
+<p:presentation xmlns:a="http://schemas.openxmlformats.org/drawingml/2006/main" xmlns:r="http://schemas.openxmlformats.org/officeDocument/2006/relationships" xmlns:p="http://schemas.openxmlformats.org/presentationml/2006/main" saveSubsetFonts="1" autoCompressPictures="0">
   <p:sldMasterIdLst>
-    <p:sldMasterId id="2147483654" r:id="rId4"/>
+    <p:sldMasterId id="2147483654" r:id="rId1"/>
   </p:sldMasterIdLst>
   <p:notesMasterIdLst>
-    <p:notesMasterId r:id="rId5"/>
+    <p:notesMasterId r:id="rId10"/>
   </p:notesMasterIdLst>
   <p:sldIdLst>
-    <p:sldId id="256" r:id="rId6"/>
-    <p:sldId id="257" r:id="rId7"/>
-    <p:sldId id="258" r:id="rId8"/>
-    <p:sldId id="259" r:id="rId9"/>
-    <p:sldId id="260" r:id="rId10"/>
-    <p:sldId id="261" r:id="rId11"/>
-    <p:sldId id="262" r:id="rId12"/>
-    <p:sldId id="263" r:id="rId13"/>
+    <p:sldId id="256" r:id="rId2"/>
+    <p:sldId id="257" r:id="rId3"/>
+    <p:sldId id="258" r:id="rId4"/>
+    <p:sldId id="259" r:id="rId5"/>
+    <p:sldId id="260" r:id="rId6"/>
+    <p:sldId id="261" r:id="rId7"/>
+    <p:sldId id="262" r:id="rId8"/>
+    <p:sldId id="263" r:id="rId9"/>
   </p:sldIdLst>
-  <p:sldSz cy="5143500" cx="9144000"/>
-  <p:notesSz cy="9144000" cx="6858000"/>
+  <p:sldSz cx="9144000" cy="5143500" type="screen16x9"/>
+  <p:notesSz cx="6858000" cy="9144000"/>
   <p:defaultTextStyle>
-    <a:defPPr algn="l" rtl="0" marR="0">
+    <a:defPPr marR="0" algn="l" rtl="0">
       <a:lnSpc>
         <a:spcPct val="100000"/>
       </a:lnSpc>
@@ -31,7 +31,7 @@
         <a:spcPts val="0"/>
       </a:spcAft>
     </a:defPPr>
-    <a:lvl1pPr algn="l" rtl="0" marR="0">
+    <a:lvl1pPr marR="0" algn="l" rtl="0">
       <a:lnSpc>
         <a:spcPct val="100000"/>
       </a:lnSpc>
@@ -42,7 +42,7 @@
         <a:spcPts val="0"/>
       </a:spcAft>
       <a:buNone/>
-      <a:defRPr strike="noStrike" u="none" b="0" cap="none" baseline="0" sz="1400" i="0">
+      <a:defRPr sz="1400" b="0" i="0" u="none" strike="noStrike" cap="none" baseline="0">
         <a:solidFill>
           <a:srgbClr val="000000"/>
         </a:solidFill>
@@ -53,7 +53,7 @@
         <a:rtl val="0"/>
       </a:defRPr>
     </a:lvl1pPr>
-    <a:lvl2pPr algn="l" rtl="0" marR="0">
+    <a:lvl2pPr marR="0" algn="l" rtl="0">
       <a:lnSpc>
         <a:spcPct val="100000"/>
       </a:lnSpc>
@@ -64,7 +64,7 @@
         <a:spcPts val="0"/>
       </a:spcAft>
       <a:buNone/>
-      <a:defRPr strike="noStrike" u="none" b="0" cap="none" baseline="0" sz="1400" i="0">
+      <a:defRPr sz="1400" b="0" i="0" u="none" strike="noStrike" cap="none" baseline="0">
         <a:solidFill>
           <a:srgbClr val="000000"/>
         </a:solidFill>
@@ -75,7 +75,7 @@
         <a:rtl val="0"/>
       </a:defRPr>
     </a:lvl2pPr>
-    <a:lvl3pPr algn="l" rtl="0" marR="0">
+    <a:lvl3pPr marR="0" algn="l" rtl="0">
       <a:lnSpc>
         <a:spcPct val="100000"/>
       </a:lnSpc>
@@ -86,7 +86,7 @@
         <a:spcPts val="0"/>
       </a:spcAft>
       <a:buNone/>
-      <a:defRPr strike="noStrike" u="none" b="0" cap="none" baseline="0" sz="1400" i="0">
+      <a:defRPr sz="1400" b="0" i="0" u="none" strike="noStrike" cap="none" baseline="0">
         <a:solidFill>
           <a:srgbClr val="000000"/>
         </a:solidFill>
@@ -97,7 +97,7 @@
         <a:rtl val="0"/>
       </a:defRPr>
     </a:lvl3pPr>
-    <a:lvl4pPr algn="l" rtl="0" marR="0">
+    <a:lvl4pPr marR="0" algn="l" rtl="0">
       <a:lnSpc>
         <a:spcPct val="100000"/>
       </a:lnSpc>
@@ -108,7 +108,7 @@
         <a:spcPts val="0"/>
       </a:spcAft>
       <a:buNone/>
-      <a:defRPr strike="noStrike" u="none" b="0" cap="none" baseline="0" sz="1400" i="0">
+      <a:defRPr sz="1400" b="0" i="0" u="none" strike="noStrike" cap="none" baseline="0">
         <a:solidFill>
           <a:srgbClr val="000000"/>
         </a:solidFill>
@@ -119,7 +119,7 @@
         <a:rtl val="0"/>
       </a:defRPr>
     </a:lvl4pPr>
-    <a:lvl5pPr algn="l" rtl="0" marR="0">
+    <a:lvl5pPr marR="0" algn="l" rtl="0">
       <a:lnSpc>
         <a:spcPct val="100000"/>
       </a:lnSpc>
@@ -130,7 +130,7 @@
         <a:spcPts val="0"/>
       </a:spcAft>
       <a:buNone/>
-      <a:defRPr strike="noStrike" u="none" b="0" cap="none" baseline="0" sz="1400" i="0">
+      <a:defRPr sz="1400" b="0" i="0" u="none" strike="noStrike" cap="none" baseline="0">
         <a:solidFill>
           <a:srgbClr val="000000"/>
         </a:solidFill>
@@ -141,7 +141,7 @@
         <a:rtl val="0"/>
       </a:defRPr>
     </a:lvl5pPr>
-    <a:lvl6pPr algn="l" rtl="0" marR="0">
+    <a:lvl6pPr marR="0" algn="l" rtl="0">
       <a:lnSpc>
         <a:spcPct val="100000"/>
       </a:lnSpc>
@@ -152,7 +152,7 @@
         <a:spcPts val="0"/>
       </a:spcAft>
       <a:buNone/>
-      <a:defRPr strike="noStrike" u="none" b="0" cap="none" baseline="0" sz="1400" i="0">
+      <a:defRPr sz="1400" b="0" i="0" u="none" strike="noStrike" cap="none" baseline="0">
         <a:solidFill>
           <a:srgbClr val="000000"/>
         </a:solidFill>
@@ -163,7 +163,7 @@
         <a:rtl val="0"/>
       </a:defRPr>
     </a:lvl6pPr>
-    <a:lvl7pPr algn="l" rtl="0" marR="0">
+    <a:lvl7pPr marR="0" algn="l" rtl="0">
       <a:lnSpc>
         <a:spcPct val="100000"/>
       </a:lnSpc>
@@ -174,7 +174,7 @@
         <a:spcPts val="0"/>
       </a:spcAft>
       <a:buNone/>
-      <a:defRPr strike="noStrike" u="none" b="0" cap="none" baseline="0" sz="1400" i="0">
+      <a:defRPr sz="1400" b="0" i="0" u="none" strike="noStrike" cap="none" baseline="0">
         <a:solidFill>
           <a:srgbClr val="000000"/>
         </a:solidFill>
@@ -185,7 +185,7 @@
         <a:rtl val="0"/>
       </a:defRPr>
     </a:lvl7pPr>
-    <a:lvl8pPr algn="l" rtl="0" marR="0">
+    <a:lvl8pPr marR="0" algn="l" rtl="0">
       <a:lnSpc>
         <a:spcPct val="100000"/>
       </a:lnSpc>
@@ -196,7 +196,7 @@
         <a:spcPts val="0"/>
       </a:spcAft>
       <a:buNone/>
-      <a:defRPr strike="noStrike" u="none" b="0" cap="none" baseline="0" sz="1400" i="0">
+      <a:defRPr sz="1400" b="0" i="0" u="none" strike="noStrike" cap="none" baseline="0">
         <a:solidFill>
           <a:srgbClr val="000000"/>
         </a:solidFill>
@@ -207,7 +207,7 @@
         <a:rtl val="0"/>
       </a:defRPr>
     </a:lvl8pPr>
-    <a:lvl9pPr algn="l" rtl="0" marR="0">
+    <a:lvl9pPr marR="0" algn="l" rtl="0">
       <a:lnSpc>
         <a:spcPct val="100000"/>
       </a:lnSpc>
@@ -218,7 +218,7 @@
         <a:spcPts val="0"/>
       </a:spcAft>
       <a:buNone/>
-      <a:defRPr strike="noStrike" u="none" b="0" cap="none" baseline="0" sz="1400" i="0">
+      <a:defRPr sz="1400" b="0" i="0" u="none" strike="noStrike" cap="none" baseline="0">
         <a:solidFill>
           <a:srgbClr val="000000"/>
         </a:solidFill>
@@ -234,8 +234,13 @@
 </file>
 
 <file path=ppt/notesMasters/notesMaster1.xml><?xml version="1.0" encoding="utf-8"?>
-<p:notesMaster xmlns:a="http://schemas.openxmlformats.org/drawingml/2006/main" xmlns:r="http://schemas.openxmlformats.org/officeDocument/2006/relationships" xmlns:mc="http://schemas.openxmlformats.org/markup-compatibility/2006" xmlns:mv="urn:schemas-microsoft-com:mac:vml" xmlns:p="http://schemas.openxmlformats.org/presentationml/2006/main" xmlns:c="http://schemas.openxmlformats.org/drawingml/2006/chart" xmlns:dgm="http://schemas.openxmlformats.org/drawingml/2006/diagram" xmlns:o="urn:schemas-microsoft-com:office:office" xmlns:v="urn:schemas-microsoft-com:vml" xmlns:pvml="urn:schemas-microsoft-com:office:powerpoint" xmlns:com="http://schemas.openxmlformats.org/drawingml/2006/compatibility" xmlns:p14="http://schemas.microsoft.com/office/powerpoint/2010/main">
+<p:notesMaster xmlns:a="http://schemas.openxmlformats.org/drawingml/2006/main" xmlns:r="http://schemas.openxmlformats.org/officeDocument/2006/relationships" xmlns:p="http://schemas.openxmlformats.org/presentationml/2006/main">
   <p:cSld>
+    <p:bg>
+      <p:bgRef idx="1001">
+        <a:schemeClr val="bg1"/>
+      </p:bgRef>
+    </p:bg>
     <p:spTree>
       <p:nvGrpSpPr>
         <p:cNvPr id="1" name="Shape 1"/>
@@ -244,39 +249,46 @@
       </p:nvGrpSpPr>
       <p:grpSpPr>
         <a:xfrm>
-          <a:off y="0" x="0"/>
-          <a:ext cy="0" cx="0"/>
-          <a:chOff y="0" x="0"/>
-          <a:chExt cy="0" cx="0"/>
+          <a:off x="0" y="0"/>
+          <a:ext cx="0" cy="0"/>
+          <a:chOff x="0" y="0"/>
+          <a:chExt cx="0" cy="0"/>
         </a:xfrm>
       </p:grpSpPr>
       <p:sp>
         <p:nvSpPr>
           <p:cNvPr id="2" name="Shape 2"/>
-          <p:cNvSpPr/>
+          <p:cNvSpPr>
+            <a:spLocks noGrp="1" noRot="1" noChangeAspect="1"/>
+          </p:cNvSpPr>
           <p:nvPr>
-            <p:ph idx="2" type="sldImg"/>
+            <p:ph type="sldImg" idx="2"/>
           </p:nvPr>
         </p:nvSpPr>
         <p:spPr>
           <a:xfrm>
-            <a:off y="685800" x="381187"/>
-            <a:ext cy="3429000" cx="6096299"/>
+            <a:off x="381187" y="685800"/>
+            <a:ext cx="6096299" cy="3429000"/>
           </a:xfrm>
           <a:custGeom>
+            <a:avLst/>
+            <a:gdLst/>
+            <a:ahLst/>
+            <a:cxnLst/>
+            <a:rect l="0" t="0" r="0" b="0"/>
             <a:pathLst>
-              <a:path w="120000" extrusionOk="0" h="120000">
+              <a:path w="120000" h="120000" extrusionOk="0">
                 <a:moveTo>
-                  <a:pt y="0" x="0"/>
+                  <a:pt x="0" y="0"/>
                 </a:moveTo>
                 <a:lnTo>
-                  <a:pt y="0" x="120000"/>
+                  <a:pt x="120000" y="0"/>
                 </a:lnTo>
                 <a:lnTo>
-                  <a:pt y="120000" x="120000"/>
+                  <a:pt x="120000" y="120000"/>
                 </a:lnTo>
                 <a:lnTo>
-                  <a:pt y="120000" x="0"/>
+                  <a:pt x="0" y="120000"/>
                 </a:lnTo>
                 <a:close/>
               </a:path>
@@ -287,22 +299,24 @@
       <p:sp>
         <p:nvSpPr>
           <p:cNvPr id="3" name="Shape 3"/>
-          <p:cNvSpPr txBox="1"/>
+          <p:cNvSpPr txBox="1">
+            <a:spLocks noGrp="1"/>
+          </p:cNvSpPr>
           <p:nvPr>
-            <p:ph idx="1" type="body"/>
+            <p:ph type="body" idx="1"/>
           </p:nvPr>
         </p:nvSpPr>
         <p:spPr>
           <a:xfrm>
-            <a:off y="4343400" x="685800"/>
-            <a:ext cy="4114800" cx="5486399"/>
+            <a:off x="685800" y="4343400"/>
+            <a:ext cx="5486399" cy="4114800"/>
           </a:xfrm>
           <a:prstGeom prst="rect">
             <a:avLst/>
           </a:prstGeom>
         </p:spPr>
         <p:txBody>
-          <a:bodyPr bIns="91425" rIns="91425" lIns="91425" tIns="91425" anchor="t" anchorCtr="0"/>
+          <a:bodyPr lIns="91425" tIns="91425" rIns="91425" bIns="91425" anchor="t" anchorCtr="0"/>
           <a:lstStyle>
             <a:lvl1pPr>
               <a:defRPr sz="1100"/>
@@ -332,59 +346,165 @@
               <a:defRPr sz="1100"/>
             </a:lvl9pPr>
           </a:lstStyle>
-          <a:p/>
+          <a:p>
+            <a:endParaRPr/>
+          </a:p>
         </p:txBody>
       </p:sp>
     </p:spTree>
+    <p:extLst>
+      <p:ext uri="{BB962C8B-B14F-4D97-AF65-F5344CB8AC3E}">
+        <p14:creationId xmlns:p14="http://schemas.microsoft.com/office/powerpoint/2010/main" val="2041171299"/>
+      </p:ext>
+    </p:extLst>
   </p:cSld>
-  <p:clrMap accent2="accent2" accent3="accent3" accent4="accent4" accent5="accent5" accent6="accent6" hlink="hlink" tx2="lt2" tx1="dk1" bg2="dk2" bg1="lt1" folHlink="folHlink" accent1="accent1"/>
+  <p:clrMap bg1="lt1" tx1="dk1" bg2="dk2" tx2="lt2" accent1="accent1" accent2="accent2" accent3="accent3" accent4="accent4" accent5="accent5" accent6="accent6" hlink="hlink" folHlink="folHlink"/>
+  <p:notesStyle>
+    <a:lvl1pPr marL="0" algn="l" defTabSz="914400" rtl="0" eaLnBrk="1" latinLnBrk="0" hangingPunct="1">
+      <a:defRPr sz="1800" kern="1200">
+        <a:solidFill>
+          <a:schemeClr val="tx1"/>
+        </a:solidFill>
+        <a:latin typeface="+mn-lt"/>
+        <a:ea typeface="+mn-ea"/>
+        <a:cs typeface="+mn-cs"/>
+      </a:defRPr>
+    </a:lvl1pPr>
+    <a:lvl2pPr marL="457200" algn="l" defTabSz="914400" rtl="0" eaLnBrk="1" latinLnBrk="0" hangingPunct="1">
+      <a:defRPr sz="1800" kern="1200">
+        <a:solidFill>
+          <a:schemeClr val="tx1"/>
+        </a:solidFill>
+        <a:latin typeface="+mn-lt"/>
+        <a:ea typeface="+mn-ea"/>
+        <a:cs typeface="+mn-cs"/>
+      </a:defRPr>
+    </a:lvl2pPr>
+    <a:lvl3pPr marL="914400" algn="l" defTabSz="914400" rtl="0" eaLnBrk="1" latinLnBrk="0" hangingPunct="1">
+      <a:defRPr sz="1800" kern="1200">
+        <a:solidFill>
+          <a:schemeClr val="tx1"/>
+        </a:solidFill>
+        <a:latin typeface="+mn-lt"/>
+        <a:ea typeface="+mn-ea"/>
+        <a:cs typeface="+mn-cs"/>
+      </a:defRPr>
+    </a:lvl3pPr>
+    <a:lvl4pPr marL="1371600" algn="l" defTabSz="914400" rtl="0" eaLnBrk="1" latinLnBrk="0" hangingPunct="1">
+      <a:defRPr sz="1800" kern="1200">
+        <a:solidFill>
+          <a:schemeClr val="tx1"/>
+        </a:solidFill>
+        <a:latin typeface="+mn-lt"/>
+        <a:ea typeface="+mn-ea"/>
+        <a:cs typeface="+mn-cs"/>
+      </a:defRPr>
+    </a:lvl4pPr>
+    <a:lvl5pPr marL="1828800" algn="l" defTabSz="914400" rtl="0" eaLnBrk="1" latinLnBrk="0" hangingPunct="1">
+      <a:defRPr sz="1800" kern="1200">
+        <a:solidFill>
+          <a:schemeClr val="tx1"/>
+        </a:solidFill>
+        <a:latin typeface="+mn-lt"/>
+        <a:ea typeface="+mn-ea"/>
+        <a:cs typeface="+mn-cs"/>
+      </a:defRPr>
+    </a:lvl5pPr>
+    <a:lvl6pPr marL="2286000" algn="l" defTabSz="914400" rtl="0" eaLnBrk="1" latinLnBrk="0" hangingPunct="1">
+      <a:defRPr sz="1800" kern="1200">
+        <a:solidFill>
+          <a:schemeClr val="tx1"/>
+        </a:solidFill>
+        <a:latin typeface="+mn-lt"/>
+        <a:ea typeface="+mn-ea"/>
+        <a:cs typeface="+mn-cs"/>
+      </a:defRPr>
+    </a:lvl6pPr>
+    <a:lvl7pPr marL="2743200" algn="l" defTabSz="914400" rtl="0" eaLnBrk="1" latinLnBrk="0" hangingPunct="1">
+      <a:defRPr sz="1800" kern="1200">
+        <a:solidFill>
+          <a:schemeClr val="tx1"/>
+        </a:solidFill>
+        <a:latin typeface="+mn-lt"/>
+        <a:ea typeface="+mn-ea"/>
+        <a:cs typeface="+mn-cs"/>
+      </a:defRPr>
+    </a:lvl7pPr>
+    <a:lvl8pPr marL="3200400" algn="l" defTabSz="914400" rtl="0" eaLnBrk="1" latinLnBrk="0" hangingPunct="1">
+      <a:defRPr sz="1800" kern="1200">
+        <a:solidFill>
+          <a:schemeClr val="tx1"/>
+        </a:solidFill>
+        <a:latin typeface="+mn-lt"/>
+        <a:ea typeface="+mn-ea"/>
+        <a:cs typeface="+mn-cs"/>
+      </a:defRPr>
+    </a:lvl8pPr>
+    <a:lvl9pPr marL="3657600" algn="l" defTabSz="914400" rtl="0" eaLnBrk="1" latinLnBrk="0" hangingPunct="1">
+      <a:defRPr sz="1800" kern="1200">
+        <a:solidFill>
+          <a:schemeClr val="tx1"/>
+        </a:solidFill>
+        <a:latin typeface="+mn-lt"/>
+        <a:ea typeface="+mn-ea"/>
+        <a:cs typeface="+mn-cs"/>
+      </a:defRPr>
+    </a:lvl9pPr>
+  </p:notesStyle>
 </p:notesMaster>
 </file>
 
 <file path=ppt/notesSlides/notesSlide1.xml><?xml version="1.0" encoding="utf-8"?>
-<p:notes xmlns:a="http://schemas.openxmlformats.org/drawingml/2006/main" xmlns:r="http://schemas.openxmlformats.org/officeDocument/2006/relationships" xmlns:mc="http://schemas.openxmlformats.org/markup-compatibility/2006" xmlns:mv="urn:schemas-microsoft-com:mac:vml" xmlns:p="http://schemas.openxmlformats.org/presentationml/2006/main" xmlns:c="http://schemas.openxmlformats.org/drawingml/2006/chart" xmlns:dgm="http://schemas.openxmlformats.org/drawingml/2006/diagram" xmlns:o="urn:schemas-microsoft-com:office:office" xmlns:v="urn:schemas-microsoft-com:vml" xmlns:pvml="urn:schemas-microsoft-com:office:powerpoint" xmlns:com="http://schemas.openxmlformats.org/drawingml/2006/compatibility" xmlns:p14="http://schemas.microsoft.com/office/powerpoint/2010/main" showMasterSp="0" showMasterPhAnim="0">
+<p:notes xmlns:a="http://schemas.openxmlformats.org/drawingml/2006/main" xmlns:r="http://schemas.openxmlformats.org/officeDocument/2006/relationships" xmlns:p="http://schemas.openxmlformats.org/presentationml/2006/main" showMasterSp="0" showMasterPhAnim="0">
   <p:cSld>
     <p:spTree>
       <p:nvGrpSpPr>
-        <p:cNvPr id="72" name="Shape 72"/>
+        <p:cNvPr id="1" name="Shape 72"/>
         <p:cNvGrpSpPr/>
         <p:nvPr/>
       </p:nvGrpSpPr>
       <p:grpSpPr>
         <a:xfrm>
-          <a:off y="0" x="0"/>
-          <a:ext cy="0" cx="0"/>
-          <a:chOff y="0" x="0"/>
-          <a:chExt cy="0" cx="0"/>
+          <a:off x="0" y="0"/>
+          <a:ext cx="0" cy="0"/>
+          <a:chOff x="0" y="0"/>
+          <a:chExt cx="0" cy="0"/>
         </a:xfrm>
       </p:grpSpPr>
       <p:sp>
         <p:nvSpPr>
           <p:cNvPr id="73" name="Shape 73"/>
-          <p:cNvSpPr/>
+          <p:cNvSpPr>
+            <a:spLocks noGrp="1" noRot="1" noChangeAspect="1"/>
+          </p:cNvSpPr>
           <p:nvPr>
-            <p:ph idx="2" type="sldImg"/>
+            <p:ph type="sldImg" idx="2"/>
           </p:nvPr>
         </p:nvSpPr>
         <p:spPr>
           <a:xfrm>
-            <a:off y="685800" x="381187"/>
-            <a:ext cy="3429000" cx="6096299"/>
+            <a:off x="381187" y="685800"/>
+            <a:ext cx="6096299" cy="3429000"/>
           </a:xfrm>
           <a:custGeom>
+            <a:avLst/>
+            <a:gdLst/>
+            <a:ahLst/>
+            <a:cxnLst/>
+            <a:rect l="0" t="0" r="0" b="0"/>
             <a:pathLst>
-              <a:path w="120000" extrusionOk="0" h="120000">
+              <a:path w="120000" h="120000" extrusionOk="0">
                 <a:moveTo>
-                  <a:pt y="0" x="0"/>
+                  <a:pt x="0" y="0"/>
                 </a:moveTo>
                 <a:lnTo>
-                  <a:pt y="0" x="120000"/>
+                  <a:pt x="120000" y="0"/>
                 </a:lnTo>
                 <a:lnTo>
-                  <a:pt y="120000" x="120000"/>
+                  <a:pt x="120000" y="120000"/>
                 </a:lnTo>
                 <a:lnTo>
-                  <a:pt y="120000" x="0"/>
+                  <a:pt x="0" y="120000"/>
                 </a:lnTo>
                 <a:close/>
               </a:path>
@@ -395,26 +515,30 @@
       <p:sp>
         <p:nvSpPr>
           <p:cNvPr id="74" name="Shape 74"/>
-          <p:cNvSpPr txBox="1"/>
+          <p:cNvSpPr txBox="1">
+            <a:spLocks noGrp="1"/>
+          </p:cNvSpPr>
           <p:nvPr>
-            <p:ph idx="1" type="body"/>
+            <p:ph type="body" idx="1"/>
           </p:nvPr>
         </p:nvSpPr>
         <p:spPr>
           <a:xfrm>
-            <a:off y="4343400" x="685800"/>
-            <a:ext cy="4114800" cx="5486399"/>
+            <a:off x="685800" y="4343400"/>
+            <a:ext cx="5486399" cy="4114800"/>
           </a:xfrm>
           <a:prstGeom prst="rect">
             <a:avLst/>
           </a:prstGeom>
         </p:spPr>
         <p:txBody>
-          <a:bodyPr bIns="91425" rIns="91425" lIns="91425" tIns="91425" anchor="t" anchorCtr="0">
+          <a:bodyPr lIns="91425" tIns="91425" rIns="91425" bIns="91425" anchor="t" anchorCtr="0">
             <a:noAutofit/>
           </a:bodyPr>
           <a:lstStyle/>
-          <a:p/>
+          <a:p>
+            <a:endParaRPr/>
+          </a:p>
         </p:txBody>
       </p:sp>
     </p:spTree>
@@ -426,49 +550,56 @@
 </file>
 
 <file path=ppt/notesSlides/notesSlide2.xml><?xml version="1.0" encoding="utf-8"?>
-<p:notes xmlns:a="http://schemas.openxmlformats.org/drawingml/2006/main" xmlns:r="http://schemas.openxmlformats.org/officeDocument/2006/relationships" xmlns:mc="http://schemas.openxmlformats.org/markup-compatibility/2006" xmlns:mv="urn:schemas-microsoft-com:mac:vml" xmlns:p="http://schemas.openxmlformats.org/presentationml/2006/main" xmlns:c="http://schemas.openxmlformats.org/drawingml/2006/chart" xmlns:dgm="http://schemas.openxmlformats.org/drawingml/2006/diagram" xmlns:o="urn:schemas-microsoft-com:office:office" xmlns:v="urn:schemas-microsoft-com:vml" xmlns:pvml="urn:schemas-microsoft-com:office:powerpoint" xmlns:com="http://schemas.openxmlformats.org/drawingml/2006/compatibility" xmlns:p14="http://schemas.microsoft.com/office/powerpoint/2010/main" showMasterSp="0" showMasterPhAnim="0">
+<p:notes xmlns:a="http://schemas.openxmlformats.org/drawingml/2006/main" xmlns:r="http://schemas.openxmlformats.org/officeDocument/2006/relationships" xmlns:p="http://schemas.openxmlformats.org/presentationml/2006/main" showMasterSp="0" showMasterPhAnim="0">
   <p:cSld>
     <p:spTree>
       <p:nvGrpSpPr>
-        <p:cNvPr id="78" name="Shape 78"/>
+        <p:cNvPr id="1" name="Shape 78"/>
         <p:cNvGrpSpPr/>
         <p:nvPr/>
       </p:nvGrpSpPr>
       <p:grpSpPr>
         <a:xfrm>
-          <a:off y="0" x="0"/>
-          <a:ext cy="0" cx="0"/>
-          <a:chOff y="0" x="0"/>
-          <a:chExt cy="0" cx="0"/>
+          <a:off x="0" y="0"/>
+          <a:ext cx="0" cy="0"/>
+          <a:chOff x="0" y="0"/>
+          <a:chExt cx="0" cy="0"/>
         </a:xfrm>
       </p:grpSpPr>
       <p:sp>
         <p:nvSpPr>
           <p:cNvPr id="79" name="Shape 79"/>
-          <p:cNvSpPr/>
+          <p:cNvSpPr>
+            <a:spLocks noGrp="1" noRot="1" noChangeAspect="1"/>
+          </p:cNvSpPr>
           <p:nvPr>
-            <p:ph idx="2" type="sldImg"/>
+            <p:ph type="sldImg" idx="2"/>
           </p:nvPr>
         </p:nvSpPr>
         <p:spPr>
           <a:xfrm>
-            <a:off y="685800" x="381187"/>
-            <a:ext cy="3429000" cx="6096299"/>
+            <a:off x="381000" y="685800"/>
+            <a:ext cx="6096000" cy="3429000"/>
           </a:xfrm>
           <a:custGeom>
+            <a:avLst/>
+            <a:gdLst/>
+            <a:ahLst/>
+            <a:cxnLst/>
+            <a:rect l="0" t="0" r="0" b="0"/>
             <a:pathLst>
-              <a:path w="120000" extrusionOk="0" h="120000">
+              <a:path w="120000" h="120000" extrusionOk="0">
                 <a:moveTo>
-                  <a:pt y="0" x="0"/>
+                  <a:pt x="0" y="0"/>
                 </a:moveTo>
                 <a:lnTo>
-                  <a:pt y="0" x="120000"/>
+                  <a:pt x="120000" y="0"/>
                 </a:lnTo>
                 <a:lnTo>
-                  <a:pt y="120000" x="120000"/>
+                  <a:pt x="120000" y="120000"/>
                 </a:lnTo>
                 <a:lnTo>
-                  <a:pt y="120000" x="0"/>
+                  <a:pt x="0" y="120000"/>
                 </a:lnTo>
                 <a:close/>
               </a:path>
@@ -479,26 +610,30 @@
       <p:sp>
         <p:nvSpPr>
           <p:cNvPr id="80" name="Shape 80"/>
-          <p:cNvSpPr txBox="1"/>
+          <p:cNvSpPr txBox="1">
+            <a:spLocks noGrp="1"/>
+          </p:cNvSpPr>
           <p:nvPr>
-            <p:ph idx="1" type="body"/>
+            <p:ph type="body" idx="1"/>
           </p:nvPr>
         </p:nvSpPr>
         <p:spPr>
           <a:xfrm>
-            <a:off y="4343400" x="685800"/>
-            <a:ext cy="4114800" cx="5486399"/>
+            <a:off x="685800" y="4343400"/>
+            <a:ext cx="5486399" cy="4114800"/>
           </a:xfrm>
           <a:prstGeom prst="rect">
             <a:avLst/>
           </a:prstGeom>
         </p:spPr>
         <p:txBody>
-          <a:bodyPr bIns="91425" rIns="91425" lIns="91425" tIns="91425" anchor="t" anchorCtr="0">
+          <a:bodyPr lIns="91425" tIns="91425" rIns="91425" bIns="91425" anchor="t" anchorCtr="0">
             <a:noAutofit/>
           </a:bodyPr>
           <a:lstStyle/>
-          <a:p/>
+          <a:p>
+            <a:endParaRPr/>
+          </a:p>
         </p:txBody>
       </p:sp>
     </p:spTree>
@@ -510,49 +645,56 @@
 </file>
 
 <file path=ppt/notesSlides/notesSlide3.xml><?xml version="1.0" encoding="utf-8"?>
-<p:notes xmlns:a="http://schemas.openxmlformats.org/drawingml/2006/main" xmlns:r="http://schemas.openxmlformats.org/officeDocument/2006/relationships" xmlns:mc="http://schemas.openxmlformats.org/markup-compatibility/2006" xmlns:mv="urn:schemas-microsoft-com:mac:vml" xmlns:p="http://schemas.openxmlformats.org/presentationml/2006/main" xmlns:c="http://schemas.openxmlformats.org/drawingml/2006/chart" xmlns:dgm="http://schemas.openxmlformats.org/drawingml/2006/diagram" xmlns:o="urn:schemas-microsoft-com:office:office" xmlns:v="urn:schemas-microsoft-com:vml" xmlns:pvml="urn:schemas-microsoft-com:office:powerpoint" xmlns:com="http://schemas.openxmlformats.org/drawingml/2006/compatibility" xmlns:p14="http://schemas.microsoft.com/office/powerpoint/2010/main" showMasterSp="0" showMasterPhAnim="0">
+<p:notes xmlns:a="http://schemas.openxmlformats.org/drawingml/2006/main" xmlns:r="http://schemas.openxmlformats.org/officeDocument/2006/relationships" xmlns:p="http://schemas.openxmlformats.org/presentationml/2006/main" showMasterSp="0" showMasterPhAnim="0">
   <p:cSld>
     <p:spTree>
       <p:nvGrpSpPr>
-        <p:cNvPr id="84" name="Shape 84"/>
+        <p:cNvPr id="1" name="Shape 84"/>
         <p:cNvGrpSpPr/>
         <p:nvPr/>
       </p:nvGrpSpPr>
       <p:grpSpPr>
         <a:xfrm>
-          <a:off y="0" x="0"/>
-          <a:ext cy="0" cx="0"/>
-          <a:chOff y="0" x="0"/>
-          <a:chExt cy="0" cx="0"/>
+          <a:off x="0" y="0"/>
+          <a:ext cx="0" cy="0"/>
+          <a:chOff x="0" y="0"/>
+          <a:chExt cx="0" cy="0"/>
         </a:xfrm>
       </p:grpSpPr>
       <p:sp>
         <p:nvSpPr>
           <p:cNvPr id="85" name="Shape 85"/>
-          <p:cNvSpPr/>
+          <p:cNvSpPr>
+            <a:spLocks noGrp="1" noRot="1" noChangeAspect="1"/>
+          </p:cNvSpPr>
           <p:nvPr>
-            <p:ph idx="2" type="sldImg"/>
+            <p:ph type="sldImg" idx="2"/>
           </p:nvPr>
         </p:nvSpPr>
         <p:spPr>
           <a:xfrm>
-            <a:off y="685800" x="381187"/>
-            <a:ext cy="3429000" cx="6096299"/>
+            <a:off x="381000" y="685800"/>
+            <a:ext cx="6096000" cy="3429000"/>
           </a:xfrm>
           <a:custGeom>
+            <a:avLst/>
+            <a:gdLst/>
+            <a:ahLst/>
+            <a:cxnLst/>
+            <a:rect l="0" t="0" r="0" b="0"/>
             <a:pathLst>
-              <a:path w="120000" extrusionOk="0" h="120000">
+              <a:path w="120000" h="120000" extrusionOk="0">
                 <a:moveTo>
-                  <a:pt y="0" x="0"/>
+                  <a:pt x="0" y="0"/>
                 </a:moveTo>
                 <a:lnTo>
-                  <a:pt y="0" x="120000"/>
+                  <a:pt x="120000" y="0"/>
                 </a:lnTo>
                 <a:lnTo>
-                  <a:pt y="120000" x="120000"/>
+                  <a:pt x="120000" y="120000"/>
                 </a:lnTo>
                 <a:lnTo>
-                  <a:pt y="120000" x="0"/>
+                  <a:pt x="0" y="120000"/>
                 </a:lnTo>
                 <a:close/>
               </a:path>
@@ -563,26 +705,30 @@
       <p:sp>
         <p:nvSpPr>
           <p:cNvPr id="86" name="Shape 86"/>
-          <p:cNvSpPr txBox="1"/>
+          <p:cNvSpPr txBox="1">
+            <a:spLocks noGrp="1"/>
+          </p:cNvSpPr>
           <p:nvPr>
-            <p:ph idx="1" type="body"/>
+            <p:ph type="body" idx="1"/>
           </p:nvPr>
         </p:nvSpPr>
         <p:spPr>
           <a:xfrm>
-            <a:off y="4343400" x="685800"/>
-            <a:ext cy="4114800" cx="5486399"/>
+            <a:off x="685800" y="4343400"/>
+            <a:ext cx="5486399" cy="4114800"/>
           </a:xfrm>
           <a:prstGeom prst="rect">
             <a:avLst/>
           </a:prstGeom>
         </p:spPr>
         <p:txBody>
-          <a:bodyPr bIns="91425" rIns="91425" lIns="91425" tIns="91425" anchor="t" anchorCtr="0">
+          <a:bodyPr lIns="91425" tIns="91425" rIns="91425" bIns="91425" anchor="t" anchorCtr="0">
             <a:noAutofit/>
           </a:bodyPr>
           <a:lstStyle/>
-          <a:p/>
+          <a:p>
+            <a:endParaRPr/>
+          </a:p>
         </p:txBody>
       </p:sp>
     </p:spTree>
@@ -594,49 +740,56 @@
 </file>
 
 <file path=ppt/notesSlides/notesSlide4.xml><?xml version="1.0" encoding="utf-8"?>
-<p:notes xmlns:a="http://schemas.openxmlformats.org/drawingml/2006/main" xmlns:r="http://schemas.openxmlformats.org/officeDocument/2006/relationships" xmlns:mc="http://schemas.openxmlformats.org/markup-compatibility/2006" xmlns:mv="urn:schemas-microsoft-com:mac:vml" xmlns:p="http://schemas.openxmlformats.org/presentationml/2006/main" xmlns:c="http://schemas.openxmlformats.org/drawingml/2006/chart" xmlns:dgm="http://schemas.openxmlformats.org/drawingml/2006/diagram" xmlns:o="urn:schemas-microsoft-com:office:office" xmlns:v="urn:schemas-microsoft-com:vml" xmlns:pvml="urn:schemas-microsoft-com:office:powerpoint" xmlns:com="http://schemas.openxmlformats.org/drawingml/2006/compatibility" xmlns:p14="http://schemas.microsoft.com/office/powerpoint/2010/main" showMasterSp="0" showMasterPhAnim="0">
+<p:notes xmlns:a="http://schemas.openxmlformats.org/drawingml/2006/main" xmlns:r="http://schemas.openxmlformats.org/officeDocument/2006/relationships" xmlns:p="http://schemas.openxmlformats.org/presentationml/2006/main" showMasterSp="0" showMasterPhAnim="0">
   <p:cSld>
     <p:spTree>
       <p:nvGrpSpPr>
-        <p:cNvPr id="90" name="Shape 90"/>
+        <p:cNvPr id="1" name="Shape 90"/>
         <p:cNvGrpSpPr/>
         <p:nvPr/>
       </p:nvGrpSpPr>
       <p:grpSpPr>
         <a:xfrm>
-          <a:off y="0" x="0"/>
-          <a:ext cy="0" cx="0"/>
-          <a:chOff y="0" x="0"/>
-          <a:chExt cy="0" cx="0"/>
+          <a:off x="0" y="0"/>
+          <a:ext cx="0" cy="0"/>
+          <a:chOff x="0" y="0"/>
+          <a:chExt cx="0" cy="0"/>
         </a:xfrm>
       </p:grpSpPr>
       <p:sp>
         <p:nvSpPr>
           <p:cNvPr id="91" name="Shape 91"/>
-          <p:cNvSpPr/>
+          <p:cNvSpPr>
+            <a:spLocks noGrp="1" noRot="1" noChangeAspect="1"/>
+          </p:cNvSpPr>
           <p:nvPr>
-            <p:ph idx="2" type="sldImg"/>
+            <p:ph type="sldImg" idx="2"/>
           </p:nvPr>
         </p:nvSpPr>
         <p:spPr>
           <a:xfrm>
-            <a:off y="685800" x="381187"/>
-            <a:ext cy="3429000" cx="6096299"/>
+            <a:off x="381000" y="685800"/>
+            <a:ext cx="6096000" cy="3429000"/>
           </a:xfrm>
           <a:custGeom>
+            <a:avLst/>
+            <a:gdLst/>
+            <a:ahLst/>
+            <a:cxnLst/>
+            <a:rect l="0" t="0" r="0" b="0"/>
             <a:pathLst>
-              <a:path w="120000" extrusionOk="0" h="120000">
+              <a:path w="120000" h="120000" extrusionOk="0">
                 <a:moveTo>
-                  <a:pt y="0" x="0"/>
+                  <a:pt x="0" y="0"/>
                 </a:moveTo>
                 <a:lnTo>
-                  <a:pt y="0" x="120000"/>
+                  <a:pt x="120000" y="0"/>
                 </a:lnTo>
                 <a:lnTo>
-                  <a:pt y="120000" x="120000"/>
+                  <a:pt x="120000" y="120000"/>
                 </a:lnTo>
                 <a:lnTo>
-                  <a:pt y="120000" x="0"/>
+                  <a:pt x="0" y="120000"/>
                 </a:lnTo>
                 <a:close/>
               </a:path>
@@ -647,26 +800,30 @@
       <p:sp>
         <p:nvSpPr>
           <p:cNvPr id="92" name="Shape 92"/>
-          <p:cNvSpPr txBox="1"/>
+          <p:cNvSpPr txBox="1">
+            <a:spLocks noGrp="1"/>
+          </p:cNvSpPr>
           <p:nvPr>
-            <p:ph idx="1" type="body"/>
+            <p:ph type="body" idx="1"/>
           </p:nvPr>
         </p:nvSpPr>
         <p:spPr>
           <a:xfrm>
-            <a:off y="4343400" x="685800"/>
-            <a:ext cy="4114800" cx="5486399"/>
+            <a:off x="685800" y="4343400"/>
+            <a:ext cx="5486399" cy="4114800"/>
           </a:xfrm>
           <a:prstGeom prst="rect">
             <a:avLst/>
           </a:prstGeom>
         </p:spPr>
         <p:txBody>
-          <a:bodyPr bIns="91425" rIns="91425" lIns="91425" tIns="91425" anchor="t" anchorCtr="0">
+          <a:bodyPr lIns="91425" tIns="91425" rIns="91425" bIns="91425" anchor="t" anchorCtr="0">
             <a:noAutofit/>
           </a:bodyPr>
           <a:lstStyle/>
-          <a:p/>
+          <a:p>
+            <a:endParaRPr/>
+          </a:p>
         </p:txBody>
       </p:sp>
     </p:spTree>
@@ -678,49 +835,56 @@
 </file>
 
 <file path=ppt/notesSlides/notesSlide5.xml><?xml version="1.0" encoding="utf-8"?>
-<p:notes xmlns:a="http://schemas.openxmlformats.org/drawingml/2006/main" xmlns:r="http://schemas.openxmlformats.org/officeDocument/2006/relationships" xmlns:mc="http://schemas.openxmlformats.org/markup-compatibility/2006" xmlns:mv="urn:schemas-microsoft-com:mac:vml" xmlns:p="http://schemas.openxmlformats.org/presentationml/2006/main" xmlns:c="http://schemas.openxmlformats.org/drawingml/2006/chart" xmlns:dgm="http://schemas.openxmlformats.org/drawingml/2006/diagram" xmlns:o="urn:schemas-microsoft-com:office:office" xmlns:v="urn:schemas-microsoft-com:vml" xmlns:pvml="urn:schemas-microsoft-com:office:powerpoint" xmlns:com="http://schemas.openxmlformats.org/drawingml/2006/compatibility" xmlns:p14="http://schemas.microsoft.com/office/powerpoint/2010/main" showMasterSp="0" showMasterPhAnim="0">
+<p:notes xmlns:a="http://schemas.openxmlformats.org/drawingml/2006/main" xmlns:r="http://schemas.openxmlformats.org/officeDocument/2006/relationships" xmlns:p="http://schemas.openxmlformats.org/presentationml/2006/main" showMasterSp="0" showMasterPhAnim="0">
   <p:cSld>
     <p:spTree>
       <p:nvGrpSpPr>
-        <p:cNvPr id="96" name="Shape 96"/>
+        <p:cNvPr id="1" name="Shape 96"/>
         <p:cNvGrpSpPr/>
         <p:nvPr/>
       </p:nvGrpSpPr>
       <p:grpSpPr>
         <a:xfrm>
-          <a:off y="0" x="0"/>
-          <a:ext cy="0" cx="0"/>
-          <a:chOff y="0" x="0"/>
-          <a:chExt cy="0" cx="0"/>
+          <a:off x="0" y="0"/>
+          <a:ext cx="0" cy="0"/>
+          <a:chOff x="0" y="0"/>
+          <a:chExt cx="0" cy="0"/>
         </a:xfrm>
       </p:grpSpPr>
       <p:sp>
         <p:nvSpPr>
           <p:cNvPr id="97" name="Shape 97"/>
-          <p:cNvSpPr/>
+          <p:cNvSpPr>
+            <a:spLocks noGrp="1" noRot="1" noChangeAspect="1"/>
+          </p:cNvSpPr>
           <p:nvPr>
-            <p:ph idx="2" type="sldImg"/>
+            <p:ph type="sldImg" idx="2"/>
           </p:nvPr>
         </p:nvSpPr>
         <p:spPr>
           <a:xfrm>
-            <a:off y="685800" x="381187"/>
-            <a:ext cy="3429000" cx="6096299"/>
+            <a:off x="381000" y="685800"/>
+            <a:ext cx="6096000" cy="3429000"/>
           </a:xfrm>
           <a:custGeom>
+            <a:avLst/>
+            <a:gdLst/>
+            <a:ahLst/>
+            <a:cxnLst/>
+            <a:rect l="0" t="0" r="0" b="0"/>
             <a:pathLst>
-              <a:path w="120000" extrusionOk="0" h="120000">
+              <a:path w="120000" h="120000" extrusionOk="0">
                 <a:moveTo>
-                  <a:pt y="0" x="0"/>
+                  <a:pt x="0" y="0"/>
                 </a:moveTo>
                 <a:lnTo>
-                  <a:pt y="0" x="120000"/>
+                  <a:pt x="120000" y="0"/>
                 </a:lnTo>
                 <a:lnTo>
-                  <a:pt y="120000" x="120000"/>
+                  <a:pt x="120000" y="120000"/>
                 </a:lnTo>
                 <a:lnTo>
-                  <a:pt y="120000" x="0"/>
+                  <a:pt x="0" y="120000"/>
                 </a:lnTo>
                 <a:close/>
               </a:path>
@@ -731,26 +895,30 @@
       <p:sp>
         <p:nvSpPr>
           <p:cNvPr id="98" name="Shape 98"/>
-          <p:cNvSpPr txBox="1"/>
+          <p:cNvSpPr txBox="1">
+            <a:spLocks noGrp="1"/>
+          </p:cNvSpPr>
           <p:nvPr>
-            <p:ph idx="1" type="body"/>
+            <p:ph type="body" idx="1"/>
           </p:nvPr>
         </p:nvSpPr>
         <p:spPr>
           <a:xfrm>
-            <a:off y="4343400" x="685800"/>
-            <a:ext cy="4114800" cx="5486399"/>
+            <a:off x="685800" y="4343400"/>
+            <a:ext cx="5486399" cy="4114800"/>
           </a:xfrm>
           <a:prstGeom prst="rect">
             <a:avLst/>
           </a:prstGeom>
         </p:spPr>
         <p:txBody>
-          <a:bodyPr bIns="91425" rIns="91425" lIns="91425" tIns="91425" anchor="t" anchorCtr="0">
+          <a:bodyPr lIns="91425" tIns="91425" rIns="91425" bIns="91425" anchor="t" anchorCtr="0">
             <a:noAutofit/>
           </a:bodyPr>
           <a:lstStyle/>
-          <a:p/>
+          <a:p>
+            <a:endParaRPr/>
+          </a:p>
         </p:txBody>
       </p:sp>
     </p:spTree>
@@ -762,49 +930,56 @@
 </file>
 
 <file path=ppt/notesSlides/notesSlide6.xml><?xml version="1.0" encoding="utf-8"?>
-<p:notes xmlns:a="http://schemas.openxmlformats.org/drawingml/2006/main" xmlns:r="http://schemas.openxmlformats.org/officeDocument/2006/relationships" xmlns:mc="http://schemas.openxmlformats.org/markup-compatibility/2006" xmlns:mv="urn:schemas-microsoft-com:mac:vml" xmlns:p="http://schemas.openxmlformats.org/presentationml/2006/main" xmlns:c="http://schemas.openxmlformats.org/drawingml/2006/chart" xmlns:dgm="http://schemas.openxmlformats.org/drawingml/2006/diagram" xmlns:o="urn:schemas-microsoft-com:office:office" xmlns:v="urn:schemas-microsoft-com:vml" xmlns:pvml="urn:schemas-microsoft-com:office:powerpoint" xmlns:com="http://schemas.openxmlformats.org/drawingml/2006/compatibility" xmlns:p14="http://schemas.microsoft.com/office/powerpoint/2010/main" showMasterSp="0" showMasterPhAnim="0">
+<p:notes xmlns:a="http://schemas.openxmlformats.org/drawingml/2006/main" xmlns:r="http://schemas.openxmlformats.org/officeDocument/2006/relationships" xmlns:p="http://schemas.openxmlformats.org/presentationml/2006/main" showMasterSp="0" showMasterPhAnim="0">
   <p:cSld>
     <p:spTree>
       <p:nvGrpSpPr>
-        <p:cNvPr id="102" name="Shape 102"/>
+        <p:cNvPr id="1" name="Shape 102"/>
         <p:cNvGrpSpPr/>
         <p:nvPr/>
       </p:nvGrpSpPr>
       <p:grpSpPr>
         <a:xfrm>
-          <a:off y="0" x="0"/>
-          <a:ext cy="0" cx="0"/>
-          <a:chOff y="0" x="0"/>
-          <a:chExt cy="0" cx="0"/>
+          <a:off x="0" y="0"/>
+          <a:ext cx="0" cy="0"/>
+          <a:chOff x="0" y="0"/>
+          <a:chExt cx="0" cy="0"/>
         </a:xfrm>
       </p:grpSpPr>
       <p:sp>
         <p:nvSpPr>
           <p:cNvPr id="103" name="Shape 103"/>
-          <p:cNvSpPr/>
+          <p:cNvSpPr>
+            <a:spLocks noGrp="1" noRot="1" noChangeAspect="1"/>
+          </p:cNvSpPr>
           <p:nvPr>
-            <p:ph idx="2" type="sldImg"/>
+            <p:ph type="sldImg" idx="2"/>
           </p:nvPr>
         </p:nvSpPr>
         <p:spPr>
           <a:xfrm>
-            <a:off y="685800" x="381187"/>
-            <a:ext cy="3429000" cx="6096299"/>
+            <a:off x="381000" y="685800"/>
+            <a:ext cx="6096000" cy="3429000"/>
           </a:xfrm>
           <a:custGeom>
+            <a:avLst/>
+            <a:gdLst/>
+            <a:ahLst/>
+            <a:cxnLst/>
+            <a:rect l="0" t="0" r="0" b="0"/>
             <a:pathLst>
-              <a:path w="120000" extrusionOk="0" h="120000">
+              <a:path w="120000" h="120000" extrusionOk="0">
                 <a:moveTo>
-                  <a:pt y="0" x="0"/>
+                  <a:pt x="0" y="0"/>
                 </a:moveTo>
                 <a:lnTo>
-                  <a:pt y="0" x="120000"/>
+                  <a:pt x="120000" y="0"/>
                 </a:lnTo>
                 <a:lnTo>
-                  <a:pt y="120000" x="120000"/>
+                  <a:pt x="120000" y="120000"/>
                 </a:lnTo>
                 <a:lnTo>
-                  <a:pt y="120000" x="0"/>
+                  <a:pt x="0" y="120000"/>
                 </a:lnTo>
                 <a:close/>
               </a:path>
@@ -815,26 +990,30 @@
       <p:sp>
         <p:nvSpPr>
           <p:cNvPr id="104" name="Shape 104"/>
-          <p:cNvSpPr txBox="1"/>
+          <p:cNvSpPr txBox="1">
+            <a:spLocks noGrp="1"/>
+          </p:cNvSpPr>
           <p:nvPr>
-            <p:ph idx="1" type="body"/>
+            <p:ph type="body" idx="1"/>
           </p:nvPr>
         </p:nvSpPr>
         <p:spPr>
           <a:xfrm>
-            <a:off y="4343400" x="685800"/>
-            <a:ext cy="4114800" cx="5486399"/>
+            <a:off x="685800" y="4343400"/>
+            <a:ext cx="5486399" cy="4114800"/>
           </a:xfrm>
           <a:prstGeom prst="rect">
             <a:avLst/>
           </a:prstGeom>
         </p:spPr>
         <p:txBody>
-          <a:bodyPr bIns="91425" rIns="91425" lIns="91425" tIns="91425" anchor="t" anchorCtr="0">
+          <a:bodyPr lIns="91425" tIns="91425" rIns="91425" bIns="91425" anchor="t" anchorCtr="0">
             <a:noAutofit/>
           </a:bodyPr>
           <a:lstStyle/>
-          <a:p/>
+          <a:p>
+            <a:endParaRPr/>
+          </a:p>
         </p:txBody>
       </p:sp>
     </p:spTree>
@@ -846,49 +1025,56 @@
 </file>
 
 <file path=ppt/notesSlides/notesSlide7.xml><?xml version="1.0" encoding="utf-8"?>
-<p:notes xmlns:a="http://schemas.openxmlformats.org/drawingml/2006/main" xmlns:r="http://schemas.openxmlformats.org/officeDocument/2006/relationships" xmlns:mc="http://schemas.openxmlformats.org/markup-compatibility/2006" xmlns:mv="urn:schemas-microsoft-com:mac:vml" xmlns:p="http://schemas.openxmlformats.org/presentationml/2006/main" xmlns:c="http://schemas.openxmlformats.org/drawingml/2006/chart" xmlns:dgm="http://schemas.openxmlformats.org/drawingml/2006/diagram" xmlns:o="urn:schemas-microsoft-com:office:office" xmlns:v="urn:schemas-microsoft-com:vml" xmlns:pvml="urn:schemas-microsoft-com:office:powerpoint" xmlns:com="http://schemas.openxmlformats.org/drawingml/2006/compatibility" xmlns:p14="http://schemas.microsoft.com/office/powerpoint/2010/main" showMasterSp="0" showMasterPhAnim="0">
+<p:notes xmlns:a="http://schemas.openxmlformats.org/drawingml/2006/main" xmlns:r="http://schemas.openxmlformats.org/officeDocument/2006/relationships" xmlns:p="http://schemas.openxmlformats.org/presentationml/2006/main" showMasterSp="0" showMasterPhAnim="0">
   <p:cSld>
     <p:spTree>
       <p:nvGrpSpPr>
-        <p:cNvPr id="108" name="Shape 108"/>
+        <p:cNvPr id="1" name="Shape 108"/>
         <p:cNvGrpSpPr/>
         <p:nvPr/>
       </p:nvGrpSpPr>
       <p:grpSpPr>
         <a:xfrm>
-          <a:off y="0" x="0"/>
-          <a:ext cy="0" cx="0"/>
-          <a:chOff y="0" x="0"/>
-          <a:chExt cy="0" cx="0"/>
+          <a:off x="0" y="0"/>
+          <a:ext cx="0" cy="0"/>
+          <a:chOff x="0" y="0"/>
+          <a:chExt cx="0" cy="0"/>
         </a:xfrm>
       </p:grpSpPr>
       <p:sp>
         <p:nvSpPr>
           <p:cNvPr id="109" name="Shape 109"/>
-          <p:cNvSpPr/>
+          <p:cNvSpPr>
+            <a:spLocks noGrp="1" noRot="1" noChangeAspect="1"/>
+          </p:cNvSpPr>
           <p:nvPr>
-            <p:ph idx="2" type="sldImg"/>
+            <p:ph type="sldImg" idx="2"/>
           </p:nvPr>
         </p:nvSpPr>
         <p:spPr>
           <a:xfrm>
-            <a:off y="685800" x="381187"/>
-            <a:ext cy="3429000" cx="6096299"/>
+            <a:off x="381187" y="685800"/>
+            <a:ext cx="6096299" cy="3429000"/>
           </a:xfrm>
           <a:custGeom>
+            <a:avLst/>
+            <a:gdLst/>
+            <a:ahLst/>
+            <a:cxnLst/>
+            <a:rect l="0" t="0" r="0" b="0"/>
             <a:pathLst>
-              <a:path w="120000" extrusionOk="0" h="120000">
+              <a:path w="120000" h="120000" extrusionOk="0">
                 <a:moveTo>
-                  <a:pt y="0" x="0"/>
+                  <a:pt x="0" y="0"/>
                 </a:moveTo>
                 <a:lnTo>
-                  <a:pt y="0" x="120000"/>
+                  <a:pt x="120000" y="0"/>
                 </a:lnTo>
                 <a:lnTo>
-                  <a:pt y="120000" x="120000"/>
+                  <a:pt x="120000" y="120000"/>
                 </a:lnTo>
                 <a:lnTo>
-                  <a:pt y="120000" x="0"/>
+                  <a:pt x="0" y="120000"/>
                 </a:lnTo>
                 <a:close/>
               </a:path>
@@ -899,26 +1085,30 @@
       <p:sp>
         <p:nvSpPr>
           <p:cNvPr id="110" name="Shape 110"/>
-          <p:cNvSpPr txBox="1"/>
+          <p:cNvSpPr txBox="1">
+            <a:spLocks noGrp="1"/>
+          </p:cNvSpPr>
           <p:nvPr>
-            <p:ph idx="1" type="body"/>
+            <p:ph type="body" idx="1"/>
           </p:nvPr>
         </p:nvSpPr>
         <p:spPr>
           <a:xfrm>
-            <a:off y="4343400" x="685800"/>
-            <a:ext cy="4114800" cx="5486399"/>
+            <a:off x="685800" y="4343400"/>
+            <a:ext cx="5486399" cy="4114800"/>
           </a:xfrm>
           <a:prstGeom prst="rect">
             <a:avLst/>
           </a:prstGeom>
         </p:spPr>
         <p:txBody>
-          <a:bodyPr bIns="91425" rIns="91425" lIns="91425" tIns="91425" anchor="t" anchorCtr="0">
+          <a:bodyPr lIns="91425" tIns="91425" rIns="91425" bIns="91425" anchor="t" anchorCtr="0">
             <a:noAutofit/>
           </a:bodyPr>
           <a:lstStyle/>
-          <a:p/>
+          <a:p>
+            <a:endParaRPr/>
+          </a:p>
         </p:txBody>
       </p:sp>
     </p:spTree>
@@ -930,49 +1120,56 @@
 </file>
 
 <file path=ppt/notesSlides/notesSlide8.xml><?xml version="1.0" encoding="utf-8"?>
-<p:notes xmlns:a="http://schemas.openxmlformats.org/drawingml/2006/main" xmlns:r="http://schemas.openxmlformats.org/officeDocument/2006/relationships" xmlns:mc="http://schemas.openxmlformats.org/markup-compatibility/2006" xmlns:mv="urn:schemas-microsoft-com:mac:vml" xmlns:p="http://schemas.openxmlformats.org/presentationml/2006/main" xmlns:c="http://schemas.openxmlformats.org/drawingml/2006/chart" xmlns:dgm="http://schemas.openxmlformats.org/drawingml/2006/diagram" xmlns:o="urn:schemas-microsoft-com:office:office" xmlns:v="urn:schemas-microsoft-com:vml" xmlns:pvml="urn:schemas-microsoft-com:office:powerpoint" xmlns:com="http://schemas.openxmlformats.org/drawingml/2006/compatibility" xmlns:p14="http://schemas.microsoft.com/office/powerpoint/2010/main" showMasterSp="0" showMasterPhAnim="0">
+<p:notes xmlns:a="http://schemas.openxmlformats.org/drawingml/2006/main" xmlns:r="http://schemas.openxmlformats.org/officeDocument/2006/relationships" xmlns:p="http://schemas.openxmlformats.org/presentationml/2006/main" showMasterSp="0" showMasterPhAnim="0">
   <p:cSld>
     <p:spTree>
       <p:nvGrpSpPr>
-        <p:cNvPr id="114" name="Shape 114"/>
+        <p:cNvPr id="1" name="Shape 114"/>
         <p:cNvGrpSpPr/>
         <p:nvPr/>
       </p:nvGrpSpPr>
       <p:grpSpPr>
         <a:xfrm>
-          <a:off y="0" x="0"/>
-          <a:ext cy="0" cx="0"/>
-          <a:chOff y="0" x="0"/>
-          <a:chExt cy="0" cx="0"/>
+          <a:off x="0" y="0"/>
+          <a:ext cx="0" cy="0"/>
+          <a:chOff x="0" y="0"/>
+          <a:chExt cx="0" cy="0"/>
         </a:xfrm>
       </p:grpSpPr>
       <p:sp>
         <p:nvSpPr>
           <p:cNvPr id="115" name="Shape 115"/>
-          <p:cNvSpPr/>
+          <p:cNvSpPr>
+            <a:spLocks noGrp="1" noRot="1" noChangeAspect="1"/>
+          </p:cNvSpPr>
           <p:nvPr>
-            <p:ph idx="2" type="sldImg"/>
+            <p:ph type="sldImg" idx="2"/>
           </p:nvPr>
         </p:nvSpPr>
         <p:spPr>
           <a:xfrm>
-            <a:off y="685800" x="381187"/>
-            <a:ext cy="3429000" cx="6096299"/>
+            <a:off x="381000" y="685800"/>
+            <a:ext cx="6096000" cy="3429000"/>
           </a:xfrm>
           <a:custGeom>
+            <a:avLst/>
+            <a:gdLst/>
+            <a:ahLst/>
+            <a:cxnLst/>
+            <a:rect l="0" t="0" r="0" b="0"/>
             <a:pathLst>
-              <a:path w="120000" extrusionOk="0" h="120000">
+              <a:path w="120000" h="120000" extrusionOk="0">
                 <a:moveTo>
-                  <a:pt y="0" x="0"/>
+                  <a:pt x="0" y="0"/>
                 </a:moveTo>
                 <a:lnTo>
-                  <a:pt y="0" x="120000"/>
+                  <a:pt x="120000" y="0"/>
                 </a:lnTo>
                 <a:lnTo>
-                  <a:pt y="120000" x="120000"/>
+                  <a:pt x="120000" y="120000"/>
                 </a:lnTo>
                 <a:lnTo>
-                  <a:pt y="120000" x="0"/>
+                  <a:pt x="0" y="120000"/>
                 </a:lnTo>
                 <a:close/>
               </a:path>
@@ -983,26 +1180,30 @@
       <p:sp>
         <p:nvSpPr>
           <p:cNvPr id="116" name="Shape 116"/>
-          <p:cNvSpPr txBox="1"/>
+          <p:cNvSpPr txBox="1">
+            <a:spLocks noGrp="1"/>
+          </p:cNvSpPr>
           <p:nvPr>
-            <p:ph idx="1" type="body"/>
+            <p:ph type="body" idx="1"/>
           </p:nvPr>
         </p:nvSpPr>
         <p:spPr>
           <a:xfrm>
-            <a:off y="4343400" x="685800"/>
-            <a:ext cy="4114800" cx="5486399"/>
+            <a:off x="685800" y="4343400"/>
+            <a:ext cx="5486399" cy="4114800"/>
           </a:xfrm>
           <a:prstGeom prst="rect">
             <a:avLst/>
           </a:prstGeom>
         </p:spPr>
         <p:txBody>
-          <a:bodyPr bIns="91425" rIns="91425" lIns="91425" tIns="91425" anchor="t" anchorCtr="0">
+          <a:bodyPr lIns="91425" tIns="91425" rIns="91425" bIns="91425" anchor="t" anchorCtr="0">
             <a:noAutofit/>
           </a:bodyPr>
           <a:lstStyle/>
-          <a:p/>
+          <a:p>
+            <a:endParaRPr/>
+          </a:p>
         </p:txBody>
       </p:sp>
     </p:spTree>
@@ -1014,20 +1215,20 @@
 </file>
 
 <file path=ppt/slideLayouts/slideLayout1.xml><?xml version="1.0" encoding="utf-8"?>
-<p:sldLayout xmlns:a="http://schemas.openxmlformats.org/drawingml/2006/main" xmlns:r="http://schemas.openxmlformats.org/officeDocument/2006/relationships" xmlns:mc="http://schemas.openxmlformats.org/markup-compatibility/2006" xmlns:mv="urn:schemas-microsoft-com:mac:vml" xmlns:p="http://schemas.openxmlformats.org/presentationml/2006/main" xmlns:c="http://schemas.openxmlformats.org/drawingml/2006/chart" xmlns:dgm="http://schemas.openxmlformats.org/drawingml/2006/diagram" xmlns:o="urn:schemas-microsoft-com:office:office" xmlns:v="urn:schemas-microsoft-com:vml" xmlns:pvml="urn:schemas-microsoft-com:office:powerpoint" xmlns:com="http://schemas.openxmlformats.org/drawingml/2006/compatibility" xmlns:p14="http://schemas.microsoft.com/office/powerpoint/2010/main" type="title">
+<p:sldLayout xmlns:a="http://schemas.openxmlformats.org/drawingml/2006/main" xmlns:r="http://schemas.openxmlformats.org/officeDocument/2006/relationships" xmlns:p="http://schemas.openxmlformats.org/presentationml/2006/main" type="title">
   <p:cSld name="Title Slide">
     <p:spTree>
       <p:nvGrpSpPr>
-        <p:cNvPr id="7" name="Shape 7"/>
+        <p:cNvPr id="1" name="Shape 7"/>
         <p:cNvGrpSpPr/>
         <p:nvPr/>
       </p:nvGrpSpPr>
       <p:grpSpPr>
         <a:xfrm>
-          <a:off y="0" x="0"/>
-          <a:ext cy="0" cx="0"/>
-          <a:chOff y="0" x="0"/>
-          <a:chExt cy="0" cx="0"/>
+          <a:off x="0" y="0"/>
+          <a:ext cx="0" cy="0"/>
+          <a:chOff x="0" y="0"/>
+          <a:chExt cx="0" cy="0"/>
         </a:xfrm>
       </p:grpSpPr>
       <p:sp>
@@ -1038,8 +1239,8 @@
         </p:nvSpPr>
         <p:spPr>
           <a:xfrm>
-            <a:off y="1200150" x="0"/>
-            <a:ext cy="2743199" cx="9144000"/>
+            <a:off x="0" y="1200150"/>
+            <a:ext cx="9144000" cy="2743199"/>
           </a:xfrm>
           <a:prstGeom prst="rect">
             <a:avLst/>
@@ -1054,11 +1255,13 @@
           </a:ln>
         </p:spPr>
         <p:txBody>
-          <a:bodyPr bIns="45700" rIns="91425" lIns="91425" tIns="45700" anchor="ctr" anchorCtr="0">
+          <a:bodyPr lIns="91425" tIns="45700" rIns="91425" bIns="45700" anchor="ctr" anchorCtr="0">
             <a:noAutofit/>
           </a:bodyPr>
           <a:lstStyle/>
-          <a:p/>
+          <a:p>
+            <a:endParaRPr/>
+          </a:p>
         </p:txBody>
       </p:sp>
       <p:grpSp>
@@ -1069,10 +1272,10 @@
         </p:nvGrpSpPr>
         <p:grpSpPr>
           <a:xfrm>
-            <a:off y="-1078" x="0"/>
-            <a:ext cy="5144627" cx="1827407"/>
-            <a:chOff y="-1438" x="0"/>
-            <a:chExt cy="6859503" cx="798029"/>
+            <a:off x="0" y="-1078"/>
+            <a:ext cx="1827407" cy="5144627"/>
+            <a:chOff x="0" y="-1438"/>
+            <a:chExt cx="798029" cy="6859503"/>
           </a:xfrm>
         </p:grpSpPr>
         <p:sp>
@@ -1083,26 +1286,31 @@
           </p:nvSpPr>
           <p:spPr>
             <a:xfrm>
-              <a:off y="-1438" x="0"/>
-              <a:ext cy="6858065" cx="798029"/>
+              <a:off x="0" y="-1438"/>
+              <a:ext cx="798029" cy="6858065"/>
             </a:xfrm>
             <a:custGeom>
+              <a:avLst/>
+              <a:gdLst/>
+              <a:ahLst/>
+              <a:cxnLst/>
+              <a:rect l="0" t="0" r="0" b="0"/>
               <a:pathLst>
-                <a:path w="500332" extrusionOk="0" h="6875253">
+                <a:path w="500332" h="6875253" extrusionOk="0">
                   <a:moveTo>
-                    <a:pt y="0" x="0"/>
+                    <a:pt x="0" y="0"/>
                   </a:moveTo>
                   <a:lnTo>
-                    <a:pt y="0" x="500332"/>
-                  </a:lnTo>
-                  <a:lnTo>
-                    <a:pt y="6875253" x="301925"/>
-                  </a:lnTo>
-                  <a:lnTo>
-                    <a:pt y="6875253" x="0"/>
-                  </a:lnTo>
-                  <a:lnTo>
-                    <a:pt y="0" x="0"/>
+                    <a:pt x="500332" y="0"/>
+                  </a:lnTo>
+                  <a:lnTo>
+                    <a:pt x="301925" y="6875253"/>
+                  </a:lnTo>
+                  <a:lnTo>
+                    <a:pt x="0" y="6875253"/>
+                  </a:lnTo>
+                  <a:lnTo>
+                    <a:pt x="0" y="0"/>
                   </a:lnTo>
                   <a:close/>
                 </a:path>
@@ -1118,11 +1326,13 @@
             </a:ln>
           </p:spPr>
           <p:txBody>
-            <a:bodyPr bIns="45700" rIns="91425" lIns="91425" tIns="45700" anchor="ctr" anchorCtr="0">
+            <a:bodyPr lIns="91425" tIns="45700" rIns="91425" bIns="45700" anchor="ctr" anchorCtr="0">
               <a:noAutofit/>
             </a:bodyPr>
             <a:lstStyle/>
-            <a:p/>
+            <a:p>
+              <a:endParaRPr/>
+            </a:p>
           </p:txBody>
         </p:sp>
         <p:sp>
@@ -1133,26 +1343,31 @@
           </p:nvSpPr>
           <p:spPr>
             <a:xfrm>
-              <a:off y="0" x="0"/>
-              <a:ext cy="6858065" cx="399014"/>
+              <a:off x="0" y="0"/>
+              <a:ext cx="399014" cy="6858065"/>
             </a:xfrm>
             <a:custGeom>
+              <a:avLst/>
+              <a:gdLst/>
+              <a:ahLst/>
+              <a:cxnLst/>
+              <a:rect l="0" t="0" r="0" b="0"/>
               <a:pathLst>
-                <a:path w="500332" extrusionOk="0" h="6875253">
+                <a:path w="500332" h="6875253" extrusionOk="0">
                   <a:moveTo>
-                    <a:pt y="0" x="0"/>
+                    <a:pt x="0" y="0"/>
                   </a:moveTo>
                   <a:lnTo>
-                    <a:pt y="0" x="500332"/>
-                  </a:lnTo>
-                  <a:lnTo>
-                    <a:pt y="6875253" x="301925"/>
-                  </a:lnTo>
-                  <a:lnTo>
-                    <a:pt y="6875253" x="0"/>
-                  </a:lnTo>
-                  <a:lnTo>
-                    <a:pt y="0" x="0"/>
+                    <a:pt x="500332" y="0"/>
+                  </a:lnTo>
+                  <a:lnTo>
+                    <a:pt x="301925" y="6875253"/>
+                  </a:lnTo>
+                  <a:lnTo>
+                    <a:pt x="0" y="6875253"/>
+                  </a:lnTo>
+                  <a:lnTo>
+                    <a:pt x="0" y="0"/>
                   </a:lnTo>
                   <a:close/>
                 </a:path>
@@ -1168,11 +1383,13 @@
             </a:ln>
           </p:spPr>
           <p:txBody>
-            <a:bodyPr bIns="45700" rIns="91425" lIns="91425" tIns="45700" anchor="ctr" anchorCtr="0">
+            <a:bodyPr lIns="91425" tIns="45700" rIns="91425" bIns="45700" anchor="ctr" anchorCtr="0">
               <a:noAutofit/>
             </a:bodyPr>
             <a:lstStyle/>
-            <a:p/>
+            <a:p>
+              <a:endParaRPr/>
+            </a:p>
           </p:txBody>
         </p:sp>
       </p:grpSp>
@@ -1184,10 +1401,10 @@
         </p:nvGrpSpPr>
         <p:grpSpPr>
           <a:xfrm flipH="1">
-            <a:off y="0" x="7316591"/>
-            <a:ext cy="5144627" cx="1827407"/>
-            <a:chOff y="-1438" x="0"/>
-            <a:chExt cy="6859503" cx="798029"/>
+            <a:off x="7316591" y="0"/>
+            <a:ext cx="1827407" cy="5144627"/>
+            <a:chOff x="0" y="-1438"/>
+            <a:chExt cx="798029" cy="6859503"/>
           </a:xfrm>
         </p:grpSpPr>
         <p:sp>
@@ -1198,26 +1415,31 @@
           </p:nvSpPr>
           <p:spPr>
             <a:xfrm>
-              <a:off y="-1438" x="0"/>
-              <a:ext cy="6858065" cx="798029"/>
+              <a:off x="0" y="-1438"/>
+              <a:ext cx="798029" cy="6858065"/>
             </a:xfrm>
             <a:custGeom>
+              <a:avLst/>
+              <a:gdLst/>
+              <a:ahLst/>
+              <a:cxnLst/>
+              <a:rect l="0" t="0" r="0" b="0"/>
               <a:pathLst>
-                <a:path w="500332" extrusionOk="0" h="6875253">
+                <a:path w="500332" h="6875253" extrusionOk="0">
                   <a:moveTo>
-                    <a:pt y="0" x="0"/>
+                    <a:pt x="0" y="0"/>
                   </a:moveTo>
                   <a:lnTo>
-                    <a:pt y="0" x="500332"/>
-                  </a:lnTo>
-                  <a:lnTo>
-                    <a:pt y="6875253" x="301925"/>
-                  </a:lnTo>
-                  <a:lnTo>
-                    <a:pt y="6875253" x="0"/>
-                  </a:lnTo>
-                  <a:lnTo>
-                    <a:pt y="0" x="0"/>
+                    <a:pt x="500332" y="0"/>
+                  </a:lnTo>
+                  <a:lnTo>
+                    <a:pt x="301925" y="6875253"/>
+                  </a:lnTo>
+                  <a:lnTo>
+                    <a:pt x="0" y="6875253"/>
+                  </a:lnTo>
+                  <a:lnTo>
+                    <a:pt x="0" y="0"/>
                   </a:lnTo>
                   <a:close/>
                 </a:path>
@@ -1233,11 +1455,13 @@
             </a:ln>
           </p:spPr>
           <p:txBody>
-            <a:bodyPr bIns="45700" rIns="91425" lIns="91425" tIns="45700" anchor="ctr" anchorCtr="0">
+            <a:bodyPr lIns="91425" tIns="45700" rIns="91425" bIns="45700" anchor="ctr" anchorCtr="0">
               <a:noAutofit/>
             </a:bodyPr>
             <a:lstStyle/>
-            <a:p/>
+            <a:p>
+              <a:endParaRPr/>
+            </a:p>
           </p:txBody>
         </p:sp>
         <p:sp>
@@ -1248,26 +1472,31 @@
           </p:nvSpPr>
           <p:spPr>
             <a:xfrm>
-              <a:off y="0" x="0"/>
-              <a:ext cy="6858065" cx="399014"/>
+              <a:off x="0" y="0"/>
+              <a:ext cx="399014" cy="6858065"/>
             </a:xfrm>
             <a:custGeom>
+              <a:avLst/>
+              <a:gdLst/>
+              <a:ahLst/>
+              <a:cxnLst/>
+              <a:rect l="0" t="0" r="0" b="0"/>
               <a:pathLst>
-                <a:path w="500332" extrusionOk="0" h="6875253">
+                <a:path w="500332" h="6875253" extrusionOk="0">
                   <a:moveTo>
-                    <a:pt y="0" x="0"/>
+                    <a:pt x="0" y="0"/>
                   </a:moveTo>
                   <a:lnTo>
-                    <a:pt y="0" x="500332"/>
-                  </a:lnTo>
-                  <a:lnTo>
-                    <a:pt y="6875253" x="301925"/>
-                  </a:lnTo>
-                  <a:lnTo>
-                    <a:pt y="6875253" x="0"/>
-                  </a:lnTo>
-                  <a:lnTo>
-                    <a:pt y="0" x="0"/>
+                    <a:pt x="500332" y="0"/>
+                  </a:lnTo>
+                  <a:lnTo>
+                    <a:pt x="301925" y="6875253"/>
+                  </a:lnTo>
+                  <a:lnTo>
+                    <a:pt x="0" y="6875253"/>
+                  </a:lnTo>
+                  <a:lnTo>
+                    <a:pt x="0" y="0"/>
                   </a:lnTo>
                   <a:close/>
                 </a:path>
@@ -1283,95 +1512,103 @@
             </a:ln>
           </p:spPr>
           <p:txBody>
-            <a:bodyPr bIns="45700" rIns="91425" lIns="91425" tIns="45700" anchor="ctr" anchorCtr="0">
+            <a:bodyPr lIns="91425" tIns="45700" rIns="91425" bIns="45700" anchor="ctr" anchorCtr="0">
               <a:noAutofit/>
             </a:bodyPr>
             <a:lstStyle/>
-            <a:p/>
+            <a:p>
+              <a:endParaRPr/>
+            </a:p>
           </p:txBody>
         </p:sp>
       </p:grpSp>
       <p:sp>
         <p:nvSpPr>
           <p:cNvPr id="15" name="Shape 15"/>
-          <p:cNvSpPr txBox="1"/>
+          <p:cNvSpPr txBox="1">
+            <a:spLocks noGrp="1"/>
+          </p:cNvSpPr>
           <p:nvPr>
             <p:ph type="ctrTitle"/>
           </p:nvPr>
         </p:nvSpPr>
         <p:spPr>
           <a:xfrm>
-            <a:off y="1568184" x="685800"/>
-            <a:ext cy="1238099" cx="7772400"/>
+            <a:off x="685800" y="1568184"/>
+            <a:ext cx="7772400" cy="1238099"/>
           </a:xfrm>
           <a:prstGeom prst="rect">
             <a:avLst/>
           </a:prstGeom>
         </p:spPr>
         <p:txBody>
-          <a:bodyPr bIns="91425" rIns="91425" lIns="91425" tIns="91425" anchor="b" anchorCtr="0"/>
+          <a:bodyPr lIns="91425" tIns="91425" rIns="91425" bIns="91425" anchor="b" anchorCtr="0"/>
           <a:lstStyle>
-            <a:lvl1pPr algn="ctr" indent="304800">
+            <a:lvl1pPr indent="304800" algn="ctr">
               <a:buSzPct val="100000"/>
               <a:defRPr sz="4800"/>
             </a:lvl1pPr>
-            <a:lvl2pPr algn="ctr" indent="304800">
+            <a:lvl2pPr indent="304800" algn="ctr">
               <a:buSzPct val="100000"/>
               <a:defRPr sz="4800"/>
             </a:lvl2pPr>
-            <a:lvl3pPr algn="ctr" indent="304800">
+            <a:lvl3pPr indent="304800" algn="ctr">
               <a:buSzPct val="100000"/>
               <a:defRPr sz="4800"/>
             </a:lvl3pPr>
-            <a:lvl4pPr algn="ctr" indent="304800">
+            <a:lvl4pPr indent="304800" algn="ctr">
               <a:buSzPct val="100000"/>
               <a:defRPr sz="4800"/>
             </a:lvl4pPr>
-            <a:lvl5pPr algn="ctr" indent="304800">
+            <a:lvl5pPr indent="304800" algn="ctr">
               <a:buSzPct val="100000"/>
               <a:defRPr sz="4800"/>
             </a:lvl5pPr>
-            <a:lvl6pPr algn="ctr" indent="304800">
+            <a:lvl6pPr indent="304800" algn="ctr">
               <a:buSzPct val="100000"/>
               <a:defRPr sz="4800"/>
             </a:lvl6pPr>
-            <a:lvl7pPr algn="ctr" indent="304800">
+            <a:lvl7pPr indent="304800" algn="ctr">
               <a:buSzPct val="100000"/>
               <a:defRPr sz="4800"/>
             </a:lvl7pPr>
-            <a:lvl8pPr algn="ctr" indent="304800">
+            <a:lvl8pPr indent="304800" algn="ctr">
               <a:buSzPct val="100000"/>
               <a:defRPr sz="4800"/>
             </a:lvl8pPr>
-            <a:lvl9pPr algn="ctr" indent="304800">
+            <a:lvl9pPr indent="304800" algn="ctr">
               <a:buSzPct val="100000"/>
               <a:defRPr sz="4800"/>
             </a:lvl9pPr>
           </a:lstStyle>
-          <a:p/>
+          <a:p>
+            <a:endParaRPr/>
+          </a:p>
         </p:txBody>
       </p:sp>
       <p:sp>
         <p:nvSpPr>
           <p:cNvPr id="16" name="Shape 16"/>
-          <p:cNvSpPr txBox="1"/>
+          <p:cNvSpPr txBox="1">
+            <a:spLocks noGrp="1"/>
+          </p:cNvSpPr>
           <p:nvPr>
-            <p:ph idx="1" type="subTitle"/>
+            <p:ph type="subTitle" idx="1"/>
           </p:nvPr>
         </p:nvSpPr>
         <p:spPr>
           <a:xfrm>
-            <a:off y="2914650" x="685800"/>
-            <a:ext cy="658500" cx="7772400"/>
+            <a:off x="685800" y="2914650"/>
+            <a:ext cx="7772400" cy="658500"/>
           </a:xfrm>
           <a:prstGeom prst="rect">
             <a:avLst/>
           </a:prstGeom>
         </p:spPr>
         <p:txBody>
-          <a:bodyPr bIns="91425" rIns="91425" lIns="91425" tIns="91425" anchor="t" anchorCtr="0"/>
+          <a:bodyPr lIns="91425" tIns="91425" rIns="91425" bIns="91425" anchor="t" anchorCtr="0"/>
           <a:lstStyle>
-            <a:lvl1pPr algn="ctr" indent="152400" marL="0">
+            <a:lvl1pPr marL="0" indent="152400" algn="ctr">
               <a:spcBef>
                 <a:spcPts val="0"/>
               </a:spcBef>
@@ -1386,7 +1623,7 @@
                 </a:solidFill>
               </a:defRPr>
             </a:lvl1pPr>
-            <a:lvl2pPr algn="ctr" indent="152400" marL="0">
+            <a:lvl2pPr marL="0" indent="152400" algn="ctr">
               <a:spcBef>
                 <a:spcPts val="0"/>
               </a:spcBef>
@@ -1400,7 +1637,7 @@
                 </a:solidFill>
               </a:defRPr>
             </a:lvl2pPr>
-            <a:lvl3pPr algn="ctr" indent="152400" marL="0">
+            <a:lvl3pPr marL="0" indent="152400" algn="ctr">
               <a:spcBef>
                 <a:spcPts val="0"/>
               </a:spcBef>
@@ -1414,7 +1651,7 @@
                 </a:solidFill>
               </a:defRPr>
             </a:lvl3pPr>
-            <a:lvl4pPr algn="ctr" indent="152400" marL="0">
+            <a:lvl4pPr marL="0" indent="152400" algn="ctr">
               <a:spcBef>
                 <a:spcPts val="0"/>
               </a:spcBef>
@@ -1429,7 +1666,7 @@
                 </a:solidFill>
               </a:defRPr>
             </a:lvl4pPr>
-            <a:lvl5pPr algn="ctr" indent="152400" marL="0">
+            <a:lvl5pPr marL="0" indent="152400" algn="ctr">
               <a:spcBef>
                 <a:spcPts val="0"/>
               </a:spcBef>
@@ -1444,7 +1681,7 @@
                 </a:solidFill>
               </a:defRPr>
             </a:lvl5pPr>
-            <a:lvl6pPr algn="ctr" indent="152400" marL="0">
+            <a:lvl6pPr marL="0" indent="152400" algn="ctr">
               <a:spcBef>
                 <a:spcPts val="0"/>
               </a:spcBef>
@@ -1459,7 +1696,7 @@
                 </a:solidFill>
               </a:defRPr>
             </a:lvl6pPr>
-            <a:lvl7pPr algn="ctr" indent="152400" marL="0">
+            <a:lvl7pPr marL="0" indent="152400" algn="ctr">
               <a:spcBef>
                 <a:spcPts val="0"/>
               </a:spcBef>
@@ -1474,7 +1711,7 @@
                 </a:solidFill>
               </a:defRPr>
             </a:lvl7pPr>
-            <a:lvl8pPr algn="ctr" indent="152400" marL="0">
+            <a:lvl8pPr marL="0" indent="152400" algn="ctr">
               <a:spcBef>
                 <a:spcPts val="0"/>
               </a:spcBef>
@@ -1489,7 +1726,7 @@
                 </a:solidFill>
               </a:defRPr>
             </a:lvl8pPr>
-            <a:lvl9pPr algn="ctr" indent="152400" marL="0">
+            <a:lvl9pPr marL="0" indent="152400" algn="ctr">
               <a:spcBef>
                 <a:spcPts val="0"/>
               </a:spcBef>
@@ -1505,7 +1742,9 @@
               </a:defRPr>
             </a:lvl9pPr>
           </a:lstStyle>
-          <a:p/>
+          <a:p>
+            <a:endParaRPr/>
+          </a:p>
         </p:txBody>
       </p:sp>
     </p:spTree>
@@ -1517,20 +1756,20 @@
 </file>
 
 <file path=ppt/slideLayouts/slideLayout2.xml><?xml version="1.0" encoding="utf-8"?>
-<p:sldLayout xmlns:a="http://schemas.openxmlformats.org/drawingml/2006/main" xmlns:r="http://schemas.openxmlformats.org/officeDocument/2006/relationships" xmlns:mc="http://schemas.openxmlformats.org/markup-compatibility/2006" xmlns:mv="urn:schemas-microsoft-com:mac:vml" xmlns:p="http://schemas.openxmlformats.org/presentationml/2006/main" xmlns:c="http://schemas.openxmlformats.org/drawingml/2006/chart" xmlns:dgm="http://schemas.openxmlformats.org/drawingml/2006/diagram" xmlns:o="urn:schemas-microsoft-com:office:office" xmlns:v="urn:schemas-microsoft-com:vml" xmlns:pvml="urn:schemas-microsoft-com:office:powerpoint" xmlns:com="http://schemas.openxmlformats.org/drawingml/2006/compatibility" xmlns:p14="http://schemas.microsoft.com/office/powerpoint/2010/main" type="tx">
+<p:sldLayout xmlns:a="http://schemas.openxmlformats.org/drawingml/2006/main" xmlns:r="http://schemas.openxmlformats.org/officeDocument/2006/relationships" xmlns:p="http://schemas.openxmlformats.org/presentationml/2006/main" type="tx">
   <p:cSld name="Title and Body">
     <p:spTree>
       <p:nvGrpSpPr>
-        <p:cNvPr id="17" name="Shape 17"/>
+        <p:cNvPr id="1" name="Shape 17"/>
         <p:cNvGrpSpPr/>
         <p:nvPr/>
       </p:nvGrpSpPr>
       <p:grpSpPr>
         <a:xfrm>
-          <a:off y="0" x="0"/>
-          <a:ext cy="0" cx="0"/>
-          <a:chOff y="0" x="0"/>
-          <a:chExt cy="0" cx="0"/>
+          <a:off x="0" y="0"/>
+          <a:ext cx="0" cy="0"/>
+          <a:chOff x="0" y="0"/>
+          <a:chExt cx="0" cy="0"/>
         </a:xfrm>
       </p:grpSpPr>
       <p:sp>
@@ -1541,8 +1780,8 @@
         </p:nvSpPr>
         <p:spPr>
           <a:xfrm>
-            <a:off y="-1078" x="0"/>
-            <a:ext cy="1144199" cx="9144000"/>
+            <a:off x="0" y="-1078"/>
+            <a:ext cx="9144000" cy="1144199"/>
           </a:xfrm>
           <a:prstGeom prst="rect">
             <a:avLst/>
@@ -1557,11 +1796,13 @@
           </a:ln>
         </p:spPr>
         <p:txBody>
-          <a:bodyPr bIns="45700" rIns="91425" lIns="91425" tIns="45700" anchor="ctr" anchorCtr="0">
+          <a:bodyPr lIns="91425" tIns="45700" rIns="91425" bIns="45700" anchor="ctr" anchorCtr="0">
             <a:noAutofit/>
           </a:bodyPr>
           <a:lstStyle/>
-          <a:p/>
+          <a:p>
+            <a:endParaRPr/>
+          </a:p>
         </p:txBody>
       </p:sp>
       <p:grpSp>
@@ -1572,10 +1813,10 @@
         </p:nvGrpSpPr>
         <p:grpSpPr>
           <a:xfrm>
-            <a:off y="-1078" x="0"/>
-            <a:ext cy="5144627" cx="649180"/>
-            <a:chOff y="-1438" x="0"/>
-            <a:chExt cy="6859503" cx="649180"/>
+            <a:off x="0" y="-1078"/>
+            <a:ext cx="649180" cy="5144627"/>
+            <a:chOff x="0" y="-1438"/>
+            <a:chExt cx="649180" cy="6859503"/>
           </a:xfrm>
         </p:grpSpPr>
         <p:sp>
@@ -1586,26 +1827,31 @@
           </p:nvSpPr>
           <p:spPr>
             <a:xfrm>
-              <a:off y="-1438" x="0"/>
-              <a:ext cy="6858065" cx="649180"/>
+              <a:off x="0" y="-1438"/>
+              <a:ext cx="649180" cy="6858065"/>
             </a:xfrm>
             <a:custGeom>
+              <a:avLst/>
+              <a:gdLst/>
+              <a:ahLst/>
+              <a:cxnLst/>
+              <a:rect l="0" t="0" r="0" b="0"/>
               <a:pathLst>
-                <a:path w="500332" extrusionOk="0" h="6875253">
+                <a:path w="500332" h="6875253" extrusionOk="0">
                   <a:moveTo>
-                    <a:pt y="0" x="0"/>
+                    <a:pt x="0" y="0"/>
                   </a:moveTo>
                   <a:lnTo>
-                    <a:pt y="0" x="500332"/>
-                  </a:lnTo>
-                  <a:lnTo>
-                    <a:pt y="6875253" x="301925"/>
-                  </a:lnTo>
-                  <a:lnTo>
-                    <a:pt y="6875253" x="0"/>
-                  </a:lnTo>
-                  <a:lnTo>
-                    <a:pt y="0" x="0"/>
+                    <a:pt x="500332" y="0"/>
+                  </a:lnTo>
+                  <a:lnTo>
+                    <a:pt x="301925" y="6875253"/>
+                  </a:lnTo>
+                  <a:lnTo>
+                    <a:pt x="0" y="6875253"/>
+                  </a:lnTo>
+                  <a:lnTo>
+                    <a:pt x="0" y="0"/>
                   </a:lnTo>
                   <a:close/>
                 </a:path>
@@ -1621,11 +1867,13 @@
             </a:ln>
           </p:spPr>
           <p:txBody>
-            <a:bodyPr bIns="45700" rIns="91425" lIns="91425" tIns="45700" anchor="ctr" anchorCtr="0">
+            <a:bodyPr lIns="91425" tIns="45700" rIns="91425" bIns="45700" anchor="ctr" anchorCtr="0">
               <a:noAutofit/>
             </a:bodyPr>
             <a:lstStyle/>
-            <a:p/>
+            <a:p>
+              <a:endParaRPr/>
+            </a:p>
           </p:txBody>
         </p:sp>
         <p:sp>
@@ -1636,26 +1884,31 @@
           </p:nvSpPr>
           <p:spPr>
             <a:xfrm>
-              <a:off y="0" x="0"/>
-              <a:ext cy="6858065" cx="500331"/>
+              <a:off x="0" y="0"/>
+              <a:ext cx="500331" cy="6858065"/>
             </a:xfrm>
             <a:custGeom>
+              <a:avLst/>
+              <a:gdLst/>
+              <a:ahLst/>
+              <a:cxnLst/>
+              <a:rect l="0" t="0" r="0" b="0"/>
               <a:pathLst>
-                <a:path w="500332" extrusionOk="0" h="6875253">
+                <a:path w="500332" h="6875253" extrusionOk="0">
                   <a:moveTo>
-                    <a:pt y="0" x="0"/>
+                    <a:pt x="0" y="0"/>
                   </a:moveTo>
                   <a:lnTo>
-                    <a:pt y="0" x="500332"/>
-                  </a:lnTo>
-                  <a:lnTo>
-                    <a:pt y="6875253" x="301925"/>
-                  </a:lnTo>
-                  <a:lnTo>
-                    <a:pt y="6875253" x="0"/>
-                  </a:lnTo>
-                  <a:lnTo>
-                    <a:pt y="0" x="0"/>
+                    <a:pt x="500332" y="0"/>
+                  </a:lnTo>
+                  <a:lnTo>
+                    <a:pt x="301925" y="6875253"/>
+                  </a:lnTo>
+                  <a:lnTo>
+                    <a:pt x="0" y="6875253"/>
+                  </a:lnTo>
+                  <a:lnTo>
+                    <a:pt x="0" y="0"/>
                   </a:lnTo>
                   <a:close/>
                 </a:path>
@@ -1671,11 +1924,13 @@
             </a:ln>
           </p:spPr>
           <p:txBody>
-            <a:bodyPr bIns="45700" rIns="91425" lIns="91425" tIns="45700" anchor="ctr" anchorCtr="0">
+            <a:bodyPr lIns="91425" tIns="45700" rIns="91425" bIns="45700" anchor="ctr" anchorCtr="0">
               <a:noAutofit/>
             </a:bodyPr>
             <a:lstStyle/>
-            <a:p/>
+            <a:p>
+              <a:endParaRPr/>
+            </a:p>
           </p:txBody>
         </p:sp>
       </p:grpSp>
@@ -1687,10 +1942,10 @@
         </p:nvGrpSpPr>
         <p:grpSpPr>
           <a:xfrm flipH="1">
-            <a:off y="0" x="8494493"/>
-            <a:ext cy="5144627" cx="649180"/>
-            <a:chOff y="-1438" x="0"/>
-            <a:chExt cy="6859503" cx="649180"/>
+            <a:off x="8494493" y="0"/>
+            <a:ext cx="649180" cy="5144627"/>
+            <a:chOff x="0" y="-1438"/>
+            <a:chExt cx="649180" cy="6859503"/>
           </a:xfrm>
         </p:grpSpPr>
         <p:sp>
@@ -1701,26 +1956,31 @@
           </p:nvSpPr>
           <p:spPr>
             <a:xfrm>
-              <a:off y="-1438" x="0"/>
-              <a:ext cy="6858065" cx="649180"/>
+              <a:off x="0" y="-1438"/>
+              <a:ext cx="649180" cy="6858065"/>
             </a:xfrm>
             <a:custGeom>
+              <a:avLst/>
+              <a:gdLst/>
+              <a:ahLst/>
+              <a:cxnLst/>
+              <a:rect l="0" t="0" r="0" b="0"/>
               <a:pathLst>
-                <a:path w="500332" extrusionOk="0" h="6875253">
+                <a:path w="500332" h="6875253" extrusionOk="0">
                   <a:moveTo>
-                    <a:pt y="0" x="0"/>
+                    <a:pt x="0" y="0"/>
                   </a:moveTo>
                   <a:lnTo>
-                    <a:pt y="0" x="500332"/>
-                  </a:lnTo>
-                  <a:lnTo>
-                    <a:pt y="6875253" x="301925"/>
-                  </a:lnTo>
-                  <a:lnTo>
-                    <a:pt y="6875253" x="0"/>
-                  </a:lnTo>
-                  <a:lnTo>
-                    <a:pt y="0" x="0"/>
+                    <a:pt x="500332" y="0"/>
+                  </a:lnTo>
+                  <a:lnTo>
+                    <a:pt x="301925" y="6875253"/>
+                  </a:lnTo>
+                  <a:lnTo>
+                    <a:pt x="0" y="6875253"/>
+                  </a:lnTo>
+                  <a:lnTo>
+                    <a:pt x="0" y="0"/>
                   </a:lnTo>
                   <a:close/>
                 </a:path>
@@ -1736,11 +1996,13 @@
             </a:ln>
           </p:spPr>
           <p:txBody>
-            <a:bodyPr bIns="45700" rIns="91425" lIns="91425" tIns="45700" anchor="ctr" anchorCtr="0">
+            <a:bodyPr lIns="91425" tIns="45700" rIns="91425" bIns="45700" anchor="ctr" anchorCtr="0">
               <a:noAutofit/>
             </a:bodyPr>
             <a:lstStyle/>
-            <a:p/>
+            <a:p>
+              <a:endParaRPr/>
+            </a:p>
           </p:txBody>
         </p:sp>
         <p:sp>
@@ -1751,26 +2013,31 @@
           </p:nvSpPr>
           <p:spPr>
             <a:xfrm>
-              <a:off y="0" x="0"/>
-              <a:ext cy="6858065" cx="500331"/>
+              <a:off x="0" y="0"/>
+              <a:ext cx="500331" cy="6858065"/>
             </a:xfrm>
             <a:custGeom>
+              <a:avLst/>
+              <a:gdLst/>
+              <a:ahLst/>
+              <a:cxnLst/>
+              <a:rect l="0" t="0" r="0" b="0"/>
               <a:pathLst>
-                <a:path w="500332" extrusionOk="0" h="6875253">
+                <a:path w="500332" h="6875253" extrusionOk="0">
                   <a:moveTo>
-                    <a:pt y="0" x="0"/>
+                    <a:pt x="0" y="0"/>
                   </a:moveTo>
                   <a:lnTo>
-                    <a:pt y="0" x="500332"/>
-                  </a:lnTo>
-                  <a:lnTo>
-                    <a:pt y="6875253" x="301925"/>
-                  </a:lnTo>
-                  <a:lnTo>
-                    <a:pt y="6875253" x="0"/>
-                  </a:lnTo>
-                  <a:lnTo>
-                    <a:pt y="0" x="0"/>
+                    <a:pt x="500332" y="0"/>
+                  </a:lnTo>
+                  <a:lnTo>
+                    <a:pt x="301925" y="6875253"/>
+                  </a:lnTo>
+                  <a:lnTo>
+                    <a:pt x="0" y="6875253"/>
+                  </a:lnTo>
+                  <a:lnTo>
+                    <a:pt x="0" y="0"/>
                   </a:lnTo>
                   <a:close/>
                 </a:path>
@@ -1786,11 +2053,13 @@
             </a:ln>
           </p:spPr>
           <p:txBody>
-            <a:bodyPr bIns="45700" rIns="91425" lIns="91425" tIns="45700" anchor="ctr" anchorCtr="0">
+            <a:bodyPr lIns="91425" tIns="45700" rIns="91425" bIns="45700" anchor="ctr" anchorCtr="0">
               <a:noAutofit/>
             </a:bodyPr>
             <a:lstStyle/>
-            <a:p/>
+            <a:p>
+              <a:endParaRPr/>
+            </a:p>
           </p:txBody>
         </p:sp>
       </p:grpSp>
@@ -1802,8 +2071,8 @@
         </p:nvSpPr>
         <p:spPr>
           <a:xfrm>
-            <a:off y="4743450" x="0"/>
-            <a:ext cy="401099" cx="9144000"/>
+            <a:off x="0" y="4743450"/>
+            <a:ext cx="9144000" cy="401099"/>
           </a:xfrm>
           <a:prstGeom prst="rect">
             <a:avLst/>
@@ -1818,32 +2087,36 @@
           </a:ln>
         </p:spPr>
         <p:txBody>
-          <a:bodyPr bIns="45700" rIns="91425" lIns="91425" tIns="45700" anchor="ctr" anchorCtr="0">
+          <a:bodyPr lIns="91425" tIns="45700" rIns="91425" bIns="45700" anchor="ctr" anchorCtr="0">
             <a:noAutofit/>
           </a:bodyPr>
           <a:lstStyle/>
-          <a:p/>
+          <a:p>
+            <a:endParaRPr/>
+          </a:p>
         </p:txBody>
       </p:sp>
       <p:sp>
         <p:nvSpPr>
           <p:cNvPr id="26" name="Shape 26"/>
-          <p:cNvSpPr txBox="1"/>
+          <p:cNvSpPr txBox="1">
+            <a:spLocks noGrp="1"/>
+          </p:cNvSpPr>
           <p:nvPr>
             <p:ph type="title"/>
           </p:nvPr>
         </p:nvSpPr>
         <p:spPr>
           <a:xfrm>
-            <a:off y="205978" x="457200"/>
-            <a:ext cy="857400" cx="8229600"/>
+            <a:off x="457200" y="205978"/>
+            <a:ext cx="8229600" cy="857400"/>
           </a:xfrm>
           <a:prstGeom prst="rect">
             <a:avLst/>
           </a:prstGeom>
         </p:spPr>
         <p:txBody>
-          <a:bodyPr bIns="91425" rIns="91425" lIns="91425" tIns="91425" anchor="b" anchorCtr="0"/>
+          <a:bodyPr lIns="91425" tIns="91425" rIns="91425" bIns="91425" anchor="b" anchorCtr="0"/>
           <a:lstStyle>
             <a:lvl1pPr>
               <a:defRPr/>
@@ -1873,28 +2146,32 @@
               <a:defRPr/>
             </a:lvl9pPr>
           </a:lstStyle>
-          <a:p/>
+          <a:p>
+            <a:endParaRPr/>
+          </a:p>
         </p:txBody>
       </p:sp>
       <p:sp>
         <p:nvSpPr>
           <p:cNvPr id="27" name="Shape 27"/>
-          <p:cNvSpPr txBox="1"/>
+          <p:cNvSpPr txBox="1">
+            <a:spLocks noGrp="1"/>
+          </p:cNvSpPr>
           <p:nvPr>
-            <p:ph idx="1" type="body"/>
+            <p:ph type="body" idx="1"/>
           </p:nvPr>
         </p:nvSpPr>
         <p:spPr>
           <a:xfrm>
-            <a:off y="1200150" x="457200"/>
-            <a:ext cy="3725699" cx="8229600"/>
+            <a:off x="457200" y="1200150"/>
+            <a:ext cx="8229600" cy="3725699"/>
           </a:xfrm>
           <a:prstGeom prst="rect">
             <a:avLst/>
           </a:prstGeom>
         </p:spPr>
         <p:txBody>
-          <a:bodyPr bIns="91425" rIns="91425" lIns="91425" tIns="91425" anchor="t" anchorCtr="0"/>
+          <a:bodyPr lIns="91425" tIns="91425" rIns="91425" bIns="91425" anchor="t" anchorCtr="0"/>
           <a:lstStyle>
             <a:lvl1pPr>
               <a:defRPr/>
@@ -1924,7 +2201,9 @@
               <a:defRPr/>
             </a:lvl9pPr>
           </a:lstStyle>
-          <a:p/>
+          <a:p>
+            <a:endParaRPr/>
+          </a:p>
         </p:txBody>
       </p:sp>
     </p:spTree>
@@ -1936,20 +2215,20 @@
 </file>
 
 <file path=ppt/slideLayouts/slideLayout3.xml><?xml version="1.0" encoding="utf-8"?>
-<p:sldLayout xmlns:a="http://schemas.openxmlformats.org/drawingml/2006/main" xmlns:r="http://schemas.openxmlformats.org/officeDocument/2006/relationships" xmlns:mc="http://schemas.openxmlformats.org/markup-compatibility/2006" xmlns:mv="urn:schemas-microsoft-com:mac:vml" xmlns:p="http://schemas.openxmlformats.org/presentationml/2006/main" xmlns:c="http://schemas.openxmlformats.org/drawingml/2006/chart" xmlns:dgm="http://schemas.openxmlformats.org/drawingml/2006/diagram" xmlns:o="urn:schemas-microsoft-com:office:office" xmlns:v="urn:schemas-microsoft-com:vml" xmlns:pvml="urn:schemas-microsoft-com:office:powerpoint" xmlns:com="http://schemas.openxmlformats.org/drawingml/2006/compatibility" xmlns:p14="http://schemas.microsoft.com/office/powerpoint/2010/main" type="twoColTx">
+<p:sldLayout xmlns:a="http://schemas.openxmlformats.org/drawingml/2006/main" xmlns:r="http://schemas.openxmlformats.org/officeDocument/2006/relationships" xmlns:p="http://schemas.openxmlformats.org/presentationml/2006/main" type="twoColTx">
   <p:cSld name="Title and Two Columns">
     <p:spTree>
       <p:nvGrpSpPr>
-        <p:cNvPr id="28" name="Shape 28"/>
+        <p:cNvPr id="1" name="Shape 28"/>
         <p:cNvGrpSpPr/>
         <p:nvPr/>
       </p:nvGrpSpPr>
       <p:grpSpPr>
         <a:xfrm>
-          <a:off y="0" x="0"/>
-          <a:ext cy="0" cx="0"/>
-          <a:chOff y="0" x="0"/>
-          <a:chExt cy="0" cx="0"/>
+          <a:off x="0" y="0"/>
+          <a:ext cx="0" cy="0"/>
+          <a:chOff x="0" y="0"/>
+          <a:chExt cx="0" cy="0"/>
         </a:xfrm>
       </p:grpSpPr>
       <p:sp>
@@ -1960,8 +2239,8 @@
         </p:nvSpPr>
         <p:spPr>
           <a:xfrm>
-            <a:off y="-1078" x="0"/>
-            <a:ext cy="1144199" cx="9144000"/>
+            <a:off x="0" y="-1078"/>
+            <a:ext cx="9144000" cy="1144199"/>
           </a:xfrm>
           <a:prstGeom prst="rect">
             <a:avLst/>
@@ -1976,11 +2255,13 @@
           </a:ln>
         </p:spPr>
         <p:txBody>
-          <a:bodyPr bIns="45700" rIns="91425" lIns="91425" tIns="45700" anchor="ctr" anchorCtr="0">
+          <a:bodyPr lIns="91425" tIns="45700" rIns="91425" bIns="45700" anchor="ctr" anchorCtr="0">
             <a:noAutofit/>
           </a:bodyPr>
           <a:lstStyle/>
-          <a:p/>
+          <a:p>
+            <a:endParaRPr/>
+          </a:p>
         </p:txBody>
       </p:sp>
       <p:grpSp>
@@ -1991,10 +2272,10 @@
         </p:nvGrpSpPr>
         <p:grpSpPr>
           <a:xfrm>
-            <a:off y="-1078" x="0"/>
-            <a:ext cy="5144627" cx="649180"/>
-            <a:chOff y="-1438" x="0"/>
-            <a:chExt cy="6859503" cx="649180"/>
+            <a:off x="0" y="-1078"/>
+            <a:ext cx="649180" cy="5144627"/>
+            <a:chOff x="0" y="-1438"/>
+            <a:chExt cx="649180" cy="6859503"/>
           </a:xfrm>
         </p:grpSpPr>
         <p:sp>
@@ -2005,26 +2286,31 @@
           </p:nvSpPr>
           <p:spPr>
             <a:xfrm>
-              <a:off y="-1438" x="0"/>
-              <a:ext cy="6858065" cx="649180"/>
+              <a:off x="0" y="-1438"/>
+              <a:ext cx="649180" cy="6858065"/>
             </a:xfrm>
             <a:custGeom>
+              <a:avLst/>
+              <a:gdLst/>
+              <a:ahLst/>
+              <a:cxnLst/>
+              <a:rect l="0" t="0" r="0" b="0"/>
               <a:pathLst>
-                <a:path w="500332" extrusionOk="0" h="6875253">
+                <a:path w="500332" h="6875253" extrusionOk="0">
                   <a:moveTo>
-                    <a:pt y="0" x="0"/>
+                    <a:pt x="0" y="0"/>
                   </a:moveTo>
                   <a:lnTo>
-                    <a:pt y="0" x="500332"/>
-                  </a:lnTo>
-                  <a:lnTo>
-                    <a:pt y="6875253" x="301925"/>
-                  </a:lnTo>
-                  <a:lnTo>
-                    <a:pt y="6875253" x="0"/>
-                  </a:lnTo>
-                  <a:lnTo>
-                    <a:pt y="0" x="0"/>
+                    <a:pt x="500332" y="0"/>
+                  </a:lnTo>
+                  <a:lnTo>
+                    <a:pt x="301925" y="6875253"/>
+                  </a:lnTo>
+                  <a:lnTo>
+                    <a:pt x="0" y="6875253"/>
+                  </a:lnTo>
+                  <a:lnTo>
+                    <a:pt x="0" y="0"/>
                   </a:lnTo>
                   <a:close/>
                 </a:path>
@@ -2040,11 +2326,13 @@
             </a:ln>
           </p:spPr>
           <p:txBody>
-            <a:bodyPr bIns="45700" rIns="91425" lIns="91425" tIns="45700" anchor="ctr" anchorCtr="0">
+            <a:bodyPr lIns="91425" tIns="45700" rIns="91425" bIns="45700" anchor="ctr" anchorCtr="0">
               <a:noAutofit/>
             </a:bodyPr>
             <a:lstStyle/>
-            <a:p/>
+            <a:p>
+              <a:endParaRPr/>
+            </a:p>
           </p:txBody>
         </p:sp>
         <p:sp>
@@ -2055,26 +2343,31 @@
           </p:nvSpPr>
           <p:spPr>
             <a:xfrm>
-              <a:off y="0" x="0"/>
-              <a:ext cy="6858065" cx="500331"/>
+              <a:off x="0" y="0"/>
+              <a:ext cx="500331" cy="6858065"/>
             </a:xfrm>
             <a:custGeom>
+              <a:avLst/>
+              <a:gdLst/>
+              <a:ahLst/>
+              <a:cxnLst/>
+              <a:rect l="0" t="0" r="0" b="0"/>
               <a:pathLst>
-                <a:path w="500332" extrusionOk="0" h="6875253">
+                <a:path w="500332" h="6875253" extrusionOk="0">
                   <a:moveTo>
-                    <a:pt y="0" x="0"/>
+                    <a:pt x="0" y="0"/>
                   </a:moveTo>
                   <a:lnTo>
-                    <a:pt y="0" x="500332"/>
-                  </a:lnTo>
-                  <a:lnTo>
-                    <a:pt y="6875253" x="301925"/>
-                  </a:lnTo>
-                  <a:lnTo>
-                    <a:pt y="6875253" x="0"/>
-                  </a:lnTo>
-                  <a:lnTo>
-                    <a:pt y="0" x="0"/>
+                    <a:pt x="500332" y="0"/>
+                  </a:lnTo>
+                  <a:lnTo>
+                    <a:pt x="301925" y="6875253"/>
+                  </a:lnTo>
+                  <a:lnTo>
+                    <a:pt x="0" y="6875253"/>
+                  </a:lnTo>
+                  <a:lnTo>
+                    <a:pt x="0" y="0"/>
                   </a:lnTo>
                   <a:close/>
                 </a:path>
@@ -2090,11 +2383,13 @@
             </a:ln>
           </p:spPr>
           <p:txBody>
-            <a:bodyPr bIns="45700" rIns="91425" lIns="91425" tIns="45700" anchor="ctr" anchorCtr="0">
+            <a:bodyPr lIns="91425" tIns="45700" rIns="91425" bIns="45700" anchor="ctr" anchorCtr="0">
               <a:noAutofit/>
             </a:bodyPr>
             <a:lstStyle/>
-            <a:p/>
+            <a:p>
+              <a:endParaRPr/>
+            </a:p>
           </p:txBody>
         </p:sp>
       </p:grpSp>
@@ -2106,10 +2401,10 @@
         </p:nvGrpSpPr>
         <p:grpSpPr>
           <a:xfrm flipH="1">
-            <a:off y="0" x="8494493"/>
-            <a:ext cy="5144627" cx="649180"/>
-            <a:chOff y="-1438" x="0"/>
-            <a:chExt cy="6859503" cx="649180"/>
+            <a:off x="8494493" y="0"/>
+            <a:ext cx="649180" cy="5144627"/>
+            <a:chOff x="0" y="-1438"/>
+            <a:chExt cx="649180" cy="6859503"/>
           </a:xfrm>
         </p:grpSpPr>
         <p:sp>
@@ -2120,26 +2415,31 @@
           </p:nvSpPr>
           <p:spPr>
             <a:xfrm>
-              <a:off y="-1438" x="0"/>
-              <a:ext cy="6858065" cx="649180"/>
+              <a:off x="0" y="-1438"/>
+              <a:ext cx="649180" cy="6858065"/>
             </a:xfrm>
             <a:custGeom>
+              <a:avLst/>
+              <a:gdLst/>
+              <a:ahLst/>
+              <a:cxnLst/>
+              <a:rect l="0" t="0" r="0" b="0"/>
               <a:pathLst>
-                <a:path w="500332" extrusionOk="0" h="6875253">
+                <a:path w="500332" h="6875253" extrusionOk="0">
                   <a:moveTo>
-                    <a:pt y="0" x="0"/>
+                    <a:pt x="0" y="0"/>
                   </a:moveTo>
                   <a:lnTo>
-                    <a:pt y="0" x="500332"/>
-                  </a:lnTo>
-                  <a:lnTo>
-                    <a:pt y="6875253" x="301925"/>
-                  </a:lnTo>
-                  <a:lnTo>
-                    <a:pt y="6875253" x="0"/>
-                  </a:lnTo>
-                  <a:lnTo>
-                    <a:pt y="0" x="0"/>
+                    <a:pt x="500332" y="0"/>
+                  </a:lnTo>
+                  <a:lnTo>
+                    <a:pt x="301925" y="6875253"/>
+                  </a:lnTo>
+                  <a:lnTo>
+                    <a:pt x="0" y="6875253"/>
+                  </a:lnTo>
+                  <a:lnTo>
+                    <a:pt x="0" y="0"/>
                   </a:lnTo>
                   <a:close/>
                 </a:path>
@@ -2155,11 +2455,13 @@
             </a:ln>
           </p:spPr>
           <p:txBody>
-            <a:bodyPr bIns="45700" rIns="91425" lIns="91425" tIns="45700" anchor="ctr" anchorCtr="0">
+            <a:bodyPr lIns="91425" tIns="45700" rIns="91425" bIns="45700" anchor="ctr" anchorCtr="0">
               <a:noAutofit/>
             </a:bodyPr>
             <a:lstStyle/>
-            <a:p/>
+            <a:p>
+              <a:endParaRPr/>
+            </a:p>
           </p:txBody>
         </p:sp>
         <p:sp>
@@ -2170,26 +2472,31 @@
           </p:nvSpPr>
           <p:spPr>
             <a:xfrm>
-              <a:off y="0" x="0"/>
-              <a:ext cy="6858065" cx="500331"/>
+              <a:off x="0" y="0"/>
+              <a:ext cx="500331" cy="6858065"/>
             </a:xfrm>
             <a:custGeom>
+              <a:avLst/>
+              <a:gdLst/>
+              <a:ahLst/>
+              <a:cxnLst/>
+              <a:rect l="0" t="0" r="0" b="0"/>
               <a:pathLst>
-                <a:path w="500332" extrusionOk="0" h="6875253">
+                <a:path w="500332" h="6875253" extrusionOk="0">
                   <a:moveTo>
-                    <a:pt y="0" x="0"/>
+                    <a:pt x="0" y="0"/>
                   </a:moveTo>
                   <a:lnTo>
-                    <a:pt y="0" x="500332"/>
-                  </a:lnTo>
-                  <a:lnTo>
-                    <a:pt y="6875253" x="301925"/>
-                  </a:lnTo>
-                  <a:lnTo>
-                    <a:pt y="6875253" x="0"/>
-                  </a:lnTo>
-                  <a:lnTo>
-                    <a:pt y="0" x="0"/>
+                    <a:pt x="500332" y="0"/>
+                  </a:lnTo>
+                  <a:lnTo>
+                    <a:pt x="301925" y="6875253"/>
+                  </a:lnTo>
+                  <a:lnTo>
+                    <a:pt x="0" y="6875253"/>
+                  </a:lnTo>
+                  <a:lnTo>
+                    <a:pt x="0" y="0"/>
                   </a:lnTo>
                   <a:close/>
                 </a:path>
@@ -2205,11 +2512,13 @@
             </a:ln>
           </p:spPr>
           <p:txBody>
-            <a:bodyPr bIns="45700" rIns="91425" lIns="91425" tIns="45700" anchor="ctr" anchorCtr="0">
+            <a:bodyPr lIns="91425" tIns="45700" rIns="91425" bIns="45700" anchor="ctr" anchorCtr="0">
               <a:noAutofit/>
             </a:bodyPr>
             <a:lstStyle/>
-            <a:p/>
+            <a:p>
+              <a:endParaRPr/>
+            </a:p>
           </p:txBody>
         </p:sp>
       </p:grpSp>
@@ -2221,8 +2530,8 @@
         </p:nvSpPr>
         <p:spPr>
           <a:xfrm>
-            <a:off y="4743450" x="0"/>
-            <a:ext cy="401099" cx="9144000"/>
+            <a:off x="0" y="4743450"/>
+            <a:ext cx="9144000" cy="401099"/>
           </a:xfrm>
           <a:prstGeom prst="rect">
             <a:avLst/>
@@ -2237,32 +2546,36 @@
           </a:ln>
         </p:spPr>
         <p:txBody>
-          <a:bodyPr bIns="45700" rIns="91425" lIns="91425" tIns="45700" anchor="ctr" anchorCtr="0">
+          <a:bodyPr lIns="91425" tIns="45700" rIns="91425" bIns="45700" anchor="ctr" anchorCtr="0">
             <a:noAutofit/>
           </a:bodyPr>
           <a:lstStyle/>
-          <a:p/>
+          <a:p>
+            <a:endParaRPr/>
+          </a:p>
         </p:txBody>
       </p:sp>
       <p:sp>
         <p:nvSpPr>
           <p:cNvPr id="37" name="Shape 37"/>
-          <p:cNvSpPr txBox="1"/>
+          <p:cNvSpPr txBox="1">
+            <a:spLocks noGrp="1"/>
+          </p:cNvSpPr>
           <p:nvPr>
             <p:ph type="title"/>
           </p:nvPr>
         </p:nvSpPr>
         <p:spPr>
           <a:xfrm>
-            <a:off y="205978" x="457200"/>
-            <a:ext cy="857400" cx="8229600"/>
+            <a:off x="457200" y="205978"/>
+            <a:ext cx="8229600" cy="857400"/>
           </a:xfrm>
           <a:prstGeom prst="rect">
             <a:avLst/>
           </a:prstGeom>
         </p:spPr>
         <p:txBody>
-          <a:bodyPr bIns="91425" rIns="91425" lIns="91425" tIns="91425" anchor="b" anchorCtr="0"/>
+          <a:bodyPr lIns="91425" tIns="91425" rIns="91425" bIns="91425" anchor="b" anchorCtr="0"/>
           <a:lstStyle>
             <a:lvl1pPr>
               <a:defRPr/>
@@ -2292,28 +2605,32 @@
               <a:defRPr/>
             </a:lvl9pPr>
           </a:lstStyle>
-          <a:p/>
+          <a:p>
+            <a:endParaRPr/>
+          </a:p>
         </p:txBody>
       </p:sp>
       <p:sp>
         <p:nvSpPr>
           <p:cNvPr id="38" name="Shape 38"/>
-          <p:cNvSpPr txBox="1"/>
+          <p:cNvSpPr txBox="1">
+            <a:spLocks noGrp="1"/>
+          </p:cNvSpPr>
           <p:nvPr>
-            <p:ph idx="1" type="body"/>
+            <p:ph type="body" idx="1"/>
           </p:nvPr>
         </p:nvSpPr>
         <p:spPr>
           <a:xfrm>
-            <a:off y="1200150" x="457200"/>
-            <a:ext cy="3725699" cx="3994500"/>
+            <a:off x="457200" y="1200150"/>
+            <a:ext cx="3994500" cy="3725699"/>
           </a:xfrm>
           <a:prstGeom prst="rect">
             <a:avLst/>
           </a:prstGeom>
         </p:spPr>
         <p:txBody>
-          <a:bodyPr bIns="91425" rIns="91425" lIns="91425" tIns="91425" anchor="t" anchorCtr="0"/>
+          <a:bodyPr lIns="91425" tIns="91425" rIns="91425" bIns="91425" anchor="t" anchorCtr="0"/>
           <a:lstStyle>
             <a:lvl1pPr>
               <a:defRPr/>
@@ -2343,28 +2660,32 @@
               <a:defRPr/>
             </a:lvl9pPr>
           </a:lstStyle>
-          <a:p/>
+          <a:p>
+            <a:endParaRPr/>
+          </a:p>
         </p:txBody>
       </p:sp>
       <p:sp>
         <p:nvSpPr>
           <p:cNvPr id="39" name="Shape 39"/>
-          <p:cNvSpPr txBox="1"/>
+          <p:cNvSpPr txBox="1">
+            <a:spLocks noGrp="1"/>
+          </p:cNvSpPr>
           <p:nvPr>
-            <p:ph idx="2" type="body"/>
+            <p:ph type="body" idx="2"/>
           </p:nvPr>
         </p:nvSpPr>
         <p:spPr>
           <a:xfrm>
-            <a:off y="1200150" x="4692273"/>
-            <a:ext cy="3725699" cx="3994500"/>
+            <a:off x="4692273" y="1200150"/>
+            <a:ext cx="3994500" cy="3725699"/>
           </a:xfrm>
           <a:prstGeom prst="rect">
             <a:avLst/>
           </a:prstGeom>
         </p:spPr>
         <p:txBody>
-          <a:bodyPr bIns="91425" rIns="91425" lIns="91425" tIns="91425" anchor="t" anchorCtr="0"/>
+          <a:bodyPr lIns="91425" tIns="91425" rIns="91425" bIns="91425" anchor="t" anchorCtr="0"/>
           <a:lstStyle>
             <a:lvl1pPr>
               <a:defRPr/>
@@ -2394,7 +2715,9 @@
               <a:defRPr/>
             </a:lvl9pPr>
           </a:lstStyle>
-          <a:p/>
+          <a:p>
+            <a:endParaRPr/>
+          </a:p>
         </p:txBody>
       </p:sp>
     </p:spTree>
@@ -2406,20 +2729,20 @@
 </file>
 
 <file path=ppt/slideLayouts/slideLayout4.xml><?xml version="1.0" encoding="utf-8"?>
-<p:sldLayout xmlns:a="http://schemas.openxmlformats.org/drawingml/2006/main" xmlns:r="http://schemas.openxmlformats.org/officeDocument/2006/relationships" xmlns:mc="http://schemas.openxmlformats.org/markup-compatibility/2006" xmlns:mv="urn:schemas-microsoft-com:mac:vml" xmlns:p="http://schemas.openxmlformats.org/presentationml/2006/main" xmlns:c="http://schemas.openxmlformats.org/drawingml/2006/chart" xmlns:dgm="http://schemas.openxmlformats.org/drawingml/2006/diagram" xmlns:o="urn:schemas-microsoft-com:office:office" xmlns:v="urn:schemas-microsoft-com:vml" xmlns:pvml="urn:schemas-microsoft-com:office:powerpoint" xmlns:com="http://schemas.openxmlformats.org/drawingml/2006/compatibility" xmlns:p14="http://schemas.microsoft.com/office/powerpoint/2010/main" type="titleOnly">
+<p:sldLayout xmlns:a="http://schemas.openxmlformats.org/drawingml/2006/main" xmlns:r="http://schemas.openxmlformats.org/officeDocument/2006/relationships" xmlns:p="http://schemas.openxmlformats.org/presentationml/2006/main" type="titleOnly">
   <p:cSld name="Title Only">
     <p:spTree>
       <p:nvGrpSpPr>
-        <p:cNvPr id="40" name="Shape 40"/>
+        <p:cNvPr id="1" name="Shape 40"/>
         <p:cNvGrpSpPr/>
         <p:nvPr/>
       </p:nvGrpSpPr>
       <p:grpSpPr>
         <a:xfrm>
-          <a:off y="0" x="0"/>
-          <a:ext cy="0" cx="0"/>
-          <a:chOff y="0" x="0"/>
-          <a:chExt cy="0" cx="0"/>
+          <a:off x="0" y="0"/>
+          <a:ext cx="0" cy="0"/>
+          <a:chOff x="0" y="0"/>
+          <a:chExt cx="0" cy="0"/>
         </a:xfrm>
       </p:grpSpPr>
       <p:sp>
@@ -2430,8 +2753,8 @@
         </p:nvSpPr>
         <p:spPr>
           <a:xfrm>
-            <a:off y="-1078" x="0"/>
-            <a:ext cy="1144199" cx="9144000"/>
+            <a:off x="0" y="-1078"/>
+            <a:ext cx="9144000" cy="1144199"/>
           </a:xfrm>
           <a:prstGeom prst="rect">
             <a:avLst/>
@@ -2446,11 +2769,13 @@
           </a:ln>
         </p:spPr>
         <p:txBody>
-          <a:bodyPr bIns="45700" rIns="91425" lIns="91425" tIns="45700" anchor="ctr" anchorCtr="0">
+          <a:bodyPr lIns="91425" tIns="45700" rIns="91425" bIns="45700" anchor="ctr" anchorCtr="0">
             <a:noAutofit/>
           </a:bodyPr>
           <a:lstStyle/>
-          <a:p/>
+          <a:p>
+            <a:endParaRPr/>
+          </a:p>
         </p:txBody>
       </p:sp>
       <p:grpSp>
@@ -2461,10 +2786,10 @@
         </p:nvGrpSpPr>
         <p:grpSpPr>
           <a:xfrm>
-            <a:off y="-1078" x="0"/>
-            <a:ext cy="5144627" cx="649180"/>
-            <a:chOff y="-1438" x="0"/>
-            <a:chExt cy="6859503" cx="649180"/>
+            <a:off x="0" y="-1078"/>
+            <a:ext cx="649180" cy="5144627"/>
+            <a:chOff x="0" y="-1438"/>
+            <a:chExt cx="649180" cy="6859503"/>
           </a:xfrm>
         </p:grpSpPr>
         <p:sp>
@@ -2475,26 +2800,31 @@
           </p:nvSpPr>
           <p:spPr>
             <a:xfrm>
-              <a:off y="-1438" x="0"/>
-              <a:ext cy="6858065" cx="649180"/>
+              <a:off x="0" y="-1438"/>
+              <a:ext cx="649180" cy="6858065"/>
             </a:xfrm>
             <a:custGeom>
+              <a:avLst/>
+              <a:gdLst/>
+              <a:ahLst/>
+              <a:cxnLst/>
+              <a:rect l="0" t="0" r="0" b="0"/>
               <a:pathLst>
-                <a:path w="500332" extrusionOk="0" h="6875253">
+                <a:path w="500332" h="6875253" extrusionOk="0">
                   <a:moveTo>
-                    <a:pt y="0" x="0"/>
+                    <a:pt x="0" y="0"/>
                   </a:moveTo>
                   <a:lnTo>
-                    <a:pt y="0" x="500332"/>
-                  </a:lnTo>
-                  <a:lnTo>
-                    <a:pt y="6875253" x="301925"/>
-                  </a:lnTo>
-                  <a:lnTo>
-                    <a:pt y="6875253" x="0"/>
-                  </a:lnTo>
-                  <a:lnTo>
-                    <a:pt y="0" x="0"/>
+                    <a:pt x="500332" y="0"/>
+                  </a:lnTo>
+                  <a:lnTo>
+                    <a:pt x="301925" y="6875253"/>
+                  </a:lnTo>
+                  <a:lnTo>
+                    <a:pt x="0" y="6875253"/>
+                  </a:lnTo>
+                  <a:lnTo>
+                    <a:pt x="0" y="0"/>
                   </a:lnTo>
                   <a:close/>
                 </a:path>
@@ -2510,11 +2840,13 @@
             </a:ln>
           </p:spPr>
           <p:txBody>
-            <a:bodyPr bIns="45700" rIns="91425" lIns="91425" tIns="45700" anchor="ctr" anchorCtr="0">
+            <a:bodyPr lIns="91425" tIns="45700" rIns="91425" bIns="45700" anchor="ctr" anchorCtr="0">
               <a:noAutofit/>
             </a:bodyPr>
             <a:lstStyle/>
-            <a:p/>
+            <a:p>
+              <a:endParaRPr/>
+            </a:p>
           </p:txBody>
         </p:sp>
         <p:sp>
@@ -2525,26 +2857,31 @@
           </p:nvSpPr>
           <p:spPr>
             <a:xfrm>
-              <a:off y="0" x="0"/>
-              <a:ext cy="6858065" cx="500331"/>
+              <a:off x="0" y="0"/>
+              <a:ext cx="500331" cy="6858065"/>
             </a:xfrm>
             <a:custGeom>
+              <a:avLst/>
+              <a:gdLst/>
+              <a:ahLst/>
+              <a:cxnLst/>
+              <a:rect l="0" t="0" r="0" b="0"/>
               <a:pathLst>
-                <a:path w="500332" extrusionOk="0" h="6875253">
+                <a:path w="500332" h="6875253" extrusionOk="0">
                   <a:moveTo>
-                    <a:pt y="0" x="0"/>
+                    <a:pt x="0" y="0"/>
                   </a:moveTo>
                   <a:lnTo>
-                    <a:pt y="0" x="500332"/>
-                  </a:lnTo>
-                  <a:lnTo>
-                    <a:pt y="6875253" x="301925"/>
-                  </a:lnTo>
-                  <a:lnTo>
-                    <a:pt y="6875253" x="0"/>
-                  </a:lnTo>
-                  <a:lnTo>
-                    <a:pt y="0" x="0"/>
+                    <a:pt x="500332" y="0"/>
+                  </a:lnTo>
+                  <a:lnTo>
+                    <a:pt x="301925" y="6875253"/>
+                  </a:lnTo>
+                  <a:lnTo>
+                    <a:pt x="0" y="6875253"/>
+                  </a:lnTo>
+                  <a:lnTo>
+                    <a:pt x="0" y="0"/>
                   </a:lnTo>
                   <a:close/>
                 </a:path>
@@ -2560,11 +2897,13 @@
             </a:ln>
           </p:spPr>
           <p:txBody>
-            <a:bodyPr bIns="45700" rIns="91425" lIns="91425" tIns="45700" anchor="ctr" anchorCtr="0">
+            <a:bodyPr lIns="91425" tIns="45700" rIns="91425" bIns="45700" anchor="ctr" anchorCtr="0">
               <a:noAutofit/>
             </a:bodyPr>
             <a:lstStyle/>
-            <a:p/>
+            <a:p>
+              <a:endParaRPr/>
+            </a:p>
           </p:txBody>
         </p:sp>
       </p:grpSp>
@@ -2576,10 +2915,10 @@
         </p:nvGrpSpPr>
         <p:grpSpPr>
           <a:xfrm flipH="1">
-            <a:off y="0" x="8494493"/>
-            <a:ext cy="5144627" cx="649180"/>
-            <a:chOff y="-1438" x="0"/>
-            <a:chExt cy="6859503" cx="649180"/>
+            <a:off x="8494493" y="0"/>
+            <a:ext cx="649180" cy="5144627"/>
+            <a:chOff x="0" y="-1438"/>
+            <a:chExt cx="649180" cy="6859503"/>
           </a:xfrm>
         </p:grpSpPr>
         <p:sp>
@@ -2590,26 +2929,31 @@
           </p:nvSpPr>
           <p:spPr>
             <a:xfrm>
-              <a:off y="-1438" x="0"/>
-              <a:ext cy="6858065" cx="649180"/>
+              <a:off x="0" y="-1438"/>
+              <a:ext cx="649180" cy="6858065"/>
             </a:xfrm>
             <a:custGeom>
+              <a:avLst/>
+              <a:gdLst/>
+              <a:ahLst/>
+              <a:cxnLst/>
+              <a:rect l="0" t="0" r="0" b="0"/>
               <a:pathLst>
-                <a:path w="500332" extrusionOk="0" h="6875253">
+                <a:path w="500332" h="6875253" extrusionOk="0">
                   <a:moveTo>
-                    <a:pt y="0" x="0"/>
+                    <a:pt x="0" y="0"/>
                   </a:moveTo>
                   <a:lnTo>
-                    <a:pt y="0" x="500332"/>
-                  </a:lnTo>
-                  <a:lnTo>
-                    <a:pt y="6875253" x="301925"/>
-                  </a:lnTo>
-                  <a:lnTo>
-                    <a:pt y="6875253" x="0"/>
-                  </a:lnTo>
-                  <a:lnTo>
-                    <a:pt y="0" x="0"/>
+                    <a:pt x="500332" y="0"/>
+                  </a:lnTo>
+                  <a:lnTo>
+                    <a:pt x="301925" y="6875253"/>
+                  </a:lnTo>
+                  <a:lnTo>
+                    <a:pt x="0" y="6875253"/>
+                  </a:lnTo>
+                  <a:lnTo>
+                    <a:pt x="0" y="0"/>
                   </a:lnTo>
                   <a:close/>
                 </a:path>
@@ -2625,11 +2969,13 @@
             </a:ln>
           </p:spPr>
           <p:txBody>
-            <a:bodyPr bIns="45700" rIns="91425" lIns="91425" tIns="45700" anchor="ctr" anchorCtr="0">
+            <a:bodyPr lIns="91425" tIns="45700" rIns="91425" bIns="45700" anchor="ctr" anchorCtr="0">
               <a:noAutofit/>
             </a:bodyPr>
             <a:lstStyle/>
-            <a:p/>
+            <a:p>
+              <a:endParaRPr/>
+            </a:p>
           </p:txBody>
         </p:sp>
         <p:sp>
@@ -2640,26 +2986,31 @@
           </p:nvSpPr>
           <p:spPr>
             <a:xfrm>
-              <a:off y="0" x="0"/>
-              <a:ext cy="6858065" cx="500331"/>
+              <a:off x="0" y="0"/>
+              <a:ext cx="500331" cy="6858065"/>
             </a:xfrm>
             <a:custGeom>
+              <a:avLst/>
+              <a:gdLst/>
+              <a:ahLst/>
+              <a:cxnLst/>
+              <a:rect l="0" t="0" r="0" b="0"/>
               <a:pathLst>
-                <a:path w="500332" extrusionOk="0" h="6875253">
+                <a:path w="500332" h="6875253" extrusionOk="0">
                   <a:moveTo>
-                    <a:pt y="0" x="0"/>
+                    <a:pt x="0" y="0"/>
                   </a:moveTo>
                   <a:lnTo>
-                    <a:pt y="0" x="500332"/>
-                  </a:lnTo>
-                  <a:lnTo>
-                    <a:pt y="6875253" x="301925"/>
-                  </a:lnTo>
-                  <a:lnTo>
-                    <a:pt y="6875253" x="0"/>
-                  </a:lnTo>
-                  <a:lnTo>
-                    <a:pt y="0" x="0"/>
+                    <a:pt x="500332" y="0"/>
+                  </a:lnTo>
+                  <a:lnTo>
+                    <a:pt x="301925" y="6875253"/>
+                  </a:lnTo>
+                  <a:lnTo>
+                    <a:pt x="0" y="6875253"/>
+                  </a:lnTo>
+                  <a:lnTo>
+                    <a:pt x="0" y="0"/>
                   </a:lnTo>
                   <a:close/>
                 </a:path>
@@ -2675,11 +3026,13 @@
             </a:ln>
           </p:spPr>
           <p:txBody>
-            <a:bodyPr bIns="45700" rIns="91425" lIns="91425" tIns="45700" anchor="ctr" anchorCtr="0">
+            <a:bodyPr lIns="91425" tIns="45700" rIns="91425" bIns="45700" anchor="ctr" anchorCtr="0">
               <a:noAutofit/>
             </a:bodyPr>
             <a:lstStyle/>
-            <a:p/>
+            <a:p>
+              <a:endParaRPr/>
+            </a:p>
           </p:txBody>
         </p:sp>
       </p:grpSp>
@@ -2691,8 +3044,8 @@
         </p:nvSpPr>
         <p:spPr>
           <a:xfrm>
-            <a:off y="4743450" x="0"/>
-            <a:ext cy="401099" cx="9144000"/>
+            <a:off x="0" y="4743450"/>
+            <a:ext cx="9144000" cy="401099"/>
           </a:xfrm>
           <a:prstGeom prst="rect">
             <a:avLst/>
@@ -2707,32 +3060,36 @@
           </a:ln>
         </p:spPr>
         <p:txBody>
-          <a:bodyPr bIns="45700" rIns="91425" lIns="91425" tIns="45700" anchor="ctr" anchorCtr="0">
+          <a:bodyPr lIns="91425" tIns="45700" rIns="91425" bIns="45700" anchor="ctr" anchorCtr="0">
             <a:noAutofit/>
           </a:bodyPr>
           <a:lstStyle/>
-          <a:p/>
+          <a:p>
+            <a:endParaRPr/>
+          </a:p>
         </p:txBody>
       </p:sp>
       <p:sp>
         <p:nvSpPr>
           <p:cNvPr id="49" name="Shape 49"/>
-          <p:cNvSpPr txBox="1"/>
+          <p:cNvSpPr txBox="1">
+            <a:spLocks noGrp="1"/>
+          </p:cNvSpPr>
           <p:nvPr>
             <p:ph type="title"/>
           </p:nvPr>
         </p:nvSpPr>
         <p:spPr>
           <a:xfrm>
-            <a:off y="205978" x="457200"/>
-            <a:ext cy="857400" cx="8229600"/>
+            <a:off x="457200" y="205978"/>
+            <a:ext cx="8229600" cy="857400"/>
           </a:xfrm>
           <a:prstGeom prst="rect">
             <a:avLst/>
           </a:prstGeom>
         </p:spPr>
         <p:txBody>
-          <a:bodyPr bIns="91425" rIns="91425" lIns="91425" tIns="91425" anchor="b" anchorCtr="0"/>
+          <a:bodyPr lIns="91425" tIns="91425" rIns="91425" bIns="91425" anchor="b" anchorCtr="0"/>
           <a:lstStyle>
             <a:lvl1pPr>
               <a:defRPr/>
@@ -2762,7 +3119,9 @@
               <a:defRPr/>
             </a:lvl9pPr>
           </a:lstStyle>
-          <a:p/>
+          <a:p>
+            <a:endParaRPr/>
+          </a:p>
         </p:txBody>
       </p:sp>
     </p:spTree>
@@ -2774,20 +3133,20 @@
 </file>
 
 <file path=ppt/slideLayouts/slideLayout5.xml><?xml version="1.0" encoding="utf-8"?>
-<p:sldLayout xmlns:a="http://schemas.openxmlformats.org/drawingml/2006/main" xmlns:r="http://schemas.openxmlformats.org/officeDocument/2006/relationships" xmlns:mc="http://schemas.openxmlformats.org/markup-compatibility/2006" xmlns:mv="urn:schemas-microsoft-com:mac:vml" xmlns:p="http://schemas.openxmlformats.org/presentationml/2006/main" xmlns:c="http://schemas.openxmlformats.org/drawingml/2006/chart" xmlns:dgm="http://schemas.openxmlformats.org/drawingml/2006/diagram" xmlns:o="urn:schemas-microsoft-com:office:office" xmlns:v="urn:schemas-microsoft-com:vml" xmlns:pvml="urn:schemas-microsoft-com:office:powerpoint" xmlns:com="http://schemas.openxmlformats.org/drawingml/2006/compatibility" xmlns:p14="http://schemas.microsoft.com/office/powerpoint/2010/main">
+<p:sldLayout xmlns:a="http://schemas.openxmlformats.org/drawingml/2006/main" xmlns:r="http://schemas.openxmlformats.org/officeDocument/2006/relationships" xmlns:p="http://schemas.openxmlformats.org/presentationml/2006/main">
   <p:cSld name="Caption">
     <p:spTree>
       <p:nvGrpSpPr>
-        <p:cNvPr id="50" name="Shape 50"/>
+        <p:cNvPr id="1" name="Shape 50"/>
         <p:cNvGrpSpPr/>
         <p:nvPr/>
       </p:nvGrpSpPr>
       <p:grpSpPr>
         <a:xfrm>
-          <a:off y="0" x="0"/>
-          <a:ext cy="0" cx="0"/>
-          <a:chOff y="0" x="0"/>
-          <a:chExt cy="0" cx="0"/>
+          <a:off x="0" y="0"/>
+          <a:ext cx="0" cy="0"/>
+          <a:chOff x="0" y="0"/>
+          <a:chExt cx="0" cy="0"/>
         </a:xfrm>
       </p:grpSpPr>
       <p:sp>
@@ -2798,8 +3157,8 @@
         </p:nvSpPr>
         <p:spPr>
           <a:xfrm>
-            <a:off y="-1078" x="0"/>
-            <a:ext cy="1144199" cx="9144000"/>
+            <a:off x="0" y="-1078"/>
+            <a:ext cx="9144000" cy="1144199"/>
           </a:xfrm>
           <a:prstGeom prst="rect">
             <a:avLst/>
@@ -2814,11 +3173,13 @@
           </a:ln>
         </p:spPr>
         <p:txBody>
-          <a:bodyPr bIns="45700" rIns="91425" lIns="91425" tIns="45700" anchor="ctr" anchorCtr="0">
+          <a:bodyPr lIns="91425" tIns="45700" rIns="91425" bIns="45700" anchor="ctr" anchorCtr="0">
             <a:noAutofit/>
           </a:bodyPr>
           <a:lstStyle/>
-          <a:p/>
+          <a:p>
+            <a:endParaRPr/>
+          </a:p>
         </p:txBody>
       </p:sp>
       <p:grpSp>
@@ -2829,10 +3190,10 @@
         </p:nvGrpSpPr>
         <p:grpSpPr>
           <a:xfrm>
-            <a:off y="-1078" x="0"/>
-            <a:ext cy="5144627" cx="649180"/>
-            <a:chOff y="-1438" x="0"/>
-            <a:chExt cy="6859503" cx="649180"/>
+            <a:off x="0" y="-1078"/>
+            <a:ext cx="649180" cy="5144627"/>
+            <a:chOff x="0" y="-1438"/>
+            <a:chExt cx="649180" cy="6859503"/>
           </a:xfrm>
         </p:grpSpPr>
         <p:sp>
@@ -2843,26 +3204,31 @@
           </p:nvSpPr>
           <p:spPr>
             <a:xfrm>
-              <a:off y="-1438" x="0"/>
-              <a:ext cy="6858065" cx="649180"/>
+              <a:off x="0" y="-1438"/>
+              <a:ext cx="649180" cy="6858065"/>
             </a:xfrm>
             <a:custGeom>
+              <a:avLst/>
+              <a:gdLst/>
+              <a:ahLst/>
+              <a:cxnLst/>
+              <a:rect l="0" t="0" r="0" b="0"/>
               <a:pathLst>
-                <a:path w="500332" extrusionOk="0" h="6875253">
+                <a:path w="500332" h="6875253" extrusionOk="0">
                   <a:moveTo>
-                    <a:pt y="0" x="0"/>
+                    <a:pt x="0" y="0"/>
                   </a:moveTo>
                   <a:lnTo>
-                    <a:pt y="0" x="500332"/>
-                  </a:lnTo>
-                  <a:lnTo>
-                    <a:pt y="6875253" x="301925"/>
-                  </a:lnTo>
-                  <a:lnTo>
-                    <a:pt y="6875253" x="0"/>
-                  </a:lnTo>
-                  <a:lnTo>
-                    <a:pt y="0" x="0"/>
+                    <a:pt x="500332" y="0"/>
+                  </a:lnTo>
+                  <a:lnTo>
+                    <a:pt x="301925" y="6875253"/>
+                  </a:lnTo>
+                  <a:lnTo>
+                    <a:pt x="0" y="6875253"/>
+                  </a:lnTo>
+                  <a:lnTo>
+                    <a:pt x="0" y="0"/>
                   </a:lnTo>
                   <a:close/>
                 </a:path>
@@ -2878,11 +3244,13 @@
             </a:ln>
           </p:spPr>
           <p:txBody>
-            <a:bodyPr bIns="45700" rIns="91425" lIns="91425" tIns="45700" anchor="ctr" anchorCtr="0">
+            <a:bodyPr lIns="91425" tIns="45700" rIns="91425" bIns="45700" anchor="ctr" anchorCtr="0">
               <a:noAutofit/>
             </a:bodyPr>
             <a:lstStyle/>
-            <a:p/>
+            <a:p>
+              <a:endParaRPr/>
+            </a:p>
           </p:txBody>
         </p:sp>
         <p:sp>
@@ -2893,26 +3261,31 @@
           </p:nvSpPr>
           <p:spPr>
             <a:xfrm>
-              <a:off y="0" x="0"/>
-              <a:ext cy="6858065" cx="500331"/>
+              <a:off x="0" y="0"/>
+              <a:ext cx="500331" cy="6858065"/>
             </a:xfrm>
             <a:custGeom>
+              <a:avLst/>
+              <a:gdLst/>
+              <a:ahLst/>
+              <a:cxnLst/>
+              <a:rect l="0" t="0" r="0" b="0"/>
               <a:pathLst>
-                <a:path w="500332" extrusionOk="0" h="6875253">
+                <a:path w="500332" h="6875253" extrusionOk="0">
                   <a:moveTo>
-                    <a:pt y="0" x="0"/>
+                    <a:pt x="0" y="0"/>
                   </a:moveTo>
                   <a:lnTo>
-                    <a:pt y="0" x="500332"/>
-                  </a:lnTo>
-                  <a:lnTo>
-                    <a:pt y="6875253" x="301925"/>
-                  </a:lnTo>
-                  <a:lnTo>
-                    <a:pt y="6875253" x="0"/>
-                  </a:lnTo>
-                  <a:lnTo>
-                    <a:pt y="0" x="0"/>
+                    <a:pt x="500332" y="0"/>
+                  </a:lnTo>
+                  <a:lnTo>
+                    <a:pt x="301925" y="6875253"/>
+                  </a:lnTo>
+                  <a:lnTo>
+                    <a:pt x="0" y="6875253"/>
+                  </a:lnTo>
+                  <a:lnTo>
+                    <a:pt x="0" y="0"/>
                   </a:lnTo>
                   <a:close/>
                 </a:path>
@@ -2928,11 +3301,13 @@
             </a:ln>
           </p:spPr>
           <p:txBody>
-            <a:bodyPr bIns="45700" rIns="91425" lIns="91425" tIns="45700" anchor="ctr" anchorCtr="0">
+            <a:bodyPr lIns="91425" tIns="45700" rIns="91425" bIns="45700" anchor="ctr" anchorCtr="0">
               <a:noAutofit/>
             </a:bodyPr>
             <a:lstStyle/>
-            <a:p/>
+            <a:p>
+              <a:endParaRPr/>
+            </a:p>
           </p:txBody>
         </p:sp>
       </p:grpSp>
@@ -2944,10 +3319,10 @@
         </p:nvGrpSpPr>
         <p:grpSpPr>
           <a:xfrm flipH="1">
-            <a:off y="0" x="8494493"/>
-            <a:ext cy="5144627" cx="649180"/>
-            <a:chOff y="-1438" x="0"/>
-            <a:chExt cy="6859503" cx="649180"/>
+            <a:off x="8494493" y="0"/>
+            <a:ext cx="649180" cy="5144627"/>
+            <a:chOff x="0" y="-1438"/>
+            <a:chExt cx="649180" cy="6859503"/>
           </a:xfrm>
         </p:grpSpPr>
         <p:sp>
@@ -2958,26 +3333,31 @@
           </p:nvSpPr>
           <p:spPr>
             <a:xfrm>
-              <a:off y="-1438" x="0"/>
-              <a:ext cy="6858065" cx="649180"/>
+              <a:off x="0" y="-1438"/>
+              <a:ext cx="649180" cy="6858065"/>
             </a:xfrm>
             <a:custGeom>
+              <a:avLst/>
+              <a:gdLst/>
+              <a:ahLst/>
+              <a:cxnLst/>
+              <a:rect l="0" t="0" r="0" b="0"/>
               <a:pathLst>
-                <a:path w="500332" extrusionOk="0" h="6875253">
+                <a:path w="500332" h="6875253" extrusionOk="0">
                   <a:moveTo>
-                    <a:pt y="0" x="0"/>
+                    <a:pt x="0" y="0"/>
                   </a:moveTo>
                   <a:lnTo>
-                    <a:pt y="0" x="500332"/>
-                  </a:lnTo>
-                  <a:lnTo>
-                    <a:pt y="6875253" x="301925"/>
-                  </a:lnTo>
-                  <a:lnTo>
-                    <a:pt y="6875253" x="0"/>
-                  </a:lnTo>
-                  <a:lnTo>
-                    <a:pt y="0" x="0"/>
+                    <a:pt x="500332" y="0"/>
+                  </a:lnTo>
+                  <a:lnTo>
+                    <a:pt x="301925" y="6875253"/>
+                  </a:lnTo>
+                  <a:lnTo>
+                    <a:pt x="0" y="6875253"/>
+                  </a:lnTo>
+                  <a:lnTo>
+                    <a:pt x="0" y="0"/>
                   </a:lnTo>
                   <a:close/>
                 </a:path>
@@ -2993,11 +3373,13 @@
             </a:ln>
           </p:spPr>
           <p:txBody>
-            <a:bodyPr bIns="45700" rIns="91425" lIns="91425" tIns="45700" anchor="ctr" anchorCtr="0">
+            <a:bodyPr lIns="91425" tIns="45700" rIns="91425" bIns="45700" anchor="ctr" anchorCtr="0">
               <a:noAutofit/>
             </a:bodyPr>
             <a:lstStyle/>
-            <a:p/>
+            <a:p>
+              <a:endParaRPr/>
+            </a:p>
           </p:txBody>
         </p:sp>
         <p:sp>
@@ -3008,26 +3390,31 @@
           </p:nvSpPr>
           <p:spPr>
             <a:xfrm>
-              <a:off y="0" x="0"/>
-              <a:ext cy="6858065" cx="500331"/>
+              <a:off x="0" y="0"/>
+              <a:ext cx="500331" cy="6858065"/>
             </a:xfrm>
             <a:custGeom>
+              <a:avLst/>
+              <a:gdLst/>
+              <a:ahLst/>
+              <a:cxnLst/>
+              <a:rect l="0" t="0" r="0" b="0"/>
               <a:pathLst>
-                <a:path w="500332" extrusionOk="0" h="6875253">
+                <a:path w="500332" h="6875253" extrusionOk="0">
                   <a:moveTo>
-                    <a:pt y="0" x="0"/>
+                    <a:pt x="0" y="0"/>
                   </a:moveTo>
                   <a:lnTo>
-                    <a:pt y="0" x="500332"/>
-                  </a:lnTo>
-                  <a:lnTo>
-                    <a:pt y="6875253" x="301925"/>
-                  </a:lnTo>
-                  <a:lnTo>
-                    <a:pt y="6875253" x="0"/>
-                  </a:lnTo>
-                  <a:lnTo>
-                    <a:pt y="0" x="0"/>
+                    <a:pt x="500332" y="0"/>
+                  </a:lnTo>
+                  <a:lnTo>
+                    <a:pt x="301925" y="6875253"/>
+                  </a:lnTo>
+                  <a:lnTo>
+                    <a:pt x="0" y="6875253"/>
+                  </a:lnTo>
+                  <a:lnTo>
+                    <a:pt x="0" y="0"/>
                   </a:lnTo>
                   <a:close/>
                 </a:path>
@@ -3043,11 +3430,13 @@
             </a:ln>
           </p:spPr>
           <p:txBody>
-            <a:bodyPr bIns="45700" rIns="91425" lIns="91425" tIns="45700" anchor="ctr" anchorCtr="0">
+            <a:bodyPr lIns="91425" tIns="45700" rIns="91425" bIns="45700" anchor="ctr" anchorCtr="0">
               <a:noAutofit/>
             </a:bodyPr>
             <a:lstStyle/>
-            <a:p/>
+            <a:p>
+              <a:endParaRPr/>
+            </a:p>
           </p:txBody>
         </p:sp>
       </p:grpSp>
@@ -3059,8 +3448,8 @@
         </p:nvSpPr>
         <p:spPr>
           <a:xfrm>
-            <a:off y="4743450" x="0"/>
-            <a:ext cy="401099" cx="9144000"/>
+            <a:off x="0" y="4743450"/>
+            <a:ext cx="9144000" cy="401099"/>
           </a:xfrm>
           <a:prstGeom prst="rect">
             <a:avLst/>
@@ -3075,34 +3464,38 @@
           </a:ln>
         </p:spPr>
         <p:txBody>
-          <a:bodyPr bIns="45700" rIns="91425" lIns="91425" tIns="45700" anchor="ctr" anchorCtr="0">
+          <a:bodyPr lIns="91425" tIns="45700" rIns="91425" bIns="45700" anchor="ctr" anchorCtr="0">
             <a:noAutofit/>
           </a:bodyPr>
           <a:lstStyle/>
-          <a:p/>
+          <a:p>
+            <a:endParaRPr/>
+          </a:p>
         </p:txBody>
       </p:sp>
       <p:sp>
         <p:nvSpPr>
           <p:cNvPr id="59" name="Shape 59"/>
-          <p:cNvSpPr txBox="1"/>
+          <p:cNvSpPr txBox="1">
+            <a:spLocks noGrp="1"/>
+          </p:cNvSpPr>
           <p:nvPr>
-            <p:ph idx="1" type="body"/>
+            <p:ph type="body" idx="1"/>
           </p:nvPr>
         </p:nvSpPr>
         <p:spPr>
           <a:xfrm>
-            <a:off y="4406309" x="457200"/>
-            <a:ext cy="519599" cx="8229600"/>
+            <a:off x="457200" y="4406309"/>
+            <a:ext cx="8229600" cy="519599"/>
           </a:xfrm>
           <a:prstGeom prst="rect">
             <a:avLst/>
           </a:prstGeom>
         </p:spPr>
         <p:txBody>
-          <a:bodyPr bIns="91425" rIns="91425" lIns="91425" tIns="91425" anchor="t" anchorCtr="0"/>
+          <a:bodyPr lIns="91425" tIns="91425" rIns="91425" bIns="91425" anchor="t" anchorCtr="0"/>
           <a:lstStyle>
-            <a:lvl1pPr algn="ctr" indent="-171450" marL="285750">
+            <a:lvl1pPr marL="285750" indent="-171450" algn="ctr">
               <a:spcBef>
                 <a:spcPts val="0"/>
               </a:spcBef>
@@ -3118,7 +3511,9 @@
               </a:defRPr>
             </a:lvl1pPr>
           </a:lstStyle>
-          <a:p/>
+          <a:p>
+            <a:endParaRPr/>
+          </a:p>
         </p:txBody>
       </p:sp>
     </p:spTree>
@@ -3130,20 +3525,20 @@
 </file>
 
 <file path=ppt/slideLayouts/slideLayout6.xml><?xml version="1.0" encoding="utf-8"?>
-<p:sldLayout xmlns:a="http://schemas.openxmlformats.org/drawingml/2006/main" xmlns:r="http://schemas.openxmlformats.org/officeDocument/2006/relationships" xmlns:mc="http://schemas.openxmlformats.org/markup-compatibility/2006" xmlns:mv="urn:schemas-microsoft-com:mac:vml" xmlns:p="http://schemas.openxmlformats.org/presentationml/2006/main" xmlns:c="http://schemas.openxmlformats.org/drawingml/2006/chart" xmlns:dgm="http://schemas.openxmlformats.org/drawingml/2006/diagram" xmlns:o="urn:schemas-microsoft-com:office:office" xmlns:v="urn:schemas-microsoft-com:vml" xmlns:pvml="urn:schemas-microsoft-com:office:powerpoint" xmlns:com="http://schemas.openxmlformats.org/drawingml/2006/compatibility" xmlns:p14="http://schemas.microsoft.com/office/powerpoint/2010/main" type="blank">
+<p:sldLayout xmlns:a="http://schemas.openxmlformats.org/drawingml/2006/main" xmlns:r="http://schemas.openxmlformats.org/officeDocument/2006/relationships" xmlns:p="http://schemas.openxmlformats.org/presentationml/2006/main" type="blank">
   <p:cSld name="Blank">
     <p:spTree>
       <p:nvGrpSpPr>
-        <p:cNvPr id="60" name="Shape 60"/>
+        <p:cNvPr id="1" name="Shape 60"/>
         <p:cNvGrpSpPr/>
         <p:nvPr/>
       </p:nvGrpSpPr>
       <p:grpSpPr>
         <a:xfrm>
-          <a:off y="0" x="0"/>
-          <a:ext cy="0" cx="0"/>
-          <a:chOff y="0" x="0"/>
-          <a:chExt cy="0" cx="0"/>
+          <a:off x="0" y="0"/>
+          <a:ext cx="0" cy="0"/>
+          <a:chOff x="0" y="0"/>
+          <a:chExt cx="0" cy="0"/>
         </a:xfrm>
       </p:grpSpPr>
       <p:sp>
@@ -3154,8 +3549,8 @@
         </p:nvSpPr>
         <p:spPr>
           <a:xfrm>
-            <a:off y="-1078" x="0"/>
-            <a:ext cy="1144199" cx="9144000"/>
+            <a:off x="0" y="-1078"/>
+            <a:ext cx="9144000" cy="1144199"/>
           </a:xfrm>
           <a:prstGeom prst="rect">
             <a:avLst/>
@@ -3170,11 +3565,13 @@
           </a:ln>
         </p:spPr>
         <p:txBody>
-          <a:bodyPr bIns="45700" rIns="91425" lIns="91425" tIns="45700" anchor="ctr" anchorCtr="0">
+          <a:bodyPr lIns="91425" tIns="45700" rIns="91425" bIns="45700" anchor="ctr" anchorCtr="0">
             <a:noAutofit/>
           </a:bodyPr>
           <a:lstStyle/>
-          <a:p/>
+          <a:p>
+            <a:endParaRPr/>
+          </a:p>
         </p:txBody>
       </p:sp>
       <p:grpSp>
@@ -3185,10 +3582,10 @@
         </p:nvGrpSpPr>
         <p:grpSpPr>
           <a:xfrm>
-            <a:off y="-1078" x="0"/>
-            <a:ext cy="5144627" cx="649180"/>
-            <a:chOff y="-1438" x="0"/>
-            <a:chExt cy="6859503" cx="649180"/>
+            <a:off x="0" y="-1078"/>
+            <a:ext cx="649180" cy="5144627"/>
+            <a:chOff x="0" y="-1438"/>
+            <a:chExt cx="649180" cy="6859503"/>
           </a:xfrm>
         </p:grpSpPr>
         <p:sp>
@@ -3199,26 +3596,31 @@
           </p:nvSpPr>
           <p:spPr>
             <a:xfrm>
-              <a:off y="-1438" x="0"/>
-              <a:ext cy="6858065" cx="649180"/>
+              <a:off x="0" y="-1438"/>
+              <a:ext cx="649180" cy="6858065"/>
             </a:xfrm>
             <a:custGeom>
+              <a:avLst/>
+              <a:gdLst/>
+              <a:ahLst/>
+              <a:cxnLst/>
+              <a:rect l="0" t="0" r="0" b="0"/>
               <a:pathLst>
-                <a:path w="500332" extrusionOk="0" h="6875253">
+                <a:path w="500332" h="6875253" extrusionOk="0">
                   <a:moveTo>
-                    <a:pt y="0" x="0"/>
+                    <a:pt x="0" y="0"/>
                   </a:moveTo>
                   <a:lnTo>
-                    <a:pt y="0" x="500332"/>
-                  </a:lnTo>
-                  <a:lnTo>
-                    <a:pt y="6875253" x="301925"/>
-                  </a:lnTo>
-                  <a:lnTo>
-                    <a:pt y="6875253" x="0"/>
-                  </a:lnTo>
-                  <a:lnTo>
-                    <a:pt y="0" x="0"/>
+                    <a:pt x="500332" y="0"/>
+                  </a:lnTo>
+                  <a:lnTo>
+                    <a:pt x="301925" y="6875253"/>
+                  </a:lnTo>
+                  <a:lnTo>
+                    <a:pt x="0" y="6875253"/>
+                  </a:lnTo>
+                  <a:lnTo>
+                    <a:pt x="0" y="0"/>
                   </a:lnTo>
                   <a:close/>
                 </a:path>
@@ -3234,11 +3636,13 @@
             </a:ln>
           </p:spPr>
           <p:txBody>
-            <a:bodyPr bIns="45700" rIns="91425" lIns="91425" tIns="45700" anchor="ctr" anchorCtr="0">
+            <a:bodyPr lIns="91425" tIns="45700" rIns="91425" bIns="45700" anchor="ctr" anchorCtr="0">
               <a:noAutofit/>
             </a:bodyPr>
             <a:lstStyle/>
-            <a:p/>
+            <a:p>
+              <a:endParaRPr/>
+            </a:p>
           </p:txBody>
         </p:sp>
         <p:sp>
@@ -3249,26 +3653,31 @@
           </p:nvSpPr>
           <p:spPr>
             <a:xfrm>
-              <a:off y="0" x="0"/>
-              <a:ext cy="6858065" cx="500331"/>
+              <a:off x="0" y="0"/>
+              <a:ext cx="500331" cy="6858065"/>
             </a:xfrm>
             <a:custGeom>
+              <a:avLst/>
+              <a:gdLst/>
+              <a:ahLst/>
+              <a:cxnLst/>
+              <a:rect l="0" t="0" r="0" b="0"/>
               <a:pathLst>
-                <a:path w="500332" extrusionOk="0" h="6875253">
+                <a:path w="500332" h="6875253" extrusionOk="0">
                   <a:moveTo>
-                    <a:pt y="0" x="0"/>
+                    <a:pt x="0" y="0"/>
                   </a:moveTo>
                   <a:lnTo>
-                    <a:pt y="0" x="500332"/>
-                  </a:lnTo>
-                  <a:lnTo>
-                    <a:pt y="6875253" x="301925"/>
-                  </a:lnTo>
-                  <a:lnTo>
-                    <a:pt y="6875253" x="0"/>
-                  </a:lnTo>
-                  <a:lnTo>
-                    <a:pt y="0" x="0"/>
+                    <a:pt x="500332" y="0"/>
+                  </a:lnTo>
+                  <a:lnTo>
+                    <a:pt x="301925" y="6875253"/>
+                  </a:lnTo>
+                  <a:lnTo>
+                    <a:pt x="0" y="6875253"/>
+                  </a:lnTo>
+                  <a:lnTo>
+                    <a:pt x="0" y="0"/>
                   </a:lnTo>
                   <a:close/>
                 </a:path>
@@ -3284,11 +3693,13 @@
             </a:ln>
           </p:spPr>
           <p:txBody>
-            <a:bodyPr bIns="45700" rIns="91425" lIns="91425" tIns="45700" anchor="ctr" anchorCtr="0">
+            <a:bodyPr lIns="91425" tIns="45700" rIns="91425" bIns="45700" anchor="ctr" anchorCtr="0">
               <a:noAutofit/>
             </a:bodyPr>
             <a:lstStyle/>
-            <a:p/>
+            <a:p>
+              <a:endParaRPr/>
+            </a:p>
           </p:txBody>
         </p:sp>
       </p:grpSp>
@@ -3300,10 +3711,10 @@
         </p:nvGrpSpPr>
         <p:grpSpPr>
           <a:xfrm flipH="1">
-            <a:off y="0" x="8494493"/>
-            <a:ext cy="5144627" cx="649180"/>
-            <a:chOff y="-1438" x="0"/>
-            <a:chExt cy="6859503" cx="649180"/>
+            <a:off x="8494493" y="0"/>
+            <a:ext cx="649180" cy="5144627"/>
+            <a:chOff x="0" y="-1438"/>
+            <a:chExt cx="649180" cy="6859503"/>
           </a:xfrm>
         </p:grpSpPr>
         <p:sp>
@@ -3314,26 +3725,31 @@
           </p:nvSpPr>
           <p:spPr>
             <a:xfrm>
-              <a:off y="-1438" x="0"/>
-              <a:ext cy="6858065" cx="649180"/>
+              <a:off x="0" y="-1438"/>
+              <a:ext cx="649180" cy="6858065"/>
             </a:xfrm>
             <a:custGeom>
+              <a:avLst/>
+              <a:gdLst/>
+              <a:ahLst/>
+              <a:cxnLst/>
+              <a:rect l="0" t="0" r="0" b="0"/>
               <a:pathLst>
-                <a:path w="500332" extrusionOk="0" h="6875253">
+                <a:path w="500332" h="6875253" extrusionOk="0">
                   <a:moveTo>
-                    <a:pt y="0" x="0"/>
+                    <a:pt x="0" y="0"/>
                   </a:moveTo>
                   <a:lnTo>
-                    <a:pt y="0" x="500332"/>
-                  </a:lnTo>
-                  <a:lnTo>
-                    <a:pt y="6875253" x="301925"/>
-                  </a:lnTo>
-                  <a:lnTo>
-                    <a:pt y="6875253" x="0"/>
-                  </a:lnTo>
-                  <a:lnTo>
-                    <a:pt y="0" x="0"/>
+                    <a:pt x="500332" y="0"/>
+                  </a:lnTo>
+                  <a:lnTo>
+                    <a:pt x="301925" y="6875253"/>
+                  </a:lnTo>
+                  <a:lnTo>
+                    <a:pt x="0" y="6875253"/>
+                  </a:lnTo>
+                  <a:lnTo>
+                    <a:pt x="0" y="0"/>
                   </a:lnTo>
                   <a:close/>
                 </a:path>
@@ -3349,11 +3765,13 @@
             </a:ln>
           </p:spPr>
           <p:txBody>
-            <a:bodyPr bIns="45700" rIns="91425" lIns="91425" tIns="45700" anchor="ctr" anchorCtr="0">
+            <a:bodyPr lIns="91425" tIns="45700" rIns="91425" bIns="45700" anchor="ctr" anchorCtr="0">
               <a:noAutofit/>
             </a:bodyPr>
             <a:lstStyle/>
-            <a:p/>
+            <a:p>
+              <a:endParaRPr/>
+            </a:p>
           </p:txBody>
         </p:sp>
         <p:sp>
@@ -3364,26 +3782,31 @@
           </p:nvSpPr>
           <p:spPr>
             <a:xfrm>
-              <a:off y="0" x="0"/>
-              <a:ext cy="6858065" cx="500331"/>
+              <a:off x="0" y="0"/>
+              <a:ext cx="500331" cy="6858065"/>
             </a:xfrm>
             <a:custGeom>
+              <a:avLst/>
+              <a:gdLst/>
+              <a:ahLst/>
+              <a:cxnLst/>
+              <a:rect l="0" t="0" r="0" b="0"/>
               <a:pathLst>
-                <a:path w="500332" extrusionOk="0" h="6875253">
+                <a:path w="500332" h="6875253" extrusionOk="0">
                   <a:moveTo>
-                    <a:pt y="0" x="0"/>
+                    <a:pt x="0" y="0"/>
                   </a:moveTo>
                   <a:lnTo>
-                    <a:pt y="0" x="500332"/>
-                  </a:lnTo>
-                  <a:lnTo>
-                    <a:pt y="6875253" x="301925"/>
-                  </a:lnTo>
-                  <a:lnTo>
-                    <a:pt y="6875253" x="0"/>
-                  </a:lnTo>
-                  <a:lnTo>
-                    <a:pt y="0" x="0"/>
+                    <a:pt x="500332" y="0"/>
+                  </a:lnTo>
+                  <a:lnTo>
+                    <a:pt x="301925" y="6875253"/>
+                  </a:lnTo>
+                  <a:lnTo>
+                    <a:pt x="0" y="6875253"/>
+                  </a:lnTo>
+                  <a:lnTo>
+                    <a:pt x="0" y="0"/>
                   </a:lnTo>
                   <a:close/>
                 </a:path>
@@ -3399,11 +3822,13 @@
             </a:ln>
           </p:spPr>
           <p:txBody>
-            <a:bodyPr bIns="45700" rIns="91425" lIns="91425" tIns="45700" anchor="ctr" anchorCtr="0">
+            <a:bodyPr lIns="91425" tIns="45700" rIns="91425" bIns="45700" anchor="ctr" anchorCtr="0">
               <a:noAutofit/>
             </a:bodyPr>
             <a:lstStyle/>
-            <a:p/>
+            <a:p>
+              <a:endParaRPr/>
+            </a:p>
           </p:txBody>
         </p:sp>
       </p:grpSp>
@@ -3415,8 +3840,8 @@
         </p:nvSpPr>
         <p:spPr>
           <a:xfrm>
-            <a:off y="4743450" x="0"/>
-            <a:ext cy="401099" cx="9144000"/>
+            <a:off x="0" y="4743450"/>
+            <a:ext cx="9144000" cy="401099"/>
           </a:xfrm>
           <a:prstGeom prst="rect">
             <a:avLst/>
@@ -3431,11 +3856,13 @@
           </a:ln>
         </p:spPr>
         <p:txBody>
-          <a:bodyPr bIns="45700" rIns="91425" lIns="91425" tIns="45700" anchor="ctr" anchorCtr="0">
+          <a:bodyPr lIns="91425" tIns="45700" rIns="91425" bIns="45700" anchor="ctr" anchorCtr="0">
             <a:noAutofit/>
           </a:bodyPr>
           <a:lstStyle/>
-          <a:p/>
+          <a:p>
+            <a:endParaRPr/>
+          </a:p>
         </p:txBody>
       </p:sp>
     </p:spTree>
@@ -3447,7 +3874,7 @@
 </file>
 
 <file path=ppt/slideMasters/slideMaster1.xml><?xml version="1.0" encoding="utf-8"?>
-<p:sldMaster xmlns:a="http://schemas.openxmlformats.org/drawingml/2006/main" xmlns:r="http://schemas.openxmlformats.org/officeDocument/2006/relationships" xmlns:mc="http://schemas.openxmlformats.org/markup-compatibility/2006" xmlns:mv="urn:schemas-microsoft-com:mac:vml" xmlns:p="http://schemas.openxmlformats.org/presentationml/2006/main" xmlns:c="http://schemas.openxmlformats.org/drawingml/2006/chart" xmlns:dgm="http://schemas.openxmlformats.org/drawingml/2006/diagram" xmlns:o="urn:schemas-microsoft-com:office:office" xmlns:v="urn:schemas-microsoft-com:vml" xmlns:pvml="urn:schemas-microsoft-com:office:powerpoint" xmlns:com="http://schemas.openxmlformats.org/drawingml/2006/compatibility" xmlns:p14="http://schemas.microsoft.com/office/powerpoint/2010/main">
+<p:sldMaster xmlns:a="http://schemas.openxmlformats.org/drawingml/2006/main" xmlns:r="http://schemas.openxmlformats.org/officeDocument/2006/relationships" xmlns:p="http://schemas.openxmlformats.org/presentationml/2006/main">
   <p:cSld>
     <p:bg>
       <p:bgPr>
@@ -3461,45 +3888,48 @@
             </a:gs>
           </a:gsLst>
           <a:path path="circle">
-            <a:fillToRect t="50%" b="50%" r="50%" l="50%"/>
+            <a:fillToRect l="50000" t="50000" r="50000" b="50000"/>
           </a:path>
           <a:tileRect/>
         </a:gradFill>
+        <a:effectLst/>
       </p:bgPr>
     </p:bg>
     <p:spTree>
       <p:nvGrpSpPr>
-        <p:cNvPr id="4" name="Shape 4"/>
+        <p:cNvPr id="1" name="Shape 4"/>
         <p:cNvGrpSpPr/>
         <p:nvPr/>
       </p:nvGrpSpPr>
       <p:grpSpPr>
         <a:xfrm>
-          <a:off y="0" x="0"/>
-          <a:ext cy="0" cx="0"/>
-          <a:chOff y="0" x="0"/>
-          <a:chExt cy="0" cx="0"/>
+          <a:off x="0" y="0"/>
+          <a:ext cx="0" cy="0"/>
+          <a:chOff x="0" y="0"/>
+          <a:chExt cx="0" cy="0"/>
         </a:xfrm>
       </p:grpSpPr>
       <p:sp>
         <p:nvSpPr>
           <p:cNvPr id="5" name="Shape 5"/>
-          <p:cNvSpPr txBox="1"/>
+          <p:cNvSpPr txBox="1">
+            <a:spLocks noGrp="1"/>
+          </p:cNvSpPr>
           <p:nvPr>
             <p:ph type="title"/>
           </p:nvPr>
         </p:nvSpPr>
         <p:spPr>
           <a:xfrm>
-            <a:off y="205978" x="457200"/>
-            <a:ext cy="857400" cx="8229600"/>
+            <a:off x="457200" y="205978"/>
+            <a:ext cx="8229600" cy="857400"/>
           </a:xfrm>
           <a:prstGeom prst="rect">
             <a:avLst/>
           </a:prstGeom>
         </p:spPr>
         <p:txBody>
-          <a:bodyPr bIns="91425" rIns="91425" lIns="91425" tIns="91425" anchor="b" anchorCtr="0"/>
+          <a:bodyPr lIns="91425" tIns="91425" rIns="91425" bIns="91425" anchor="b" anchorCtr="0"/>
           <a:lstStyle>
             <a:lvl1pPr marL="0">
               <a:buClr>
@@ -3508,7 +3938,7 @@
               <a:buSzPct val="100000"/>
               <a:buFont typeface="Trebuchet MS"/>
               <a:buNone/>
-              <a:defRPr b="1" sz="3600">
+              <a:defRPr sz="3600" b="1">
                 <a:solidFill>
                   <a:schemeClr val="lt2"/>
                 </a:solidFill>
@@ -3518,14 +3948,14 @@
                 <a:sym typeface="Trebuchet MS"/>
               </a:defRPr>
             </a:lvl1pPr>
-            <a:lvl2pPr indent="228600" marL="0">
+            <a:lvl2pPr marL="0" indent="228600">
               <a:buClr>
                 <a:schemeClr val="lt2"/>
               </a:buClr>
               <a:buSzPct val="100000"/>
               <a:buFont typeface="Trebuchet MS"/>
               <a:buNone/>
-              <a:defRPr b="1" sz="3600">
+              <a:defRPr sz="3600" b="1">
                 <a:solidFill>
                   <a:schemeClr val="lt2"/>
                 </a:solidFill>
@@ -3535,14 +3965,14 @@
                 <a:sym typeface="Trebuchet MS"/>
               </a:defRPr>
             </a:lvl2pPr>
-            <a:lvl3pPr indent="228600" marL="0">
+            <a:lvl3pPr marL="0" indent="228600">
               <a:buClr>
                 <a:schemeClr val="lt2"/>
               </a:buClr>
               <a:buSzPct val="100000"/>
               <a:buFont typeface="Trebuchet MS"/>
               <a:buNone/>
-              <a:defRPr b="1" sz="3600">
+              <a:defRPr sz="3600" b="1">
                 <a:solidFill>
                   <a:schemeClr val="lt2"/>
                 </a:solidFill>
@@ -3552,14 +3982,14 @@
                 <a:sym typeface="Trebuchet MS"/>
               </a:defRPr>
             </a:lvl3pPr>
-            <a:lvl4pPr indent="228600" marL="0">
+            <a:lvl4pPr marL="0" indent="228600">
               <a:buClr>
                 <a:schemeClr val="lt2"/>
               </a:buClr>
               <a:buSzPct val="100000"/>
               <a:buFont typeface="Trebuchet MS"/>
               <a:buNone/>
-              <a:defRPr b="1" sz="3600">
+              <a:defRPr sz="3600" b="1">
                 <a:solidFill>
                   <a:schemeClr val="lt2"/>
                 </a:solidFill>
@@ -3569,14 +3999,14 @@
                 <a:sym typeface="Trebuchet MS"/>
               </a:defRPr>
             </a:lvl4pPr>
-            <a:lvl5pPr indent="228600" marL="0">
+            <a:lvl5pPr marL="0" indent="228600">
               <a:buClr>
                 <a:schemeClr val="lt2"/>
               </a:buClr>
               <a:buSzPct val="100000"/>
               <a:buFont typeface="Trebuchet MS"/>
               <a:buNone/>
-              <a:defRPr b="1" sz="3600">
+              <a:defRPr sz="3600" b="1">
                 <a:solidFill>
                   <a:schemeClr val="lt2"/>
                 </a:solidFill>
@@ -3586,14 +4016,14 @@
                 <a:sym typeface="Trebuchet MS"/>
               </a:defRPr>
             </a:lvl5pPr>
-            <a:lvl6pPr indent="228600" marL="0">
+            <a:lvl6pPr marL="0" indent="228600">
               <a:buClr>
                 <a:schemeClr val="lt2"/>
               </a:buClr>
               <a:buSzPct val="100000"/>
               <a:buFont typeface="Trebuchet MS"/>
               <a:buNone/>
-              <a:defRPr b="1" sz="3600">
+              <a:defRPr sz="3600" b="1">
                 <a:solidFill>
                   <a:schemeClr val="lt2"/>
                 </a:solidFill>
@@ -3603,14 +4033,14 @@
                 <a:sym typeface="Trebuchet MS"/>
               </a:defRPr>
             </a:lvl6pPr>
-            <a:lvl7pPr indent="228600" marL="0">
+            <a:lvl7pPr marL="0" indent="228600">
               <a:buClr>
                 <a:schemeClr val="lt2"/>
               </a:buClr>
               <a:buSzPct val="100000"/>
               <a:buFont typeface="Trebuchet MS"/>
               <a:buNone/>
-              <a:defRPr b="1" sz="3600">
+              <a:defRPr sz="3600" b="1">
                 <a:solidFill>
                   <a:schemeClr val="lt2"/>
                 </a:solidFill>
@@ -3620,14 +4050,14 @@
                 <a:sym typeface="Trebuchet MS"/>
               </a:defRPr>
             </a:lvl7pPr>
-            <a:lvl8pPr indent="228600" marL="0">
+            <a:lvl8pPr marL="0" indent="228600">
               <a:buClr>
                 <a:schemeClr val="lt2"/>
               </a:buClr>
               <a:buSzPct val="100000"/>
               <a:buFont typeface="Trebuchet MS"/>
               <a:buNone/>
-              <a:defRPr b="1" sz="3600">
+              <a:defRPr sz="3600" b="1">
                 <a:solidFill>
                   <a:schemeClr val="lt2"/>
                 </a:solidFill>
@@ -3637,14 +4067,14 @@
                 <a:sym typeface="Trebuchet MS"/>
               </a:defRPr>
             </a:lvl8pPr>
-            <a:lvl9pPr indent="228600" marL="0">
+            <a:lvl9pPr marL="0" indent="228600">
               <a:buClr>
                 <a:schemeClr val="lt2"/>
               </a:buClr>
               <a:buSzPct val="100000"/>
               <a:buFont typeface="Trebuchet MS"/>
               <a:buNone/>
-              <a:defRPr b="1" sz="3600">
+              <a:defRPr sz="3600" b="1">
                 <a:solidFill>
                   <a:schemeClr val="lt2"/>
                 </a:solidFill>
@@ -3655,30 +4085,34 @@
               </a:defRPr>
             </a:lvl9pPr>
           </a:lstStyle>
-          <a:p/>
+          <a:p>
+            <a:endParaRPr/>
+          </a:p>
         </p:txBody>
       </p:sp>
       <p:sp>
         <p:nvSpPr>
           <p:cNvPr id="6" name="Shape 6"/>
-          <p:cNvSpPr txBox="1"/>
+          <p:cNvSpPr txBox="1">
+            <a:spLocks noGrp="1"/>
+          </p:cNvSpPr>
           <p:nvPr>
-            <p:ph idx="1" type="body"/>
+            <p:ph type="body" idx="1"/>
           </p:nvPr>
         </p:nvSpPr>
         <p:spPr>
           <a:xfrm>
-            <a:off y="1200150" x="457200"/>
-            <a:ext cy="3725699" cx="8229600"/>
+            <a:off x="457200" y="1200150"/>
+            <a:ext cx="8229600" cy="3725699"/>
           </a:xfrm>
           <a:prstGeom prst="rect">
             <a:avLst/>
           </a:prstGeom>
         </p:spPr>
         <p:txBody>
-          <a:bodyPr bIns="91425" rIns="91425" lIns="91425" tIns="91425" anchor="t" anchorCtr="0"/>
+          <a:bodyPr lIns="91425" tIns="91425" rIns="91425" bIns="91425" anchor="t" anchorCtr="0"/>
           <a:lstStyle>
-            <a:lvl1pPr indent="-152400" marL="342900">
+            <a:lvl1pPr marL="342900" indent="-152400">
               <a:spcBef>
                 <a:spcPts val="600"/>
               </a:spcBef>
@@ -3697,7 +4131,7 @@
                 <a:sym typeface="Trebuchet MS"/>
               </a:defRPr>
             </a:lvl1pPr>
-            <a:lvl2pPr indent="-133350" marL="742950">
+            <a:lvl2pPr marL="742950" indent="-133350">
               <a:spcBef>
                 <a:spcPts val="480"/>
               </a:spcBef>
@@ -3716,7 +4150,7 @@
                 <a:sym typeface="Trebuchet MS"/>
               </a:defRPr>
             </a:lvl2pPr>
-            <a:lvl3pPr indent="-76200" marL="1143000">
+            <a:lvl3pPr marL="1143000" indent="-76200">
               <a:spcBef>
                 <a:spcPts val="480"/>
               </a:spcBef>
@@ -3735,7 +4169,7 @@
                 <a:sym typeface="Trebuchet MS"/>
               </a:defRPr>
             </a:lvl3pPr>
-            <a:lvl4pPr indent="-114300" marL="1600200">
+            <a:lvl4pPr marL="1600200" indent="-114300">
               <a:spcBef>
                 <a:spcPts val="360"/>
               </a:spcBef>
@@ -3754,7 +4188,7 @@
                 <a:sym typeface="Trebuchet MS"/>
               </a:defRPr>
             </a:lvl4pPr>
-            <a:lvl5pPr indent="-114300" marL="2057400">
+            <a:lvl5pPr marL="2057400" indent="-114300">
               <a:spcBef>
                 <a:spcPts val="360"/>
               </a:spcBef>
@@ -3773,7 +4207,7 @@
                 <a:sym typeface="Trebuchet MS"/>
               </a:defRPr>
             </a:lvl5pPr>
-            <a:lvl6pPr indent="-114300" marL="2514600">
+            <a:lvl6pPr marL="2514600" indent="-114300">
               <a:spcBef>
                 <a:spcPts val="360"/>
               </a:spcBef>
@@ -3792,7 +4226,7 @@
                 <a:sym typeface="Trebuchet MS"/>
               </a:defRPr>
             </a:lvl6pPr>
-            <a:lvl7pPr indent="-114300" marL="2971800">
+            <a:lvl7pPr marL="2971800" indent="-114300">
               <a:spcBef>
                 <a:spcPts val="360"/>
               </a:spcBef>
@@ -3811,7 +4245,7 @@
                 <a:sym typeface="Trebuchet MS"/>
               </a:defRPr>
             </a:lvl7pPr>
-            <a:lvl8pPr indent="-114300" marL="3429000">
+            <a:lvl8pPr marL="3429000" indent="-114300">
               <a:spcBef>
                 <a:spcPts val="360"/>
               </a:spcBef>
@@ -3830,7 +4264,7 @@
                 <a:sym typeface="Trebuchet MS"/>
               </a:defRPr>
             </a:lvl8pPr>
-            <a:lvl9pPr indent="-114300" marL="3886200">
+            <a:lvl9pPr marL="3886200" indent="-114300">
               <a:spcBef>
                 <a:spcPts val="360"/>
               </a:spcBef>
@@ -3850,12 +4284,14 @@
               </a:defRPr>
             </a:lvl9pPr>
           </a:lstStyle>
-          <a:p/>
+          <a:p>
+            <a:endParaRPr/>
+          </a:p>
         </p:txBody>
       </p:sp>
     </p:spTree>
   </p:cSld>
-  <p:clrMap accent2="accent2" accent3="accent3" accent4="accent4" accent5="accent5" accent6="accent6" hlink="hlink" tx2="lt2" tx1="dk1" bg2="dk2" bg1="lt1" folHlink="folHlink" accent1="accent1"/>
+  <p:clrMap bg1="lt1" tx1="dk1" bg2="dk2" tx2="lt2" accent1="accent1" accent2="accent2" accent3="accent3" accent4="accent4" accent5="accent5" accent6="accent6" hlink="hlink" folHlink="folHlink"/>
   <p:sldLayoutIdLst>
     <p:sldLayoutId id="2147483648" r:id="rId1"/>
     <p:sldLayoutId id="2147483649" r:id="rId2"/>
@@ -3866,7 +4302,7 @@
   </p:sldLayoutIdLst>
   <p:txStyles>
     <p:titleStyle>
-      <a:defPPr algn="l" rtl="0" marR="0">
+      <a:defPPr marR="0" algn="l" rtl="0">
         <a:lnSpc>
           <a:spcPct val="100000"/>
         </a:lnSpc>
@@ -3877,7 +4313,7 @@
           <a:spcPts val="0"/>
         </a:spcAft>
       </a:defPPr>
-      <a:lvl1pPr algn="l" rtl="0" marR="0">
+      <a:lvl1pPr marR="0" algn="l" rtl="0">
         <a:lnSpc>
           <a:spcPct val="100000"/>
         </a:lnSpc>
@@ -3888,7 +4324,7 @@
           <a:spcPts val="0"/>
         </a:spcAft>
         <a:buNone/>
-        <a:defRPr strike="noStrike" u="none" b="0" cap="none" baseline="0" sz="1400" i="0">
+        <a:defRPr sz="1400" b="0" i="0" u="none" strike="noStrike" cap="none" baseline="0">
           <a:solidFill>
             <a:srgbClr val="000000"/>
           </a:solidFill>
@@ -3899,7 +4335,7 @@
           <a:rtl val="0"/>
         </a:defRPr>
       </a:lvl1pPr>
-      <a:lvl2pPr algn="l" rtl="0" marR="0">
+      <a:lvl2pPr marR="0" algn="l" rtl="0">
         <a:lnSpc>
           <a:spcPct val="100000"/>
         </a:lnSpc>
@@ -3910,7 +4346,7 @@
           <a:spcPts val="0"/>
         </a:spcAft>
         <a:buNone/>
-        <a:defRPr strike="noStrike" u="none" b="0" cap="none" baseline="0" sz="1400" i="0">
+        <a:defRPr sz="1400" b="0" i="0" u="none" strike="noStrike" cap="none" baseline="0">
           <a:solidFill>
             <a:srgbClr val="000000"/>
           </a:solidFill>
@@ -3923,7 +4359,7 @@
       </a:lvl2pPr>
     </p:titleStyle>
     <p:bodyStyle>
-      <a:defPPr algn="l" rtl="0" marR="0">
+      <a:defPPr marR="0" algn="l" rtl="0">
         <a:lnSpc>
           <a:spcPct val="100000"/>
         </a:lnSpc>
@@ -3934,7 +4370,7 @@
           <a:spcPts val="0"/>
         </a:spcAft>
       </a:defPPr>
-      <a:lvl1pPr algn="l" rtl="0" marR="0">
+      <a:lvl1pPr marR="0" algn="l" rtl="0">
         <a:lnSpc>
           <a:spcPct val="100000"/>
         </a:lnSpc>
@@ -3945,7 +4381,7 @@
           <a:spcPts val="0"/>
         </a:spcAft>
         <a:buNone/>
-        <a:defRPr strike="noStrike" u="none" b="0" cap="none" baseline="0" sz="1400" i="0">
+        <a:defRPr sz="1400" b="0" i="0" u="none" strike="noStrike" cap="none" baseline="0">
           <a:solidFill>
             <a:srgbClr val="000000"/>
           </a:solidFill>
@@ -3956,7 +4392,7 @@
           <a:rtl val="0"/>
         </a:defRPr>
       </a:lvl1pPr>
-      <a:lvl2pPr algn="l" rtl="0" marR="0">
+      <a:lvl2pPr marR="0" algn="l" rtl="0">
         <a:lnSpc>
           <a:spcPct val="100000"/>
         </a:lnSpc>
@@ -3967,7 +4403,7 @@
           <a:spcPts val="0"/>
         </a:spcAft>
         <a:buNone/>
-        <a:defRPr strike="noStrike" u="none" b="0" cap="none" baseline="0" sz="1400" i="0">
+        <a:defRPr sz="1400" b="0" i="0" u="none" strike="noStrike" cap="none" baseline="0">
           <a:solidFill>
             <a:srgbClr val="000000"/>
           </a:solidFill>
@@ -3978,7 +4414,7 @@
           <a:rtl val="0"/>
         </a:defRPr>
       </a:lvl2pPr>
-      <a:lvl3pPr algn="l" rtl="0" marR="0">
+      <a:lvl3pPr marR="0" algn="l" rtl="0">
         <a:lnSpc>
           <a:spcPct val="100000"/>
         </a:lnSpc>
@@ -3989,7 +4425,7 @@
           <a:spcPts val="0"/>
         </a:spcAft>
         <a:buNone/>
-        <a:defRPr strike="noStrike" u="none" b="0" cap="none" baseline="0" sz="1400" i="0">
+        <a:defRPr sz="1400" b="0" i="0" u="none" strike="noStrike" cap="none" baseline="0">
           <a:solidFill>
             <a:srgbClr val="000000"/>
           </a:solidFill>
@@ -4000,7 +4436,7 @@
           <a:rtl val="0"/>
         </a:defRPr>
       </a:lvl3pPr>
-      <a:lvl4pPr algn="l" rtl="0" marR="0">
+      <a:lvl4pPr marR="0" algn="l" rtl="0">
         <a:lnSpc>
           <a:spcPct val="100000"/>
         </a:lnSpc>
@@ -4011,7 +4447,7 @@
           <a:spcPts val="0"/>
         </a:spcAft>
         <a:buNone/>
-        <a:defRPr strike="noStrike" u="none" b="0" cap="none" baseline="0" sz="1400" i="0">
+        <a:defRPr sz="1400" b="0" i="0" u="none" strike="noStrike" cap="none" baseline="0">
           <a:solidFill>
             <a:srgbClr val="000000"/>
           </a:solidFill>
@@ -4022,7 +4458,7 @@
           <a:rtl val="0"/>
         </a:defRPr>
       </a:lvl4pPr>
-      <a:lvl5pPr algn="l" rtl="0" marR="0">
+      <a:lvl5pPr marR="0" algn="l" rtl="0">
         <a:lnSpc>
           <a:spcPct val="100000"/>
         </a:lnSpc>
@@ -4033,7 +4469,7 @@
           <a:spcPts val="0"/>
         </a:spcAft>
         <a:buNone/>
-        <a:defRPr strike="noStrike" u="none" b="0" cap="none" baseline="0" sz="1400" i="0">
+        <a:defRPr sz="1400" b="0" i="0" u="none" strike="noStrike" cap="none" baseline="0">
           <a:solidFill>
             <a:srgbClr val="000000"/>
           </a:solidFill>
@@ -4044,7 +4480,7 @@
           <a:rtl val="0"/>
         </a:defRPr>
       </a:lvl5pPr>
-      <a:lvl6pPr algn="l" rtl="0" marR="0">
+      <a:lvl6pPr marR="0" algn="l" rtl="0">
         <a:lnSpc>
           <a:spcPct val="100000"/>
         </a:lnSpc>
@@ -4055,7 +4491,7 @@
           <a:spcPts val="0"/>
         </a:spcAft>
         <a:buNone/>
-        <a:defRPr strike="noStrike" u="none" b="0" cap="none" baseline="0" sz="1400" i="0">
+        <a:defRPr sz="1400" b="0" i="0" u="none" strike="noStrike" cap="none" baseline="0">
           <a:solidFill>
             <a:srgbClr val="000000"/>
           </a:solidFill>
@@ -4066,7 +4502,7 @@
           <a:rtl val="0"/>
         </a:defRPr>
       </a:lvl6pPr>
-      <a:lvl7pPr algn="l" rtl="0" marR="0">
+      <a:lvl7pPr marR="0" algn="l" rtl="0">
         <a:lnSpc>
           <a:spcPct val="100000"/>
         </a:lnSpc>
@@ -4077,7 +4513,7 @@
           <a:spcPts val="0"/>
         </a:spcAft>
         <a:buNone/>
-        <a:defRPr strike="noStrike" u="none" b="0" cap="none" baseline="0" sz="1400" i="0">
+        <a:defRPr sz="1400" b="0" i="0" u="none" strike="noStrike" cap="none" baseline="0">
           <a:solidFill>
             <a:srgbClr val="000000"/>
           </a:solidFill>
@@ -4088,7 +4524,7 @@
           <a:rtl val="0"/>
         </a:defRPr>
       </a:lvl7pPr>
-      <a:lvl8pPr algn="l" rtl="0" marR="0">
+      <a:lvl8pPr marR="0" algn="l" rtl="0">
         <a:lnSpc>
           <a:spcPct val="100000"/>
         </a:lnSpc>
@@ -4099,7 +4535,7 @@
           <a:spcPts val="0"/>
         </a:spcAft>
         <a:buNone/>
-        <a:defRPr strike="noStrike" u="none" b="0" cap="none" baseline="0" sz="1400" i="0">
+        <a:defRPr sz="1400" b="0" i="0" u="none" strike="noStrike" cap="none" baseline="0">
           <a:solidFill>
             <a:srgbClr val="000000"/>
           </a:solidFill>
@@ -4110,7 +4546,7 @@
           <a:rtl val="0"/>
         </a:defRPr>
       </a:lvl8pPr>
-      <a:lvl9pPr algn="l" rtl="0" marR="0">
+      <a:lvl9pPr marR="0" algn="l" rtl="0">
         <a:lnSpc>
           <a:spcPct val="100000"/>
         </a:lnSpc>
@@ -4121,7 +4557,7 @@
           <a:spcPts val="0"/>
         </a:spcAft>
         <a:buNone/>
-        <a:defRPr strike="noStrike" u="none" b="0" cap="none" baseline="0" sz="1400" i="0">
+        <a:defRPr sz="1400" b="0" i="0" u="none" strike="noStrike" cap="none" baseline="0">
           <a:solidFill>
             <a:srgbClr val="000000"/>
           </a:solidFill>
@@ -4134,7 +4570,7 @@
       </a:lvl9pPr>
     </p:bodyStyle>
     <p:otherStyle>
-      <a:defPPr algn="l" rtl="0" marR="0">
+      <a:defPPr marR="0" algn="l" rtl="0">
         <a:lnSpc>
           <a:spcPct val="100000"/>
         </a:lnSpc>
@@ -4145,7 +4581,7 @@
           <a:spcPts val="0"/>
         </a:spcAft>
       </a:defPPr>
-      <a:lvl1pPr algn="l" rtl="0" marR="0">
+      <a:lvl1pPr marR="0" algn="l" rtl="0">
         <a:lnSpc>
           <a:spcPct val="100000"/>
         </a:lnSpc>
@@ -4156,7 +4592,7 @@
           <a:spcPts val="0"/>
         </a:spcAft>
         <a:buNone/>
-        <a:defRPr strike="noStrike" u="none" b="0" cap="none" baseline="0" sz="1400" i="0">
+        <a:defRPr sz="1400" b="0" i="0" u="none" strike="noStrike" cap="none" baseline="0">
           <a:solidFill>
             <a:srgbClr val="000000"/>
           </a:solidFill>
@@ -4167,7 +4603,7 @@
           <a:rtl val="0"/>
         </a:defRPr>
       </a:lvl1pPr>
-      <a:lvl2pPr algn="l" rtl="0" marR="0">
+      <a:lvl2pPr marR="0" algn="l" rtl="0">
         <a:lnSpc>
           <a:spcPct val="100000"/>
         </a:lnSpc>
@@ -4178,7 +4614,7 @@
           <a:spcPts val="0"/>
         </a:spcAft>
         <a:buNone/>
-        <a:defRPr strike="noStrike" u="none" b="0" cap="none" baseline="0" sz="1400" i="0">
+        <a:defRPr sz="1400" b="0" i="0" u="none" strike="noStrike" cap="none" baseline="0">
           <a:solidFill>
             <a:srgbClr val="000000"/>
           </a:solidFill>
@@ -4189,7 +4625,7 @@
           <a:rtl val="0"/>
         </a:defRPr>
       </a:lvl2pPr>
-      <a:lvl3pPr algn="l" rtl="0" marR="0">
+      <a:lvl3pPr marR="0" algn="l" rtl="0">
         <a:lnSpc>
           <a:spcPct val="100000"/>
         </a:lnSpc>
@@ -4200,7 +4636,7 @@
           <a:spcPts val="0"/>
         </a:spcAft>
         <a:buNone/>
-        <a:defRPr strike="noStrike" u="none" b="0" cap="none" baseline="0" sz="1400" i="0">
+        <a:defRPr sz="1400" b="0" i="0" u="none" strike="noStrike" cap="none" baseline="0">
           <a:solidFill>
             <a:srgbClr val="000000"/>
           </a:solidFill>
@@ -4211,7 +4647,7 @@
           <a:rtl val="0"/>
         </a:defRPr>
       </a:lvl3pPr>
-      <a:lvl4pPr algn="l" rtl="0" marR="0">
+      <a:lvl4pPr marR="0" algn="l" rtl="0">
         <a:lnSpc>
           <a:spcPct val="100000"/>
         </a:lnSpc>
@@ -4222,7 +4658,7 @@
           <a:spcPts val="0"/>
         </a:spcAft>
         <a:buNone/>
-        <a:defRPr strike="noStrike" u="none" b="0" cap="none" baseline="0" sz="1400" i="0">
+        <a:defRPr sz="1400" b="0" i="0" u="none" strike="noStrike" cap="none" baseline="0">
           <a:solidFill>
             <a:srgbClr val="000000"/>
           </a:solidFill>
@@ -4233,7 +4669,7 @@
           <a:rtl val="0"/>
         </a:defRPr>
       </a:lvl4pPr>
-      <a:lvl5pPr algn="l" rtl="0" marR="0">
+      <a:lvl5pPr marR="0" algn="l" rtl="0">
         <a:lnSpc>
           <a:spcPct val="100000"/>
         </a:lnSpc>
@@ -4244,7 +4680,7 @@
           <a:spcPts val="0"/>
         </a:spcAft>
         <a:buNone/>
-        <a:defRPr strike="noStrike" u="none" b="0" cap="none" baseline="0" sz="1400" i="0">
+        <a:defRPr sz="1400" b="0" i="0" u="none" strike="noStrike" cap="none" baseline="0">
           <a:solidFill>
             <a:srgbClr val="000000"/>
           </a:solidFill>
@@ -4255,7 +4691,7 @@
           <a:rtl val="0"/>
         </a:defRPr>
       </a:lvl5pPr>
-      <a:lvl6pPr algn="l" rtl="0" marR="0">
+      <a:lvl6pPr marR="0" algn="l" rtl="0">
         <a:lnSpc>
           <a:spcPct val="100000"/>
         </a:lnSpc>
@@ -4266,7 +4702,7 @@
           <a:spcPts val="0"/>
         </a:spcAft>
         <a:buNone/>
-        <a:defRPr strike="noStrike" u="none" b="0" cap="none" baseline="0" sz="1400" i="0">
+        <a:defRPr sz="1400" b="0" i="0" u="none" strike="noStrike" cap="none" baseline="0">
           <a:solidFill>
             <a:srgbClr val="000000"/>
           </a:solidFill>
@@ -4277,7 +4713,7 @@
           <a:rtl val="0"/>
         </a:defRPr>
       </a:lvl6pPr>
-      <a:lvl7pPr algn="l" rtl="0" marR="0">
+      <a:lvl7pPr marR="0" algn="l" rtl="0">
         <a:lnSpc>
           <a:spcPct val="100000"/>
         </a:lnSpc>
@@ -4288,7 +4724,7 @@
           <a:spcPts val="0"/>
         </a:spcAft>
         <a:buNone/>
-        <a:defRPr strike="noStrike" u="none" b="0" cap="none" baseline="0" sz="1400" i="0">
+        <a:defRPr sz="1400" b="0" i="0" u="none" strike="noStrike" cap="none" baseline="0">
           <a:solidFill>
             <a:srgbClr val="000000"/>
           </a:solidFill>
@@ -4299,7 +4735,7 @@
           <a:rtl val="0"/>
         </a:defRPr>
       </a:lvl7pPr>
-      <a:lvl8pPr algn="l" rtl="0" marR="0">
+      <a:lvl8pPr marR="0" algn="l" rtl="0">
         <a:lnSpc>
           <a:spcPct val="100000"/>
         </a:lnSpc>
@@ -4310,7 +4746,7 @@
           <a:spcPts val="0"/>
         </a:spcAft>
         <a:buNone/>
-        <a:defRPr strike="noStrike" u="none" b="0" cap="none" baseline="0" sz="1400" i="0">
+        <a:defRPr sz="1400" b="0" i="0" u="none" strike="noStrike" cap="none" baseline="0">
           <a:solidFill>
             <a:srgbClr val="000000"/>
           </a:solidFill>
@@ -4321,7 +4757,7 @@
           <a:rtl val="0"/>
         </a:defRPr>
       </a:lvl8pPr>
-      <a:lvl9pPr algn="l" rtl="0" marR="0">
+      <a:lvl9pPr marR="0" algn="l" rtl="0">
         <a:lnSpc>
           <a:spcPct val="100000"/>
         </a:lnSpc>
@@ -4332,7 +4768,7 @@
           <a:spcPts val="0"/>
         </a:spcAft>
         <a:buNone/>
-        <a:defRPr strike="noStrike" u="none" b="0" cap="none" baseline="0" sz="1400" i="0">
+        <a:defRPr sz="1400" b="0" i="0" u="none" strike="noStrike" cap="none" baseline="0">
           <a:solidFill>
             <a:srgbClr val="000000"/>
           </a:solidFill>
@@ -4349,20 +4785,20 @@
 </file>
 
 <file path=ppt/slides/slide1.xml><?xml version="1.0" encoding="utf-8"?>
-<p:sld xmlns:a="http://schemas.openxmlformats.org/drawingml/2006/main" xmlns:r="http://schemas.openxmlformats.org/officeDocument/2006/relationships" xmlns:mc="http://schemas.openxmlformats.org/markup-compatibility/2006" xmlns:mv="urn:schemas-microsoft-com:mac:vml" xmlns:p="http://schemas.openxmlformats.org/presentationml/2006/main" xmlns:c="http://schemas.openxmlformats.org/drawingml/2006/chart" xmlns:dgm="http://schemas.openxmlformats.org/drawingml/2006/diagram" xmlns:o="urn:schemas-microsoft-com:office:office" xmlns:v="urn:schemas-microsoft-com:vml" xmlns:pvml="urn:schemas-microsoft-com:office:powerpoint" xmlns:com="http://schemas.openxmlformats.org/drawingml/2006/compatibility" xmlns:p14="http://schemas.microsoft.com/office/powerpoint/2010/main">
+<p:sld xmlns:a="http://schemas.openxmlformats.org/drawingml/2006/main" xmlns:r="http://schemas.openxmlformats.org/officeDocument/2006/relationships" xmlns:p="http://schemas.openxmlformats.org/presentationml/2006/main">
   <p:cSld>
     <p:spTree>
       <p:nvGrpSpPr>
-        <p:cNvPr id="69" name="Shape 69"/>
+        <p:cNvPr id="1" name="Shape 69"/>
         <p:cNvGrpSpPr/>
         <p:nvPr/>
       </p:nvGrpSpPr>
       <p:grpSpPr>
         <a:xfrm>
-          <a:off y="0" x="0"/>
-          <a:ext cy="0" cx="0"/>
-          <a:chOff y="0" x="0"/>
-          <a:chExt cy="0" cx="0"/>
+          <a:off x="0" y="0"/>
+          <a:ext cx="0" cy="0"/>
+          <a:chOff x="0" y="0"/>
+          <a:chExt cx="0" cy="0"/>
         </a:xfrm>
       </p:grpSpPr>
       <p:sp>
@@ -4373,27 +4809,27 @@
         </p:nvSpPr>
         <p:spPr>
           <a:xfrm>
-            <a:off y="1862100" x="457200"/>
-            <a:ext cy="3063599" cx="8229600"/>
+            <a:off x="457200" y="1862100"/>
+            <a:ext cx="8229600" cy="3063599"/>
           </a:xfrm>
           <a:prstGeom prst="rect">
             <a:avLst/>
           </a:prstGeom>
         </p:spPr>
         <p:txBody>
-          <a:bodyPr bIns="91425" rIns="91425" lIns="91425" tIns="91425" anchor="t" anchorCtr="0">
+          <a:bodyPr lIns="91425" tIns="91425" rIns="91425" bIns="91425" anchor="t" anchorCtr="0">
             <a:noAutofit/>
           </a:bodyPr>
           <a:lstStyle/>
           <a:p>
-            <a:pPr algn="ctr" rtl="0" lvl="0">
+            <a:pPr lvl="0" algn="ctr" rtl="0">
               <a:lnSpc>
                 <a:spcPct val="115000"/>
               </a:lnSpc>
               <a:buNone/>
             </a:pPr>
             <a:r>
-              <a:rPr b="1" sz="2800" lang="en">
+              <a:rPr lang="en" sz="2800" b="1">
                 <a:solidFill>
                   <a:schemeClr val="lt1"/>
                 </a:solidFill>
@@ -4406,19 +4842,25 @@
             </a:r>
           </a:p>
           <a:p>
-            <a:r>
-              <a:t/>
-            </a:r>
-          </a:p>
-          <a:p>
-            <a:pPr rtl="0" lvl="0" indent="457200" marL="457200">
+            <a:endParaRPr lang="en" sz="2800" b="1">
+              <a:solidFill>
+                <a:schemeClr val="lt1"/>
+              </a:solidFill>
+              <a:latin typeface="Trebuchet MS"/>
+              <a:ea typeface="Trebuchet MS"/>
+              <a:cs typeface="Trebuchet MS"/>
+              <a:sym typeface="Trebuchet MS"/>
+            </a:endParaRPr>
+          </a:p>
+          <a:p>
+            <a:pPr marL="457200" lvl="0" indent="457200" rtl="0">
               <a:lnSpc>
                 <a:spcPct val="115000"/>
               </a:lnSpc>
               <a:buNone/>
             </a:pPr>
             <a:r>
-              <a:rPr sz="2400" lang="en">
+              <a:rPr lang="en" sz="2400">
                 <a:solidFill>
                   <a:srgbClr val="FFFFFF"/>
                 </a:solidFill>
@@ -4431,14 +4873,14 @@
             </a:r>
           </a:p>
           <a:p>
-            <a:pPr rtl="0" lvl="0" indent="457200" marL="457200">
+            <a:pPr marL="457200" lvl="0" indent="457200" rtl="0">
               <a:lnSpc>
                 <a:spcPct val="115000"/>
               </a:lnSpc>
               <a:buNone/>
             </a:pPr>
             <a:r>
-              <a:rPr sz="2400" lang="en">
+              <a:rPr lang="en" sz="2400">
                 <a:solidFill>
                   <a:srgbClr val="FFFFFF"/>
                 </a:solidFill>
@@ -4451,14 +4893,14 @@
             </a:r>
           </a:p>
           <a:p>
-            <a:pPr rtl="0" lvl="0" indent="457200" marL="457200">
+            <a:pPr marL="457200" lvl="0" indent="457200" rtl="0">
               <a:lnSpc>
                 <a:spcPct val="115000"/>
               </a:lnSpc>
               <a:buNone/>
             </a:pPr>
             <a:r>
-              <a:rPr sz="2400" lang="en">
+              <a:rPr lang="en" sz="2400">
                 <a:solidFill>
                   <a:srgbClr val="FFFFFF"/>
                 </a:solidFill>
@@ -4471,9 +4913,15 @@
             </a:r>
           </a:p>
           <a:p>
-            <a:r>
-              <a:t/>
-            </a:r>
+            <a:endParaRPr lang="en" sz="2400">
+              <a:solidFill>
+                <a:srgbClr val="FFFFFF"/>
+              </a:solidFill>
+              <a:latin typeface="Trebuchet MS"/>
+              <a:ea typeface="Trebuchet MS"/>
+              <a:cs typeface="Trebuchet MS"/>
+              <a:sym typeface="Trebuchet MS"/>
+            </a:endParaRPr>
           </a:p>
         </p:txBody>
       </p:sp>
@@ -4485,27 +4933,27 @@
         </p:nvSpPr>
         <p:spPr>
           <a:xfrm>
-            <a:off y="590400" x="1887375"/>
-            <a:ext cy="1067400" cx="6174299"/>
+            <a:off x="1887375" y="590400"/>
+            <a:ext cx="6174299" cy="1067400"/>
           </a:xfrm>
           <a:prstGeom prst="rect">
             <a:avLst/>
           </a:prstGeom>
         </p:spPr>
         <p:txBody>
-          <a:bodyPr bIns="91425" rIns="91425" lIns="91425" tIns="91425" anchor="t" anchorCtr="0">
+          <a:bodyPr lIns="91425" tIns="91425" rIns="91425" bIns="91425" anchor="t" anchorCtr="0">
             <a:noAutofit/>
           </a:bodyPr>
           <a:lstStyle/>
           <a:p>
-            <a:pPr rtl="0" lvl="0">
+            <a:pPr lvl="0" rtl="0">
               <a:spcBef>
                 <a:spcPts val="600"/>
               </a:spcBef>
               <a:buNone/>
             </a:pPr>
             <a:r>
-              <a:rPr b="1" sz="3600" lang="en">
+              <a:rPr lang="en" sz="3600" b="1">
                 <a:solidFill>
                   <a:srgbClr val="00FFFF"/>
                 </a:solidFill>
@@ -4527,45 +4975,54 @@
   <p:transition spd="slow">
     <p:cut/>
   </p:transition>
+  <p:timing>
+    <p:tnLst>
+      <p:par>
+        <p:cTn id="1" dur="indefinite" restart="never" nodeType="tmRoot"/>
+      </p:par>
+    </p:tnLst>
+  </p:timing>
 </p:sld>
 </file>
 
 <file path=ppt/slides/slide2.xml><?xml version="1.0" encoding="utf-8"?>
-<p:sld xmlns:a="http://schemas.openxmlformats.org/drawingml/2006/main" xmlns:r="http://schemas.openxmlformats.org/officeDocument/2006/relationships" xmlns:mc="http://schemas.openxmlformats.org/markup-compatibility/2006" xmlns:mv="urn:schemas-microsoft-com:mac:vml" xmlns:p="http://schemas.openxmlformats.org/presentationml/2006/main" xmlns:c="http://schemas.openxmlformats.org/drawingml/2006/chart" xmlns:dgm="http://schemas.openxmlformats.org/drawingml/2006/diagram" xmlns:o="urn:schemas-microsoft-com:office:office" xmlns:v="urn:schemas-microsoft-com:vml" xmlns:pvml="urn:schemas-microsoft-com:office:powerpoint" xmlns:com="http://schemas.openxmlformats.org/drawingml/2006/compatibility" xmlns:p14="http://schemas.microsoft.com/office/powerpoint/2010/main">
+<p:sld xmlns:a="http://schemas.openxmlformats.org/drawingml/2006/main" xmlns:r="http://schemas.openxmlformats.org/officeDocument/2006/relationships" xmlns:p="http://schemas.openxmlformats.org/presentationml/2006/main">
   <p:cSld>
     <p:spTree>
       <p:nvGrpSpPr>
-        <p:cNvPr id="75" name="Shape 75"/>
+        <p:cNvPr id="1" name="Shape 75"/>
         <p:cNvGrpSpPr/>
         <p:nvPr/>
       </p:nvGrpSpPr>
       <p:grpSpPr>
         <a:xfrm>
-          <a:off y="0" x="0"/>
-          <a:ext cy="0" cx="0"/>
-          <a:chOff y="0" x="0"/>
-          <a:chExt cy="0" cx="0"/>
+          <a:off x="0" y="0"/>
+          <a:ext cx="0" cy="0"/>
+          <a:chOff x="0" y="0"/>
+          <a:chExt cx="0" cy="0"/>
         </a:xfrm>
       </p:grpSpPr>
       <p:sp>
         <p:nvSpPr>
           <p:cNvPr id="76" name="Shape 76"/>
-          <p:cNvSpPr txBox="1"/>
+          <p:cNvSpPr txBox="1">
+            <a:spLocks noGrp="1"/>
+          </p:cNvSpPr>
           <p:nvPr>
             <p:ph type="title"/>
           </p:nvPr>
         </p:nvSpPr>
         <p:spPr>
           <a:xfrm>
-            <a:off y="205978" x="457200"/>
-            <a:ext cy="857400" cx="8229600"/>
+            <a:off x="457200" y="205978"/>
+            <a:ext cx="8229600" cy="857400"/>
           </a:xfrm>
           <a:prstGeom prst="rect">
             <a:avLst/>
           </a:prstGeom>
         </p:spPr>
         <p:txBody>
-          <a:bodyPr bIns="91425" rIns="91425" lIns="91425" tIns="91425" anchor="b" anchorCtr="0">
+          <a:bodyPr lIns="91425" tIns="91425" rIns="91425" bIns="91425" anchor="b" anchorCtr="0">
             <a:noAutofit/>
           </a:bodyPr>
           <a:lstStyle/>
@@ -4583,83 +5040,116 @@
       <p:sp>
         <p:nvSpPr>
           <p:cNvPr id="77" name="Shape 77"/>
-          <p:cNvSpPr txBox="1"/>
+          <p:cNvSpPr txBox="1">
+            <a:spLocks noGrp="1"/>
+          </p:cNvSpPr>
           <p:nvPr>
-            <p:ph idx="1" type="body"/>
+            <p:ph type="body" idx="1"/>
           </p:nvPr>
         </p:nvSpPr>
         <p:spPr>
           <a:xfrm>
-            <a:off y="1200150" x="457200"/>
-            <a:ext cy="3725699" cx="8229600"/>
+            <a:off x="457200" y="1200150"/>
+            <a:ext cx="8229600" cy="3725699"/>
           </a:xfrm>
           <a:prstGeom prst="rect">
             <a:avLst/>
           </a:prstGeom>
         </p:spPr>
         <p:txBody>
-          <a:bodyPr bIns="91425" rIns="91425" lIns="91425" tIns="91425" anchor="t" anchorCtr="0">
+          <a:bodyPr lIns="91425" tIns="91425" rIns="91425" bIns="91425" anchor="t" anchorCtr="0">
             <a:noAutofit/>
           </a:bodyPr>
           <a:lstStyle/>
           <a:p>
-            <a:pPr rtl="0" lvl="0">
+            <a:pPr lvl="0" rtl="0">
               <a:buNone/>
             </a:pPr>
             <a:r>
-              <a:rPr lang="en"/>
-              <a:t>Our system has 	18 URS</a:t>
+              <a:rPr lang="en" dirty="0"/>
+              <a:t>Our system has </a:t>
             </a:r>
-          </a:p>
-          <a:p>
-            <a:pPr rtl="0" lvl="0" indent="457200" marL="2286000">
+            <a:r>
+              <a:rPr lang="en" dirty="0" smtClean="0"/>
+              <a:t>18 </a:t>
+            </a:r>
+            <a:r>
+              <a:rPr lang="en" dirty="0"/>
+              <a:t>URS</a:t>
+            </a:r>
+          </a:p>
+          <a:p>
+            <a:pPr marL="2286000" lvl="0" indent="457200" rtl="0">
               <a:buNone/>
             </a:pPr>
             <a:r>
-              <a:rPr lang="en"/>
-              <a:t>79 SRS</a:t>
+              <a:rPr lang="en" dirty="0" smtClean="0"/>
+              <a:t>79 </a:t>
             </a:r>
-          </a:p>
-          <a:p>
-            <a:pPr rtl="0" lvl="0" indent="0" marL="0">
+            <a:r>
+              <a:rPr lang="en" dirty="0"/>
+              <a:t>SRS</a:t>
+            </a:r>
+          </a:p>
+          <a:p>
+            <a:pPr marL="0" lvl="0" indent="0" rtl="0">
               <a:buNone/>
             </a:pPr>
             <a:r>
-              <a:rPr lang="en"/>
+              <a:rPr lang="en" dirty="0"/>
               <a:t>Details</a:t>
             </a:r>
           </a:p>
           <a:p>
-            <a:pPr rtl="0" lvl="0">
+            <a:pPr lvl="0" rtl="0">
               <a:buNone/>
             </a:pPr>
             <a:r>
-              <a:rPr lang="en"/>
-              <a:t>- Software requirement specification</a:t>
+              <a:rPr lang="en" dirty="0"/>
+              <a:t>- </a:t>
             </a:r>
-          </a:p>
-          <a:p>
-            <a:pPr rtl="0" lvl="0">
+            <a:r>
+              <a:rPr lang="en" dirty="0">
+                <a:hlinkClick r:id="rId3" action="ppaction://hlinkfile"/>
+              </a:rPr>
+              <a:t>Software requirement specification</a:t>
+            </a:r>
+            <a:endParaRPr lang="en" dirty="0"/>
+          </a:p>
+          <a:p>
+            <a:pPr lvl="0" rtl="0">
               <a:buNone/>
             </a:pPr>
             <a:r>
-              <a:rPr lang="en"/>
-              <a:t>- URS description</a:t>
+              <a:rPr lang="en" dirty="0"/>
+              <a:t>- </a:t>
             </a:r>
-          </a:p>
-          <a:p>
-            <a:pPr rtl="0" lvl="0">
+            <a:r>
+              <a:rPr lang="en" dirty="0">
+                <a:hlinkClick r:id="rId4" action="ppaction://hlinkfile"/>
+              </a:rPr>
+              <a:t>URS description</a:t>
+            </a:r>
+            <a:endParaRPr lang="en" dirty="0"/>
+          </a:p>
+          <a:p>
+            <a:pPr lvl="0" rtl="0">
               <a:buNone/>
             </a:pPr>
             <a:r>
-              <a:rPr lang="en"/>
-              <a:t>- Use case diagram</a:t>
+              <a:rPr lang="en" dirty="0"/>
+              <a:t>- </a:t>
             </a:r>
-          </a:p>
-          <a:p>
             <a:r>
-              <a:t/>
+              <a:rPr lang="en" dirty="0">
+                <a:hlinkClick r:id="rId5" action="ppaction://hlinkfile"/>
+              </a:rPr>
+              <a:t>Use case diagram</a:t>
             </a:r>
+            <a:endParaRPr lang="en" dirty="0"/>
+          </a:p>
+          <a:p>
+            <a:endParaRPr lang="en" dirty="0"/>
           </a:p>
         </p:txBody>
       </p:sp>
@@ -4671,45 +5161,54 @@
   <p:transition spd="slow">
     <p:cut/>
   </p:transition>
+  <p:timing>
+    <p:tnLst>
+      <p:par>
+        <p:cTn id="1" dur="indefinite" restart="never" nodeType="tmRoot"/>
+      </p:par>
+    </p:tnLst>
+  </p:timing>
 </p:sld>
 </file>
 
 <file path=ppt/slides/slide3.xml><?xml version="1.0" encoding="utf-8"?>
-<p:sld xmlns:a="http://schemas.openxmlformats.org/drawingml/2006/main" xmlns:r="http://schemas.openxmlformats.org/officeDocument/2006/relationships" xmlns:mc="http://schemas.openxmlformats.org/markup-compatibility/2006" xmlns:mv="urn:schemas-microsoft-com:mac:vml" xmlns:p="http://schemas.openxmlformats.org/presentationml/2006/main" xmlns:c="http://schemas.openxmlformats.org/drawingml/2006/chart" xmlns:dgm="http://schemas.openxmlformats.org/drawingml/2006/diagram" xmlns:o="urn:schemas-microsoft-com:office:office" xmlns:v="urn:schemas-microsoft-com:vml" xmlns:pvml="urn:schemas-microsoft-com:office:powerpoint" xmlns:com="http://schemas.openxmlformats.org/drawingml/2006/compatibility" xmlns:p14="http://schemas.microsoft.com/office/powerpoint/2010/main">
+<p:sld xmlns:a="http://schemas.openxmlformats.org/drawingml/2006/main" xmlns:r="http://schemas.openxmlformats.org/officeDocument/2006/relationships" xmlns:p="http://schemas.openxmlformats.org/presentationml/2006/main">
   <p:cSld>
     <p:spTree>
       <p:nvGrpSpPr>
-        <p:cNvPr id="81" name="Shape 81"/>
+        <p:cNvPr id="1" name="Shape 81"/>
         <p:cNvGrpSpPr/>
         <p:nvPr/>
       </p:nvGrpSpPr>
       <p:grpSpPr>
         <a:xfrm>
-          <a:off y="0" x="0"/>
-          <a:ext cy="0" cx="0"/>
-          <a:chOff y="0" x="0"/>
-          <a:chExt cy="0" cx="0"/>
+          <a:off x="0" y="0"/>
+          <a:ext cx="0" cy="0"/>
+          <a:chOff x="0" y="0"/>
+          <a:chExt cx="0" cy="0"/>
         </a:xfrm>
       </p:grpSpPr>
       <p:sp>
         <p:nvSpPr>
           <p:cNvPr id="82" name="Shape 82"/>
-          <p:cNvSpPr txBox="1"/>
+          <p:cNvSpPr txBox="1">
+            <a:spLocks noGrp="1"/>
+          </p:cNvSpPr>
           <p:nvPr>
             <p:ph type="title"/>
           </p:nvPr>
         </p:nvSpPr>
         <p:spPr>
           <a:xfrm>
-            <a:off y="205978" x="457200"/>
-            <a:ext cy="857400" cx="8229600"/>
+            <a:off x="457200" y="205978"/>
+            <a:ext cx="8229600" cy="857400"/>
           </a:xfrm>
           <a:prstGeom prst="rect">
             <a:avLst/>
           </a:prstGeom>
         </p:spPr>
         <p:txBody>
-          <a:bodyPr bIns="91425" rIns="91425" lIns="91425" tIns="91425" anchor="b" anchorCtr="0">
+          <a:bodyPr lIns="91425" tIns="91425" rIns="91425" bIns="91425" anchor="b" anchorCtr="0">
             <a:noAutofit/>
           </a:bodyPr>
           <a:lstStyle/>
@@ -4727,67 +5226,287 @@
       <p:sp>
         <p:nvSpPr>
           <p:cNvPr id="83" name="Shape 83"/>
-          <p:cNvSpPr txBox="1"/>
+          <p:cNvSpPr txBox="1">
+            <a:spLocks noGrp="1"/>
+          </p:cNvSpPr>
           <p:nvPr>
-            <p:ph idx="1" type="body"/>
+            <p:ph type="body" idx="1"/>
           </p:nvPr>
         </p:nvSpPr>
         <p:spPr>
           <a:xfrm>
-            <a:off y="1200150" x="457200"/>
-            <a:ext cy="3725699" cx="8229600"/>
+            <a:off x="457200" y="1200150"/>
+            <a:ext cx="8229600" cy="3725699"/>
           </a:xfrm>
           <a:prstGeom prst="rect">
             <a:avLst/>
           </a:prstGeom>
         </p:spPr>
         <p:txBody>
-          <a:bodyPr bIns="91425" rIns="91425" lIns="91425" tIns="91425" anchor="t" anchorCtr="0">
+          <a:bodyPr lIns="91425" tIns="91425" rIns="91425" bIns="91425" anchor="t" anchorCtr="0">
             <a:noAutofit/>
           </a:bodyPr>
           <a:lstStyle/>
           <a:p>
-            <a:pPr rtl="0" lvl="0">
+            <a:pPr lvl="0" rtl="0">
+              <a:buNone/>
+            </a:pPr>
+            <a:r>
+              <a:rPr lang="en" sz="2000" dirty="0">
+                <a:hlinkClick r:id="rId3" action="ppaction://hlinkfile"/>
+              </a:rPr>
+              <a:t>Class </a:t>
+            </a:r>
+            <a:r>
+              <a:rPr lang="en" sz="2000" dirty="0" smtClean="0">
+                <a:hlinkClick r:id="rId3" action="ppaction://hlinkfile"/>
+              </a:rPr>
+              <a:t>Diagram</a:t>
+            </a:r>
+            <a:endParaRPr lang="en" sz="2000" dirty="0" smtClean="0"/>
+          </a:p>
+          <a:p>
+            <a:pPr lvl="0" rtl="0">
+              <a:buNone/>
+            </a:pPr>
+            <a:r>
+              <a:rPr lang="en" sz="2000" dirty="0" smtClean="0">
+                <a:hlinkClick r:id="rId4" action="ppaction://hlinkfile"/>
+              </a:rPr>
+              <a:t>Method </a:t>
+            </a:r>
+            <a:r>
+              <a:rPr lang="en" sz="2000" dirty="0">
+                <a:hlinkClick r:id="rId4" action="ppaction://hlinkfile"/>
+              </a:rPr>
+              <a:t>Design</a:t>
+            </a:r>
+            <a:endParaRPr lang="en" sz="2000" dirty="0"/>
+          </a:p>
+          <a:p>
+            <a:endParaRPr lang="en" dirty="0"/>
+          </a:p>
+        </p:txBody>
+      </p:sp>
+      <p:pic>
+        <p:nvPicPr>
+          <p:cNvPr id="2" name="รูปภาพ 1"/>
+          <p:cNvPicPr>
+            <a:picLocks noChangeAspect="1"/>
+          </p:cNvPicPr>
+          <p:nvPr/>
+        </p:nvPicPr>
+        <p:blipFill>
+          <a:blip r:embed="rId5">
+            <a:extLst>
+              <a:ext uri="{28A0092B-C50C-407E-A947-70E740481C1C}">
+                <a14:useLocalDpi xmlns:a14="http://schemas.microsoft.com/office/drawing/2010/main" val="0"/>
+              </a:ext>
+            </a:extLst>
+          </a:blip>
+          <a:stretch>
+            <a:fillRect/>
+          </a:stretch>
+        </p:blipFill>
+        <p:spPr>
+          <a:xfrm>
+            <a:off x="2987824" y="1059582"/>
+            <a:ext cx="5145947" cy="3767478"/>
+          </a:xfrm>
+          <a:prstGeom prst="rect">
+            <a:avLst/>
+          </a:prstGeom>
+        </p:spPr>
+      </p:pic>
+    </p:spTree>
+  </p:cSld>
+  <p:clrMapOvr>
+    <a:masterClrMapping/>
+  </p:clrMapOvr>
+  <p:transition spd="slow">
+    <p:cut/>
+  </p:transition>
+  <p:timing>
+    <p:tnLst>
+      <p:par>
+        <p:cTn id="1" dur="indefinite" restart="never" nodeType="tmRoot"/>
+      </p:par>
+    </p:tnLst>
+  </p:timing>
+</p:sld>
+</file>
+
+<file path=ppt/slides/slide4.xml><?xml version="1.0" encoding="utf-8"?>
+<p:sld xmlns:a="http://schemas.openxmlformats.org/drawingml/2006/main" xmlns:r="http://schemas.openxmlformats.org/officeDocument/2006/relationships" xmlns:p="http://schemas.openxmlformats.org/presentationml/2006/main">
+  <p:cSld>
+    <p:spTree>
+      <p:nvGrpSpPr>
+        <p:cNvPr id="1" name="Shape 87"/>
+        <p:cNvGrpSpPr/>
+        <p:nvPr/>
+      </p:nvGrpSpPr>
+      <p:grpSpPr>
+        <a:xfrm>
+          <a:off x="0" y="0"/>
+          <a:ext cx="0" cy="0"/>
+          <a:chOff x="0" y="0"/>
+          <a:chExt cx="0" cy="0"/>
+        </a:xfrm>
+      </p:grpSpPr>
+      <p:sp>
+        <p:nvSpPr>
+          <p:cNvPr id="88" name="Shape 88"/>
+          <p:cNvSpPr txBox="1">
+            <a:spLocks noGrp="1"/>
+          </p:cNvSpPr>
+          <p:nvPr>
+            <p:ph type="title"/>
+          </p:nvPr>
+        </p:nvSpPr>
+        <p:spPr>
+          <a:xfrm>
+            <a:off x="457200" y="205978"/>
+            <a:ext cx="8229600" cy="857400"/>
+          </a:xfrm>
+          <a:prstGeom prst="rect">
+            <a:avLst/>
+          </a:prstGeom>
+        </p:spPr>
+        <p:txBody>
+          <a:bodyPr lIns="91425" tIns="91425" rIns="91425" bIns="91425" anchor="b" anchorCtr="0">
+            <a:noAutofit/>
+          </a:bodyPr>
+          <a:lstStyle/>
+          <a:p>
+            <a:pPr>
               <a:buNone/>
             </a:pPr>
             <a:r>
               <a:rPr lang="en"/>
-              <a:t>Class Diagram </a:t>
+              <a:t>Software Design</a:t>
             </a:r>
           </a:p>
-          <a:p>
-            <a:r>
-              <a:t/>
-            </a:r>
-          </a:p>
-          <a:p>
-            <a:r>
-              <a:t/>
-            </a:r>
-          </a:p>
-          <a:p>
-            <a:r>
-              <a:t/>
-            </a:r>
-          </a:p>
-          <a:p>
-            <a:r>
-              <a:t/>
-            </a:r>
-          </a:p>
-          <a:p>
-            <a:pPr rtl="0" lvl="0">
+        </p:txBody>
+      </p:sp>
+      <p:sp>
+        <p:nvSpPr>
+          <p:cNvPr id="89" name="Shape 89"/>
+          <p:cNvSpPr txBox="1">
+            <a:spLocks noGrp="1"/>
+          </p:cNvSpPr>
+          <p:nvPr>
+            <p:ph type="body" idx="1"/>
+          </p:nvPr>
+        </p:nvSpPr>
+        <p:spPr>
+          <a:xfrm>
+            <a:off x="457200" y="1200150"/>
+            <a:ext cx="8229600" cy="3725699"/>
+          </a:xfrm>
+          <a:prstGeom prst="rect">
+            <a:avLst/>
+          </a:prstGeom>
+        </p:spPr>
+        <p:txBody>
+          <a:bodyPr lIns="91425" tIns="91425" rIns="91425" bIns="91425" anchor="t" anchorCtr="0">
+            <a:noAutofit/>
+          </a:bodyPr>
+          <a:lstStyle/>
+          <a:p>
+            <a:pPr lvl="0" rtl="0">
               <a:buNone/>
             </a:pPr>
             <a:r>
-              <a:rPr lang="en"/>
-              <a:t>Method Design</a:t>
+              <a:rPr lang="en" dirty="0"/>
+              <a:t>Sequence Diagram</a:t>
             </a:r>
           </a:p>
           <a:p>
+            <a:pPr marL="457200" lvl="0" indent="0" rtl="0">
+              <a:buNone/>
+            </a:pPr>
             <a:r>
-              <a:t/>
+              <a:rPr lang="en" sz="2200" dirty="0">
+                <a:hlinkClick r:id="rId3" action="ppaction://hlinkfile"/>
+              </a:rPr>
+              <a:t>SD-01-Admin log in</a:t>
             </a:r>
+            <a:endParaRPr lang="en" sz="2200" dirty="0"/>
+          </a:p>
+          <a:p>
+            <a:pPr marL="457200" lvl="0" indent="0" rtl="0">
+              <a:buNone/>
+            </a:pPr>
+            <a:r>
+              <a:rPr lang="en" sz="2200" dirty="0">
+                <a:hlinkClick r:id="rId4" action="ppaction://hlinkfile"/>
+              </a:rPr>
+              <a:t>SD-02-Admin add product</a:t>
+            </a:r>
+            <a:endParaRPr lang="en" sz="2200" dirty="0"/>
+          </a:p>
+          <a:p>
+            <a:pPr marL="457200" lvl="0" indent="0" rtl="0">
+              <a:buNone/>
+            </a:pPr>
+            <a:r>
+              <a:rPr lang="en" sz="2200" dirty="0">
+                <a:hlinkClick r:id="rId5" action="ppaction://hlinkfile"/>
+              </a:rPr>
+              <a:t>SD-03-Admin edit product detail</a:t>
+            </a:r>
+            <a:endParaRPr lang="en" sz="2200" dirty="0"/>
+          </a:p>
+          <a:p>
+            <a:pPr marL="457200" lvl="0" indent="0" rtl="0">
+              <a:buNone/>
+            </a:pPr>
+            <a:r>
+              <a:rPr lang="en" sz="2200" dirty="0">
+                <a:hlinkClick r:id="rId6" action="ppaction://hlinkfile"/>
+              </a:rPr>
+              <a:t>SD-04-Admin remove product</a:t>
+            </a:r>
+            <a:endParaRPr lang="en" sz="2200" dirty="0"/>
+          </a:p>
+          <a:p>
+            <a:pPr marL="457200" lvl="0" indent="0" rtl="0">
+              <a:buNone/>
+            </a:pPr>
+            <a:r>
+              <a:rPr lang="en" sz="2200" dirty="0">
+                <a:hlinkClick r:id="rId7" action="ppaction://hlinkfile"/>
+              </a:rPr>
+              <a:t>SD-05-Admin see history</a:t>
+            </a:r>
+            <a:endParaRPr lang="en" sz="2200" dirty="0"/>
+          </a:p>
+          <a:p>
+            <a:pPr marL="457200" lvl="0" indent="0" rtl="0">
+              <a:buNone/>
+            </a:pPr>
+            <a:r>
+              <a:rPr lang="en" sz="2200" dirty="0">
+                <a:hlinkClick r:id="rId8" action="ppaction://hlinkfile"/>
+              </a:rPr>
+              <a:t>SD-06-Admin log out</a:t>
+            </a:r>
+            <a:endParaRPr lang="en" sz="2200" dirty="0"/>
+          </a:p>
+          <a:p>
+            <a:pPr marL="457200" lvl="0" indent="0" rtl="0">
+              <a:buNone/>
+            </a:pPr>
+            <a:r>
+              <a:rPr lang="en" sz="2200" dirty="0">
+                <a:hlinkClick r:id="rId9" action="ppaction://hlinkfile"/>
+              </a:rPr>
+              <a:t>SD-07-Customer Register</a:t>
+            </a:r>
+            <a:endParaRPr lang="en" sz="2200" dirty="0"/>
+          </a:p>
+          <a:p>
+            <a:endParaRPr lang="en" sz="2200" dirty="0"/>
           </a:p>
         </p:txBody>
       </p:sp>
@@ -4799,45 +5518,54 @@
   <p:transition spd="slow">
     <p:cut/>
   </p:transition>
+  <p:timing>
+    <p:tnLst>
+      <p:par>
+        <p:cTn id="1" dur="indefinite" restart="never" nodeType="tmRoot"/>
+      </p:par>
+    </p:tnLst>
+  </p:timing>
 </p:sld>
 </file>
 
-<file path=ppt/slides/slide4.xml><?xml version="1.0" encoding="utf-8"?>
-<p:sld xmlns:a="http://schemas.openxmlformats.org/drawingml/2006/main" xmlns:r="http://schemas.openxmlformats.org/officeDocument/2006/relationships" xmlns:mc="http://schemas.openxmlformats.org/markup-compatibility/2006" xmlns:mv="urn:schemas-microsoft-com:mac:vml" xmlns:p="http://schemas.openxmlformats.org/presentationml/2006/main" xmlns:c="http://schemas.openxmlformats.org/drawingml/2006/chart" xmlns:dgm="http://schemas.openxmlformats.org/drawingml/2006/diagram" xmlns:o="urn:schemas-microsoft-com:office:office" xmlns:v="urn:schemas-microsoft-com:vml" xmlns:pvml="urn:schemas-microsoft-com:office:powerpoint" xmlns:com="http://schemas.openxmlformats.org/drawingml/2006/compatibility" xmlns:p14="http://schemas.microsoft.com/office/powerpoint/2010/main">
+<file path=ppt/slides/slide5.xml><?xml version="1.0" encoding="utf-8"?>
+<p:sld xmlns:a="http://schemas.openxmlformats.org/drawingml/2006/main" xmlns:r="http://schemas.openxmlformats.org/officeDocument/2006/relationships" xmlns:p="http://schemas.openxmlformats.org/presentationml/2006/main">
   <p:cSld>
     <p:spTree>
       <p:nvGrpSpPr>
-        <p:cNvPr id="87" name="Shape 87"/>
+        <p:cNvPr id="1" name="Shape 93"/>
         <p:cNvGrpSpPr/>
         <p:nvPr/>
       </p:nvGrpSpPr>
       <p:grpSpPr>
         <a:xfrm>
-          <a:off y="0" x="0"/>
-          <a:ext cy="0" cx="0"/>
-          <a:chOff y="0" x="0"/>
-          <a:chExt cy="0" cx="0"/>
+          <a:off x="0" y="0"/>
+          <a:ext cx="0" cy="0"/>
+          <a:chOff x="0" y="0"/>
+          <a:chExt cx="0" cy="0"/>
         </a:xfrm>
       </p:grpSpPr>
       <p:sp>
         <p:nvSpPr>
-          <p:cNvPr id="88" name="Shape 88"/>
-          <p:cNvSpPr txBox="1"/>
+          <p:cNvPr id="94" name="Shape 94"/>
+          <p:cNvSpPr txBox="1">
+            <a:spLocks noGrp="1"/>
+          </p:cNvSpPr>
           <p:nvPr>
             <p:ph type="title"/>
           </p:nvPr>
         </p:nvSpPr>
         <p:spPr>
           <a:xfrm>
-            <a:off y="205978" x="457200"/>
-            <a:ext cy="857400" cx="8229600"/>
+            <a:off x="457200" y="205978"/>
+            <a:ext cx="8229600" cy="857400"/>
           </a:xfrm>
           <a:prstGeom prst="rect">
             <a:avLst/>
           </a:prstGeom>
         </p:spPr>
         <p:txBody>
-          <a:bodyPr bIns="91425" rIns="91425" lIns="91425" tIns="91425" anchor="b" anchorCtr="0">
+          <a:bodyPr lIns="91425" tIns="91425" rIns="91425" bIns="91425" anchor="b" anchorCtr="0">
             <a:noAutofit/>
           </a:bodyPr>
           <a:lstStyle/>
@@ -4854,102 +5582,128 @@
       </p:sp>
       <p:sp>
         <p:nvSpPr>
-          <p:cNvPr id="89" name="Shape 89"/>
-          <p:cNvSpPr txBox="1"/>
+          <p:cNvPr id="95" name="Shape 95"/>
+          <p:cNvSpPr txBox="1">
+            <a:spLocks noGrp="1"/>
+          </p:cNvSpPr>
           <p:nvPr>
-            <p:ph idx="1" type="body"/>
+            <p:ph type="body" idx="1"/>
           </p:nvPr>
         </p:nvSpPr>
         <p:spPr>
           <a:xfrm>
-            <a:off y="1200150" x="457200"/>
-            <a:ext cy="3725699" cx="8229600"/>
+            <a:off x="457200" y="1200150"/>
+            <a:ext cx="8229600" cy="3725699"/>
           </a:xfrm>
           <a:prstGeom prst="rect">
             <a:avLst/>
           </a:prstGeom>
         </p:spPr>
         <p:txBody>
-          <a:bodyPr bIns="91425" rIns="91425" lIns="91425" tIns="91425" anchor="t" anchorCtr="0">
+          <a:bodyPr lIns="91425" tIns="91425" rIns="91425" bIns="91425" anchor="t" anchorCtr="0">
             <a:noAutofit/>
           </a:bodyPr>
           <a:lstStyle/>
           <a:p>
-            <a:pPr rtl="0" lvl="0">
+            <a:pPr lvl="0" rtl="0">
               <a:buNone/>
             </a:pPr>
             <a:r>
-              <a:rPr lang="en"/>
+              <a:rPr lang="en" dirty="0"/>
               <a:t>Sequence Diagram</a:t>
             </a:r>
           </a:p>
           <a:p>
-            <a:pPr rtl="0" lvl="0" indent="0" marL="457200">
+            <a:pPr marL="457200" lvl="0" indent="0" rtl="0">
               <a:buNone/>
             </a:pPr>
             <a:r>
-              <a:rPr sz="2200" lang="en"/>
-              <a:t>SD-01-Admin log in</a:t>
+              <a:rPr lang="en" sz="2200" dirty="0">
+                <a:hlinkClick r:id="rId3" action="ppaction://hlinkfile"/>
+              </a:rPr>
+              <a:t>SD-08-Customer log in </a:t>
             </a:r>
-          </a:p>
-          <a:p>
-            <a:pPr rtl="0" lvl="0" indent="0" marL="457200">
+            <a:endParaRPr lang="en" sz="2200" dirty="0"/>
+          </a:p>
+          <a:p>
+            <a:pPr marL="457200" lvl="0" indent="0" rtl="0">
               <a:buNone/>
             </a:pPr>
             <a:r>
-              <a:rPr sz="2200" lang="en"/>
-              <a:t>SD-02-Admin add product</a:t>
+              <a:rPr lang="en" sz="2200" dirty="0">
+                <a:hlinkClick r:id="rId4" action="ppaction://hlinkfile"/>
+              </a:rPr>
+              <a:t>SD-09-Customer update registration</a:t>
             </a:r>
-          </a:p>
-          <a:p>
-            <a:pPr rtl="0" lvl="0" indent="0" marL="457200">
+            <a:endParaRPr lang="en" sz="2200" dirty="0"/>
+          </a:p>
+          <a:p>
+            <a:pPr marL="457200" lvl="0" indent="0" rtl="0">
               <a:buNone/>
             </a:pPr>
             <a:r>
-              <a:rPr sz="2200" lang="en"/>
-              <a:t>SD-03-Admin edit product detail</a:t>
+              <a:rPr lang="en" sz="2200" dirty="0">
+                <a:hlinkClick r:id="rId5" action="ppaction://hlinkfile"/>
+              </a:rPr>
+              <a:t>SD-10-Customer browse the product catagory</a:t>
             </a:r>
-          </a:p>
-          <a:p>
-            <a:pPr rtl="0" lvl="0" indent="0" marL="457200">
+            <a:endParaRPr lang="en" sz="2200" dirty="0"/>
+          </a:p>
+          <a:p>
+            <a:pPr marL="457200" lvl="0" indent="0" rtl="0">
+              <a:buClr>
+                <a:schemeClr val="dk1"/>
+              </a:buClr>
+              <a:buSzPct val="50000"/>
+              <a:buFont typeface="Arial"/>
               <a:buNone/>
             </a:pPr>
             <a:r>
-              <a:rPr sz="2200" lang="en"/>
-              <a:t>SD-04-Admin remove product</a:t>
+              <a:rPr lang="en" sz="2200" dirty="0">
+                <a:hlinkClick r:id="rId6" action="ppaction://hlinkfile"/>
+              </a:rPr>
+              <a:t>SD-11-Customer search by product name</a:t>
             </a:r>
-          </a:p>
-          <a:p>
-            <a:pPr rtl="0" lvl="0" indent="0" marL="457200">
+            <a:endParaRPr lang="en" sz="2200" dirty="0"/>
+          </a:p>
+          <a:p>
+            <a:pPr marL="457200" lvl="0" indent="0" rtl="0">
               <a:buNone/>
             </a:pPr>
             <a:r>
-              <a:rPr sz="2200" lang="en"/>
-              <a:t>SD-05-Admin see history</a:t>
+              <a:rPr lang="en" sz="2200" dirty="0">
+                <a:hlinkClick r:id="rId7" action="ppaction://hlinkfile"/>
+              </a:rPr>
+              <a:t>SD-12-Customer add product to cart</a:t>
             </a:r>
-          </a:p>
-          <a:p>
-            <a:pPr rtl="0" lvl="0" indent="0" marL="457200">
+            <a:endParaRPr lang="en" sz="2200" dirty="0"/>
+          </a:p>
+          <a:p>
+            <a:pPr marL="457200" lvl="0" indent="0" rtl="0">
               <a:buNone/>
             </a:pPr>
             <a:r>
-              <a:rPr sz="2200" lang="en"/>
-              <a:t>SD-06-Admin log out</a:t>
+              <a:rPr lang="en" sz="2200" dirty="0">
+                <a:hlinkClick r:id="rId8" action="ppaction://hlinkfile"/>
+              </a:rPr>
+              <a:t>SD-13-Customer remove product in cart</a:t>
             </a:r>
-          </a:p>
-          <a:p>
-            <a:pPr rtl="0" lvl="0" indent="0" marL="457200">
+            <a:endParaRPr lang="en" sz="2200" dirty="0"/>
+          </a:p>
+          <a:p>
+            <a:pPr marL="457200" lvl="0" indent="0" rtl="0">
               <a:buNone/>
             </a:pPr>
             <a:r>
-              <a:rPr sz="2200" lang="en"/>
-              <a:t>SD-07-Customer Register</a:t>
+              <a:rPr lang="en" sz="2200" dirty="0">
+                <a:hlinkClick r:id="rId9" action="ppaction://hlinkfile"/>
+              </a:rPr>
+              <a:t>SD-14-Customer check out</a:t>
             </a:r>
-          </a:p>
-          <a:p>
-            <a:r>
-              <a:t/>
-            </a:r>
+            <a:endParaRPr lang="en" sz="2200" dirty="0"/>
+          </a:p>
+          <a:p>
+            <a:endParaRPr lang="en" sz="2200" dirty="0"/>
           </a:p>
         </p:txBody>
       </p:sp>
@@ -4961,50 +5715,59 @@
   <p:transition spd="slow">
     <p:cut/>
   </p:transition>
+  <p:timing>
+    <p:tnLst>
+      <p:par>
+        <p:cTn id="1" dur="indefinite" restart="never" nodeType="tmRoot"/>
+      </p:par>
+    </p:tnLst>
+  </p:timing>
 </p:sld>
 </file>
 
-<file path=ppt/slides/slide5.xml><?xml version="1.0" encoding="utf-8"?>
-<p:sld xmlns:a="http://schemas.openxmlformats.org/drawingml/2006/main" xmlns:r="http://schemas.openxmlformats.org/officeDocument/2006/relationships" xmlns:mc="http://schemas.openxmlformats.org/markup-compatibility/2006" xmlns:mv="urn:schemas-microsoft-com:mac:vml" xmlns:p="http://schemas.openxmlformats.org/presentationml/2006/main" xmlns:c="http://schemas.openxmlformats.org/drawingml/2006/chart" xmlns:dgm="http://schemas.openxmlformats.org/drawingml/2006/diagram" xmlns:o="urn:schemas-microsoft-com:office:office" xmlns:v="urn:schemas-microsoft-com:vml" xmlns:pvml="urn:schemas-microsoft-com:office:powerpoint" xmlns:com="http://schemas.openxmlformats.org/drawingml/2006/compatibility" xmlns:p14="http://schemas.microsoft.com/office/powerpoint/2010/main">
+<file path=ppt/slides/slide6.xml><?xml version="1.0" encoding="utf-8"?>
+<p:sld xmlns:a="http://schemas.openxmlformats.org/drawingml/2006/main" xmlns:r="http://schemas.openxmlformats.org/officeDocument/2006/relationships" xmlns:p="http://schemas.openxmlformats.org/presentationml/2006/main">
   <p:cSld>
     <p:spTree>
       <p:nvGrpSpPr>
-        <p:cNvPr id="93" name="Shape 93"/>
+        <p:cNvPr id="1" name="Shape 99"/>
         <p:cNvGrpSpPr/>
         <p:nvPr/>
       </p:nvGrpSpPr>
       <p:grpSpPr>
         <a:xfrm>
-          <a:off y="0" x="0"/>
-          <a:ext cy="0" cx="0"/>
-          <a:chOff y="0" x="0"/>
-          <a:chExt cy="0" cx="0"/>
+          <a:off x="0" y="0"/>
+          <a:ext cx="0" cy="0"/>
+          <a:chOff x="0" y="0"/>
+          <a:chExt cx="0" cy="0"/>
         </a:xfrm>
       </p:grpSpPr>
       <p:sp>
         <p:nvSpPr>
-          <p:cNvPr id="94" name="Shape 94"/>
-          <p:cNvSpPr txBox="1"/>
+          <p:cNvPr id="100" name="Shape 100"/>
+          <p:cNvSpPr txBox="1">
+            <a:spLocks noGrp="1"/>
+          </p:cNvSpPr>
           <p:nvPr>
             <p:ph type="title"/>
           </p:nvPr>
         </p:nvSpPr>
         <p:spPr>
           <a:xfrm>
-            <a:off y="205978" x="457200"/>
-            <a:ext cy="857400" cx="8229600"/>
+            <a:off x="457200" y="205978"/>
+            <a:ext cx="8229600" cy="857400"/>
           </a:xfrm>
           <a:prstGeom prst="rect">
             <a:avLst/>
           </a:prstGeom>
         </p:spPr>
         <p:txBody>
-          <a:bodyPr bIns="91425" rIns="91425" lIns="91425" tIns="91425" anchor="b" anchorCtr="0">
+          <a:bodyPr lIns="91425" tIns="91425" rIns="91425" bIns="91425" anchor="b" anchorCtr="0">
             <a:noAutofit/>
           </a:bodyPr>
           <a:lstStyle/>
           <a:p>
-            <a:pPr>
+            <a:pPr lvl="0" rtl="0">
               <a:buNone/>
             </a:pPr>
             <a:r>
@@ -5016,64 +5779,39 @@
       </p:sp>
       <p:sp>
         <p:nvSpPr>
-          <p:cNvPr id="95" name="Shape 95"/>
-          <p:cNvSpPr txBox="1"/>
+          <p:cNvPr id="101" name="Shape 101"/>
+          <p:cNvSpPr txBox="1">
+            <a:spLocks noGrp="1"/>
+          </p:cNvSpPr>
           <p:nvPr>
-            <p:ph idx="1" type="body"/>
+            <p:ph type="body" idx="1"/>
           </p:nvPr>
         </p:nvSpPr>
         <p:spPr>
           <a:xfrm>
-            <a:off y="1200150" x="457200"/>
-            <a:ext cy="3725699" cx="8229600"/>
+            <a:off x="457200" y="1200150"/>
+            <a:ext cx="8229600" cy="3725699"/>
           </a:xfrm>
           <a:prstGeom prst="rect">
             <a:avLst/>
           </a:prstGeom>
         </p:spPr>
         <p:txBody>
-          <a:bodyPr bIns="91425" rIns="91425" lIns="91425" tIns="91425" anchor="t" anchorCtr="0">
+          <a:bodyPr lIns="91425" tIns="91425" rIns="91425" bIns="91425" anchor="t" anchorCtr="0">
             <a:noAutofit/>
           </a:bodyPr>
           <a:lstStyle/>
           <a:p>
-            <a:pPr rtl="0" lvl="0">
+            <a:pPr lvl="0" rtl="0">
               <a:buNone/>
             </a:pPr>
             <a:r>
-              <a:rPr lang="en"/>
+              <a:rPr lang="en" dirty="0"/>
               <a:t>Sequence Diagram</a:t>
             </a:r>
           </a:p>
           <a:p>
-            <a:pPr rtl="0" lvl="0" indent="0" marL="457200">
-              <a:buNone/>
-            </a:pPr>
-            <a:r>
-              <a:rPr sz="2200" lang="en"/>
-              <a:t>SD-08-Customer log in </a:t>
-            </a:r>
-          </a:p>
-          <a:p>
-            <a:pPr rtl="0" lvl="0" indent="0" marL="457200">
-              <a:buNone/>
-            </a:pPr>
-            <a:r>
-              <a:rPr sz="2200" lang="en"/>
-              <a:t>SD-09-Customer update registration</a:t>
-            </a:r>
-          </a:p>
-          <a:p>
-            <a:pPr rtl="0" lvl="0" indent="0" marL="457200">
-              <a:buNone/>
-            </a:pPr>
-            <a:r>
-              <a:rPr sz="2200" lang="en"/>
-              <a:t>SD-10-Customer browse the product catagory</a:t>
-            </a:r>
-          </a:p>
-          <a:p>
-            <a:pPr rtl="0" lvl="0" indent="0" marL="457200">
+            <a:pPr marL="457200" lvl="0" indent="0" rtl="0">
               <a:buClr>
                 <a:schemeClr val="dk1"/>
               </a:buClr>
@@ -5082,138 +5820,39 @@
               <a:buNone/>
             </a:pPr>
             <a:r>
-              <a:rPr sz="2200" lang="en"/>
-              <a:t>SD-11-Customer search by product name</a:t>
+              <a:rPr lang="en" sz="2200" dirty="0">
+                <a:hlinkClick r:id="rId3" action="ppaction://hlinkfile"/>
+              </a:rPr>
+              <a:t>SD-15-Customer see history</a:t>
             </a:r>
-          </a:p>
-          <a:p>
-            <a:pPr rtl="0" lvl="0" indent="0" marL="457200">
+            <a:endParaRPr lang="en" sz="2200" dirty="0"/>
+          </a:p>
+          <a:p>
+            <a:pPr marL="457200" lvl="0" indent="0" rtl="0">
               <a:buNone/>
             </a:pPr>
             <a:r>
-              <a:rPr sz="2200" lang="en"/>
-              <a:t>SD-12-Customer add product to cart</a:t>
+              <a:rPr lang="en" sz="2200" dirty="0">
+                <a:hlinkClick r:id="rId4" action="ppaction://hlinkfile"/>
+              </a:rPr>
+              <a:t>SD-16-Save to continue buying</a:t>
             </a:r>
-          </a:p>
-          <a:p>
-            <a:pPr rtl="0" lvl="0" indent="0" marL="457200">
+            <a:endParaRPr lang="en" sz="2200" dirty="0"/>
+          </a:p>
+          <a:p>
+            <a:pPr marL="457200" lvl="0" indent="0" rtl="0">
               <a:buNone/>
             </a:pPr>
             <a:r>
-              <a:rPr sz="2200" lang="en"/>
-              <a:t>SD-13-Customer remove product in cart</a:t>
+              <a:rPr lang="en" sz="2200" dirty="0">
+                <a:hlinkClick r:id="rId5" action="ppaction://hlinkfile"/>
+              </a:rPr>
+              <a:t>SD-17-Customer logout</a:t>
             </a:r>
-          </a:p>
-          <a:p>
-            <a:pPr rtl="0" lvl="0" indent="0" marL="457200">
-              <a:buNone/>
-            </a:pPr>
-            <a:r>
-              <a:rPr sz="2200" lang="en"/>
-              <a:t>SD-14-Customer check out</a:t>
-            </a:r>
-          </a:p>
-          <a:p>
-            <a:r>
-              <a:t/>
-            </a:r>
-          </a:p>
-        </p:txBody>
-      </p:sp>
-    </p:spTree>
-  </p:cSld>
-  <p:clrMapOvr>
-    <a:masterClrMapping/>
-  </p:clrMapOvr>
-  <p:transition spd="slow">
-    <p:cut/>
-  </p:transition>
-</p:sld>
-</file>
-
-<file path=ppt/slides/slide6.xml><?xml version="1.0" encoding="utf-8"?>
-<p:sld xmlns:a="http://schemas.openxmlformats.org/drawingml/2006/main" xmlns:r="http://schemas.openxmlformats.org/officeDocument/2006/relationships" xmlns:mc="http://schemas.openxmlformats.org/markup-compatibility/2006" xmlns:mv="urn:schemas-microsoft-com:mac:vml" xmlns:p="http://schemas.openxmlformats.org/presentationml/2006/main" xmlns:c="http://schemas.openxmlformats.org/drawingml/2006/chart" xmlns:dgm="http://schemas.openxmlformats.org/drawingml/2006/diagram" xmlns:o="urn:schemas-microsoft-com:office:office" xmlns:v="urn:schemas-microsoft-com:vml" xmlns:pvml="urn:schemas-microsoft-com:office:powerpoint" xmlns:com="http://schemas.openxmlformats.org/drawingml/2006/compatibility" xmlns:p14="http://schemas.microsoft.com/office/powerpoint/2010/main">
-  <p:cSld>
-    <p:spTree>
-      <p:nvGrpSpPr>
-        <p:cNvPr id="99" name="Shape 99"/>
-        <p:cNvGrpSpPr/>
-        <p:nvPr/>
-      </p:nvGrpSpPr>
-      <p:grpSpPr>
-        <a:xfrm>
-          <a:off y="0" x="0"/>
-          <a:ext cy="0" cx="0"/>
-          <a:chOff y="0" x="0"/>
-          <a:chExt cy="0" cx="0"/>
-        </a:xfrm>
-      </p:grpSpPr>
-      <p:sp>
-        <p:nvSpPr>
-          <p:cNvPr id="100" name="Shape 100"/>
-          <p:cNvSpPr txBox="1"/>
-          <p:nvPr>
-            <p:ph type="title"/>
-          </p:nvPr>
-        </p:nvSpPr>
-        <p:spPr>
-          <a:xfrm>
-            <a:off y="205978" x="457200"/>
-            <a:ext cy="857400" cx="8229600"/>
-          </a:xfrm>
-          <a:prstGeom prst="rect">
-            <a:avLst/>
-          </a:prstGeom>
-        </p:spPr>
-        <p:txBody>
-          <a:bodyPr bIns="91425" rIns="91425" lIns="91425" tIns="91425" anchor="b" anchorCtr="0">
-            <a:noAutofit/>
-          </a:bodyPr>
-          <a:lstStyle/>
-          <a:p>
-            <a:pPr rtl="0" lvl="0">
-              <a:buNone/>
-            </a:pPr>
-            <a:r>
-              <a:rPr lang="en"/>
-              <a:t>Software Design</a:t>
-            </a:r>
-          </a:p>
-        </p:txBody>
-      </p:sp>
-      <p:sp>
-        <p:nvSpPr>
-          <p:cNvPr id="101" name="Shape 101"/>
-          <p:cNvSpPr txBox="1"/>
-          <p:nvPr>
-            <p:ph idx="1" type="body"/>
-          </p:nvPr>
-        </p:nvSpPr>
-        <p:spPr>
-          <a:xfrm>
-            <a:off y="1200150" x="457200"/>
-            <a:ext cy="3725699" cx="8229600"/>
-          </a:xfrm>
-          <a:prstGeom prst="rect">
-            <a:avLst/>
-          </a:prstGeom>
-        </p:spPr>
-        <p:txBody>
-          <a:bodyPr bIns="91425" rIns="91425" lIns="91425" tIns="91425" anchor="t" anchorCtr="0">
-            <a:noAutofit/>
-          </a:bodyPr>
-          <a:lstStyle/>
-          <a:p>
-            <a:pPr rtl="0" lvl="0">
-              <a:buNone/>
-            </a:pPr>
-            <a:r>
-              <a:rPr lang="en"/>
-              <a:t>Sequence Diagram</a:t>
-            </a:r>
-          </a:p>
-          <a:p>
-            <a:pPr rtl="0" lvl="0" indent="0" marL="457200">
+            <a:endParaRPr lang="en" sz="2200" dirty="0"/>
+          </a:p>
+          <a:p>
+            <a:pPr marL="457200" lvl="0" indent="0" rtl="0">
               <a:buClr>
                 <a:schemeClr val="dk1"/>
               </a:buClr>
@@ -5222,51 +5861,18 @@
               <a:buNone/>
             </a:pPr>
             <a:r>
-              <a:rPr sz="2200" lang="en"/>
-              <a:t>SD-15-Customer see history</a:t>
-            </a:r>
-          </a:p>
-          <a:p>
-            <a:pPr rtl="0" lvl="0" indent="0" marL="457200">
-              <a:buNone/>
-            </a:pPr>
-            <a:r>
-              <a:rPr sz="2200" lang="en"/>
-              <a:t>SD-16-Save to continue buying</a:t>
-            </a:r>
-          </a:p>
-          <a:p>
-            <a:pPr rtl="0" lvl="0" indent="0" marL="457200">
-              <a:buNone/>
-            </a:pPr>
-            <a:r>
-              <a:rPr sz="2200" lang="en"/>
-              <a:t>SD-17-Customer logout</a:t>
-            </a:r>
-          </a:p>
-          <a:p>
-            <a:pPr rtl="0" lvl="0" indent="0" marL="457200">
-              <a:buClr>
-                <a:schemeClr val="dk1"/>
-              </a:buClr>
-              <a:buSzPct val="50000"/>
-              <a:buFont typeface="Arial"/>
-              <a:buNone/>
-            </a:pPr>
-            <a:r>
-              <a:rPr sz="2200" lang="en"/>
+              <a:rPr lang="en" sz="2200" dirty="0">
+                <a:hlinkClick r:id="rId6" action="ppaction://hlinkfile"/>
+              </a:rPr>
               <a:t>SD-18-Customer continue shopping last time</a:t>
             </a:r>
-          </a:p>
-          <a:p>
-            <a:r>
-              <a:t/>
-            </a:r>
-          </a:p>
-          <a:p>
-            <a:r>
-              <a:t/>
-            </a:r>
+            <a:endParaRPr lang="en" sz="2200" dirty="0"/>
+          </a:p>
+          <a:p>
+            <a:endParaRPr lang="en" sz="2200" dirty="0"/>
+          </a:p>
+          <a:p>
+            <a:endParaRPr lang="en" sz="2200" dirty="0"/>
           </a:p>
         </p:txBody>
       </p:sp>
@@ -5282,41 +5888,43 @@
 </file>
 
 <file path=ppt/slides/slide7.xml><?xml version="1.0" encoding="utf-8"?>
-<p:sld xmlns:a="http://schemas.openxmlformats.org/drawingml/2006/main" xmlns:r="http://schemas.openxmlformats.org/officeDocument/2006/relationships" xmlns:mc="http://schemas.openxmlformats.org/markup-compatibility/2006" xmlns:mv="urn:schemas-microsoft-com:mac:vml" xmlns:p="http://schemas.openxmlformats.org/presentationml/2006/main" xmlns:c="http://schemas.openxmlformats.org/drawingml/2006/chart" xmlns:dgm="http://schemas.openxmlformats.org/drawingml/2006/diagram" xmlns:o="urn:schemas-microsoft-com:office:office" xmlns:v="urn:schemas-microsoft-com:vml" xmlns:pvml="urn:schemas-microsoft-com:office:powerpoint" xmlns:com="http://schemas.openxmlformats.org/drawingml/2006/compatibility" xmlns:p14="http://schemas.microsoft.com/office/powerpoint/2010/main">
+<p:sld xmlns:a="http://schemas.openxmlformats.org/drawingml/2006/main" xmlns:r="http://schemas.openxmlformats.org/officeDocument/2006/relationships" xmlns:p="http://schemas.openxmlformats.org/presentationml/2006/main">
   <p:cSld>
     <p:spTree>
       <p:nvGrpSpPr>
-        <p:cNvPr id="105" name="Shape 105"/>
+        <p:cNvPr id="1" name="Shape 105"/>
         <p:cNvGrpSpPr/>
         <p:nvPr/>
       </p:nvGrpSpPr>
       <p:grpSpPr>
         <a:xfrm>
-          <a:off y="0" x="0"/>
-          <a:ext cy="0" cx="0"/>
-          <a:chOff y="0" x="0"/>
-          <a:chExt cy="0" cx="0"/>
+          <a:off x="0" y="0"/>
+          <a:ext cx="0" cy="0"/>
+          <a:chOff x="0" y="0"/>
+          <a:chExt cx="0" cy="0"/>
         </a:xfrm>
       </p:grpSpPr>
       <p:sp>
         <p:nvSpPr>
           <p:cNvPr id="106" name="Shape 106"/>
-          <p:cNvSpPr txBox="1"/>
+          <p:cNvSpPr txBox="1">
+            <a:spLocks noGrp="1"/>
+          </p:cNvSpPr>
           <p:nvPr>
             <p:ph type="title"/>
           </p:nvPr>
         </p:nvSpPr>
         <p:spPr>
           <a:xfrm>
-            <a:off y="217328" x="457200"/>
-            <a:ext cy="857400" cx="8229600"/>
+            <a:off x="457200" y="217328"/>
+            <a:ext cx="8229600" cy="857400"/>
           </a:xfrm>
           <a:prstGeom prst="rect">
             <a:avLst/>
           </a:prstGeom>
         </p:spPr>
         <p:txBody>
-          <a:bodyPr bIns="91425" rIns="91425" lIns="91425" tIns="91425" anchor="b" anchorCtr="0">
+          <a:bodyPr lIns="91425" tIns="91425" rIns="91425" bIns="91425" anchor="b" anchorCtr="0">
             <a:noAutofit/>
           </a:bodyPr>
           <a:lstStyle/>
@@ -5334,49 +5942,51 @@
       <p:sp>
         <p:nvSpPr>
           <p:cNvPr id="107" name="Shape 107"/>
-          <p:cNvSpPr txBox="1"/>
+          <p:cNvSpPr txBox="1">
+            <a:spLocks noGrp="1"/>
+          </p:cNvSpPr>
           <p:nvPr>
-            <p:ph idx="1" type="body"/>
+            <p:ph type="body" idx="1"/>
           </p:nvPr>
         </p:nvSpPr>
         <p:spPr>
           <a:xfrm>
-            <a:off y="1200150" x="457200"/>
-            <a:ext cy="3725699" cx="8229600"/>
+            <a:off x="457200" y="1200150"/>
+            <a:ext cx="8229600" cy="3725699"/>
           </a:xfrm>
           <a:prstGeom prst="rect">
             <a:avLst/>
           </a:prstGeom>
         </p:spPr>
         <p:txBody>
-          <a:bodyPr bIns="91425" rIns="91425" lIns="91425" tIns="91425" anchor="t" anchorCtr="0">
+          <a:bodyPr lIns="91425" tIns="91425" rIns="91425" bIns="91425" anchor="t" anchorCtr="0">
             <a:noAutofit/>
           </a:bodyPr>
           <a:lstStyle/>
           <a:p>
-            <a:pPr rtl="0" lvl="0">
+            <a:pPr lvl="0" rtl="0">
               <a:buNone/>
             </a:pPr>
             <a:r>
-              <a:rPr lang="en"/>
+              <a:rPr lang="en" dirty="0"/>
               <a:t>Tracability Matrix</a:t>
             </a:r>
           </a:p>
           <a:p>
-            <a:pPr rtl="0" lvl="0">
+            <a:pPr lvl="0" rtl="0">
               <a:buNone/>
             </a:pPr>
             <a:r>
-              <a:rPr lang="en"/>
+              <a:rPr lang="en" dirty="0"/>
               <a:t>URS - SRS</a:t>
             </a:r>
           </a:p>
           <a:p>
-            <a:pPr rtl="0" lvl="0">
+            <a:pPr lvl="0" rtl="0">
               <a:buNone/>
             </a:pPr>
             <a:r>
-              <a:rPr lang="en"/>
+              <a:rPr lang="en" dirty="0"/>
               <a:t>URS - Class Diagram</a:t>
             </a:r>
           </a:p>
@@ -5385,7 +5995,7 @@
               <a:buNone/>
             </a:pPr>
             <a:r>
-              <a:rPr lang="en"/>
+              <a:rPr lang="en" dirty="0"/>
               <a:t>URS - </a:t>
             </a:r>
           </a:p>
@@ -5403,41 +6013,43 @@
 </file>
 
 <file path=ppt/slides/slide8.xml><?xml version="1.0" encoding="utf-8"?>
-<p:sld xmlns:a="http://schemas.openxmlformats.org/drawingml/2006/main" xmlns:r="http://schemas.openxmlformats.org/officeDocument/2006/relationships" xmlns:mc="http://schemas.openxmlformats.org/markup-compatibility/2006" xmlns:mv="urn:schemas-microsoft-com:mac:vml" xmlns:p="http://schemas.openxmlformats.org/presentationml/2006/main" xmlns:c="http://schemas.openxmlformats.org/drawingml/2006/chart" xmlns:dgm="http://schemas.openxmlformats.org/drawingml/2006/diagram" xmlns:o="urn:schemas-microsoft-com:office:office" xmlns:v="urn:schemas-microsoft-com:vml" xmlns:pvml="urn:schemas-microsoft-com:office:powerpoint" xmlns:com="http://schemas.openxmlformats.org/drawingml/2006/compatibility" xmlns:p14="http://schemas.microsoft.com/office/powerpoint/2010/main">
+<p:sld xmlns:a="http://schemas.openxmlformats.org/drawingml/2006/main" xmlns:r="http://schemas.openxmlformats.org/officeDocument/2006/relationships" xmlns:p="http://schemas.openxmlformats.org/presentationml/2006/main">
   <p:cSld>
     <p:spTree>
       <p:nvGrpSpPr>
-        <p:cNvPr id="111" name="Shape 111"/>
+        <p:cNvPr id="1" name="Shape 111"/>
         <p:cNvGrpSpPr/>
         <p:nvPr/>
       </p:nvGrpSpPr>
       <p:grpSpPr>
         <a:xfrm>
-          <a:off y="0" x="0"/>
-          <a:ext cy="0" cx="0"/>
-          <a:chOff y="0" x="0"/>
-          <a:chExt cy="0" cx="0"/>
+          <a:off x="0" y="0"/>
+          <a:ext cx="0" cy="0"/>
+          <a:chOff x="0" y="0"/>
+          <a:chExt cx="0" cy="0"/>
         </a:xfrm>
       </p:grpSpPr>
       <p:sp>
         <p:nvSpPr>
           <p:cNvPr id="112" name="Shape 112"/>
-          <p:cNvSpPr txBox="1"/>
+          <p:cNvSpPr txBox="1">
+            <a:spLocks noGrp="1"/>
+          </p:cNvSpPr>
           <p:nvPr>
             <p:ph type="title"/>
           </p:nvPr>
         </p:nvSpPr>
         <p:spPr>
           <a:xfrm>
-            <a:off y="205978" x="457200"/>
-            <a:ext cy="857400" cx="8229600"/>
+            <a:off x="457200" y="205978"/>
+            <a:ext cx="8229600" cy="857400"/>
           </a:xfrm>
           <a:prstGeom prst="rect">
             <a:avLst/>
           </a:prstGeom>
         </p:spPr>
         <p:txBody>
-          <a:bodyPr bIns="91425" rIns="91425" lIns="91425" tIns="91425" anchor="b" anchorCtr="0">
+          <a:bodyPr lIns="91425" tIns="91425" rIns="91425" bIns="91425" anchor="b" anchorCtr="0">
             <a:noAutofit/>
           </a:bodyPr>
           <a:lstStyle/>
@@ -5455,54 +6067,54 @@
       <p:sp>
         <p:nvSpPr>
           <p:cNvPr id="113" name="Shape 113"/>
-          <p:cNvSpPr txBox="1"/>
+          <p:cNvSpPr txBox="1">
+            <a:spLocks noGrp="1"/>
+          </p:cNvSpPr>
           <p:nvPr>
-            <p:ph idx="1" type="body"/>
+            <p:ph type="body" idx="1"/>
           </p:nvPr>
         </p:nvSpPr>
         <p:spPr>
           <a:xfrm>
-            <a:off y="1200150" x="457200"/>
-            <a:ext cy="3725699" cx="8229600"/>
+            <a:off x="457200" y="1200150"/>
+            <a:ext cx="8229600" cy="3725699"/>
           </a:xfrm>
           <a:prstGeom prst="rect">
             <a:avLst/>
           </a:prstGeom>
         </p:spPr>
         <p:txBody>
-          <a:bodyPr bIns="91425" rIns="91425" lIns="91425" tIns="91425" anchor="t" anchorCtr="0">
+          <a:bodyPr lIns="91425" tIns="91425" rIns="91425" bIns="91425" anchor="t" anchorCtr="0">
             <a:noAutofit/>
           </a:bodyPr>
           <a:lstStyle/>
           <a:p>
-            <a:pPr rtl="0" lvl="0">
+            <a:pPr lvl="0" rtl="0">
               <a:buNone/>
             </a:pPr>
             <a:r>
-              <a:rPr lang="en"/>
+              <a:rPr lang="en" dirty="0"/>
               <a:t>We use …</a:t>
             </a:r>
           </a:p>
           <a:p>
-            <a:r>
-              <a:t/>
-            </a:r>
-          </a:p>
-          <a:p>
-            <a:pPr rtl="0" lvl="0">
+            <a:endParaRPr lang="en" dirty="0"/>
+          </a:p>
+          <a:p>
+            <a:pPr lvl="0" rtl="0">
               <a:buNone/>
             </a:pPr>
             <a:r>
-              <a:rPr lang="en"/>
+              <a:rPr lang="en" dirty="0"/>
               <a:t>Git tools</a:t>
             </a:r>
           </a:p>
           <a:p>
-            <a:pPr rtl="0" lvl="0">
+            <a:pPr lvl="0" rtl="0">
               <a:buNone/>
             </a:pPr>
             <a:r>
-              <a:rPr lang="en"/>
+              <a:rPr lang="en" dirty="0"/>
               <a:t>Git github.com</a:t>
             </a:r>
           </a:p>
@@ -5511,12 +6123,102 @@
               <a:buNone/>
             </a:pPr>
             <a:r>
-              <a:rPr lang="en"/>
+              <a:rPr lang="en" dirty="0"/>
               <a:t>SourceTree (Git GUI) instead of command line</a:t>
             </a:r>
           </a:p>
         </p:txBody>
       </p:sp>
+      <p:pic>
+        <p:nvPicPr>
+          <p:cNvPr id="2" name="รูปภาพ 1"/>
+          <p:cNvPicPr>
+            <a:picLocks noChangeAspect="1"/>
+          </p:cNvPicPr>
+          <p:nvPr/>
+        </p:nvPicPr>
+        <p:blipFill>
+          <a:blip r:embed="rId3">
+            <a:extLst>
+              <a:ext uri="{28A0092B-C50C-407E-A947-70E740481C1C}">
+                <a14:useLocalDpi xmlns:a14="http://schemas.microsoft.com/office/drawing/2010/main" val="0"/>
+              </a:ext>
+            </a:extLst>
+          </a:blip>
+          <a:stretch>
+            <a:fillRect/>
+          </a:stretch>
+        </p:blipFill>
+        <p:spPr>
+          <a:xfrm>
+            <a:off x="3203848" y="1086644"/>
+            <a:ext cx="1868885" cy="1446160"/>
+          </a:xfrm>
+          <a:prstGeom prst="rect">
+            <a:avLst/>
+          </a:prstGeom>
+        </p:spPr>
+      </p:pic>
+      <p:pic>
+        <p:nvPicPr>
+          <p:cNvPr id="4" name="รูปภาพ 3"/>
+          <p:cNvPicPr>
+            <a:picLocks noChangeAspect="1"/>
+          </p:cNvPicPr>
+          <p:nvPr/>
+        </p:nvPicPr>
+        <p:blipFill>
+          <a:blip r:embed="rId4">
+            <a:extLst>
+              <a:ext uri="{28A0092B-C50C-407E-A947-70E740481C1C}">
+                <a14:useLocalDpi xmlns:a14="http://schemas.microsoft.com/office/drawing/2010/main" val="0"/>
+              </a:ext>
+            </a:extLst>
+          </a:blip>
+          <a:stretch>
+            <a:fillRect/>
+          </a:stretch>
+        </p:blipFill>
+        <p:spPr>
+          <a:xfrm>
+            <a:off x="5220072" y="699541"/>
+            <a:ext cx="2697353" cy="1416527"/>
+          </a:xfrm>
+          <a:prstGeom prst="rect">
+            <a:avLst/>
+          </a:prstGeom>
+        </p:spPr>
+      </p:pic>
+      <p:pic>
+        <p:nvPicPr>
+          <p:cNvPr id="5" name="รูปภาพ 4"/>
+          <p:cNvPicPr>
+            <a:picLocks noChangeAspect="1"/>
+          </p:cNvPicPr>
+          <p:nvPr/>
+        </p:nvPicPr>
+        <p:blipFill>
+          <a:blip r:embed="rId5">
+            <a:extLst>
+              <a:ext uri="{28A0092B-C50C-407E-A947-70E740481C1C}">
+                <a14:useLocalDpi xmlns:a14="http://schemas.microsoft.com/office/drawing/2010/main" val="0"/>
+              </a:ext>
+            </a:extLst>
+          </a:blip>
+          <a:stretch>
+            <a:fillRect/>
+          </a:stretch>
+        </p:blipFill>
+        <p:spPr>
+          <a:xfrm>
+            <a:off x="4788024" y="1809724"/>
+            <a:ext cx="2520467" cy="1524052"/>
+          </a:xfrm>
+          <a:prstGeom prst="rect">
+            <a:avLst/>
+          </a:prstGeom>
+        </p:spPr>
+      </p:pic>
     </p:spTree>
   </p:cSld>
   <p:clrMapOvr>
@@ -5529,44 +6231,44 @@
 </file>
 
 <file path=ppt/theme/theme1.xml><?xml version="1.0" encoding="utf-8"?>
-<a:theme xmlns:a="http://schemas.openxmlformats.org/drawingml/2006/main" xmlns:r="http://schemas.openxmlformats.org/officeDocument/2006/relationships" name="Office Theme">
+<a:theme xmlns:a="http://schemas.openxmlformats.org/drawingml/2006/main" name="spotlight">
   <a:themeElements>
-    <a:clrScheme name="Office">
+    <a:clrScheme name="Custom 439">
       <a:dk1>
-        <a:sysClr val="windowText" lastClr="000000"/>
+        <a:srgbClr val="000000"/>
       </a:dk1>
       <a:lt1>
-        <a:sysClr val="window" lastClr="FFFFFF"/>
+        <a:srgbClr val="FFFFFF"/>
       </a:lt1>
       <a:dk2>
-        <a:srgbClr val="1F497D"/>
+        <a:srgbClr val="5C6E95"/>
       </a:dk2>
       <a:lt2>
-        <a:srgbClr val="EEECE1"/>
+        <a:srgbClr val="ACB4C2"/>
       </a:lt2>
       <a:accent1>
-        <a:srgbClr val="4F81BD"/>
+        <a:srgbClr val="667E50"/>
       </a:accent1>
       <a:accent2>
-        <a:srgbClr val="C0504D"/>
+        <a:srgbClr val="CFBF73"/>
       </a:accent2>
       <a:accent3>
-        <a:srgbClr val="9BBB59"/>
+        <a:srgbClr val="8C7C82"/>
       </a:accent3>
       <a:accent4>
-        <a:srgbClr val="8064A2"/>
+        <a:srgbClr val="9ABF87"/>
       </a:accent4>
       <a:accent5>
-        <a:srgbClr val="4BACC6"/>
+        <a:srgbClr val="CF9462"/>
       </a:accent5>
       <a:accent6>
-        <a:srgbClr val="F79646"/>
+        <a:srgbClr val="A25642"/>
       </a:accent6>
       <a:hlink>
-        <a:srgbClr val="0000FF"/>
+        <a:srgbClr val="5173A5"/>
       </a:hlink>
       <a:folHlink>
-        <a:srgbClr val="800080"/>
+        <a:srgbClr val="687282"/>
       </a:folHlink>
     </a:clrScheme>
     <a:fontScheme name="Office">
@@ -5574,69 +6276,69 @@
         <a:latin typeface="Arial"/>
         <a:ea typeface=""/>
         <a:cs typeface=""/>
-        <a:font typeface="ＭＳ Ｐゴシック" script="Jpan"/>
-        <a:font typeface="맑은 고딕" script="Hang"/>
-        <a:font typeface="宋体" script="Hans"/>
-        <a:font typeface="新細明體" script="Hant"/>
-        <a:font typeface="Times New Roman" script="Arab"/>
-        <a:font typeface="Times New Roman" script="Hebr"/>
-        <a:font typeface="Angsana New" script="Thai"/>
-        <a:font typeface="Nyala" script="Ethi"/>
-        <a:font typeface="Vrinda" script="Beng"/>
-        <a:font typeface="Shruti" script="Gujr"/>
-        <a:font typeface="MoolBoran" script="Khmr"/>
-        <a:font typeface="Tunga" script="Knda"/>
-        <a:font typeface="Raavi" script="Guru"/>
-        <a:font typeface="Euphemia" script="Cans"/>
-        <a:font typeface="Plantagenet Cherokee" script="Cher"/>
-        <a:font typeface="Microsoft Yi Baiti" script="Yiii"/>
-        <a:font typeface="Microsoft Himalaya" script="Tibt"/>
-        <a:font typeface="MV Boli" script="Thaa"/>
-        <a:font typeface="Mangal" script="Deva"/>
-        <a:font typeface="Gautami" script="Telu"/>
-        <a:font typeface="Latha" script="Taml"/>
-        <a:font typeface="Estrangelo Edessa" script="Syrc"/>
-        <a:font typeface="Kalinga" script="Orya"/>
-        <a:font typeface="Kartika" script="Mlym"/>
-        <a:font typeface="DokChampa" script="Laoo"/>
-        <a:font typeface="Iskoola Pota" script="Sinh"/>
-        <a:font typeface="Mongolian Baiti" script="Mong"/>
-        <a:font typeface="Times New Roman" script="Viet"/>
-        <a:font typeface="Microsoft Uighur" script="Uigh"/>
+        <a:font script="Jpan" typeface="ＭＳ Ｐゴシック"/>
+        <a:font script="Hang" typeface="맑은 고딕"/>
+        <a:font script="Hans" typeface="宋体"/>
+        <a:font script="Hant" typeface="新細明體"/>
+        <a:font script="Arab" typeface="Times New Roman"/>
+        <a:font script="Hebr" typeface="Times New Roman"/>
+        <a:font script="Thai" typeface="Angsana New"/>
+        <a:font script="Ethi" typeface="Nyala"/>
+        <a:font script="Beng" typeface="Vrinda"/>
+        <a:font script="Gujr" typeface="Shruti"/>
+        <a:font script="Khmr" typeface="MoolBoran"/>
+        <a:font script="Knda" typeface="Tunga"/>
+        <a:font script="Guru" typeface="Raavi"/>
+        <a:font script="Cans" typeface="Euphemia"/>
+        <a:font script="Cher" typeface="Plantagenet Cherokee"/>
+        <a:font script="Yiii" typeface="Microsoft Yi Baiti"/>
+        <a:font script="Tibt" typeface="Microsoft Himalaya"/>
+        <a:font script="Thaa" typeface="MV Boli"/>
+        <a:font script="Deva" typeface="Mangal"/>
+        <a:font script="Telu" typeface="Gautami"/>
+        <a:font script="Taml" typeface="Latha"/>
+        <a:font script="Syrc" typeface="Estrangelo Edessa"/>
+        <a:font script="Orya" typeface="Kalinga"/>
+        <a:font script="Mlym" typeface="Kartika"/>
+        <a:font script="Laoo" typeface="DokChampa"/>
+        <a:font script="Sinh" typeface="Iskoola Pota"/>
+        <a:font script="Mong" typeface="Mongolian Baiti"/>
+        <a:font script="Viet" typeface="Times New Roman"/>
+        <a:font script="Uigh" typeface="Microsoft Uighur"/>
       </a:majorFont>
       <a:minorFont>
         <a:latin typeface="Arial"/>
         <a:ea typeface=""/>
         <a:cs typeface=""/>
-        <a:font typeface="ＭＳ Ｐゴシック" script="Jpan"/>
-        <a:font typeface="맑은 고딕" script="Hang"/>
-        <a:font typeface="宋体" script="Hans"/>
-        <a:font typeface="新細明體" script="Hant"/>
-        <a:font typeface="Arial" script="Arab"/>
-        <a:font typeface="Arial" script="Hebr"/>
-        <a:font typeface="Cordia New" script="Thai"/>
-        <a:font typeface="Nyala" script="Ethi"/>
-        <a:font typeface="Vrinda" script="Beng"/>
-        <a:font typeface="Shruti" script="Gujr"/>
-        <a:font typeface="DaunPenh" script="Khmr"/>
-        <a:font typeface="Tunga" script="Knda"/>
-        <a:font typeface="Raavi" script="Guru"/>
-        <a:font typeface="Euphemia" script="Cans"/>
-        <a:font typeface="Plantagenet Cherokee" script="Cher"/>
-        <a:font typeface="Microsoft Yi Baiti" script="Yiii"/>
-        <a:font typeface="Microsoft Himalaya" script="Tibt"/>
-        <a:font typeface="MV Boli" script="Thaa"/>
-        <a:font typeface="Mangal" script="Deva"/>
-        <a:font typeface="Gautami" script="Telu"/>
-        <a:font typeface="Latha" script="Taml"/>
-        <a:font typeface="Estrangelo Edessa" script="Syrc"/>
-        <a:font typeface="Kalinga" script="Orya"/>
-        <a:font typeface="Kartika" script="Mlym"/>
-        <a:font typeface="DokChampa" script="Laoo"/>
-        <a:font typeface="Iskoola Pota" script="Sinh"/>
-        <a:font typeface="Mongolian Baiti" script="Mong"/>
-        <a:font typeface="Arial" script="Viet"/>
-        <a:font typeface="Microsoft Uighur" script="Uigh"/>
+        <a:font script="Jpan" typeface="ＭＳ Ｐゴシック"/>
+        <a:font script="Hang" typeface="맑은 고딕"/>
+        <a:font script="Hans" typeface="宋体"/>
+        <a:font script="Hant" typeface="新細明體"/>
+        <a:font script="Arab" typeface="Arial"/>
+        <a:font script="Hebr" typeface="Arial"/>
+        <a:font script="Thai" typeface="Cordia New"/>
+        <a:font script="Ethi" typeface="Nyala"/>
+        <a:font script="Beng" typeface="Vrinda"/>
+        <a:font script="Gujr" typeface="Shruti"/>
+        <a:font script="Khmr" typeface="DaunPenh"/>
+        <a:font script="Knda" typeface="Tunga"/>
+        <a:font script="Guru" typeface="Raavi"/>
+        <a:font script="Cans" typeface="Euphemia"/>
+        <a:font script="Cher" typeface="Plantagenet Cherokee"/>
+        <a:font script="Yiii" typeface="Microsoft Yi Baiti"/>
+        <a:font script="Tibt" typeface="Microsoft Himalaya"/>
+        <a:font script="Thaa" typeface="MV Boli"/>
+        <a:font script="Deva" typeface="Mangal"/>
+        <a:font script="Telu" typeface="Gautami"/>
+        <a:font script="Taml" typeface="Latha"/>
+        <a:font script="Syrc" typeface="Estrangelo Edessa"/>
+        <a:font script="Orya" typeface="Kalinga"/>
+        <a:font script="Mlym" typeface="Kartika"/>
+        <a:font script="Laoo" typeface="DokChampa"/>
+        <a:font script="Sinh" typeface="Iskoola Pota"/>
+        <a:font script="Mong" typeface="Mongolian Baiti"/>
+        <a:font script="Viet" typeface="Arial"/>
+        <a:font script="Uigh" typeface="Microsoft Uighur"/>
       </a:minorFont>
     </a:fontScheme>
     <a:fmtScheme name="Office">
@@ -5688,7 +6390,7 @@
         </a:gradFill>
       </a:fillStyleLst>
       <a:lnStyleLst>
-        <a:ln w="9525" algn="ctr" cap="flat" cmpd="sng">
+        <a:ln w="9525" cap="flat" cmpd="sng" algn="ctr">
           <a:solidFill>
             <a:schemeClr val="phClr">
               <a:shade val="95000"/>
@@ -5697,13 +6399,13 @@
           </a:solidFill>
           <a:prstDash val="solid"/>
         </a:ln>
-        <a:ln w="25400" algn="ctr" cap="flat" cmpd="sng">
+        <a:ln w="25400" cap="flat" cmpd="sng" algn="ctr">
           <a:solidFill>
             <a:schemeClr val="phClr"/>
           </a:solidFill>
           <a:prstDash val="solid"/>
         </a:ln>
-        <a:ln w="38100" algn="ctr" cap="flat" cmpd="sng">
+        <a:ln w="38100" cap="flat" cmpd="sng" algn="ctr">
           <a:solidFill>
             <a:schemeClr val="phClr"/>
           </a:solidFill>
@@ -5713,7 +6415,7 @@
       <a:effectStyleLst>
         <a:effectStyle>
           <a:effectLst>
-            <a:outerShdw rotWithShape="0" dir="5400000" blurRad="40000" dist="20000">
+            <a:outerShdw blurRad="40000" dist="20000" dir="5400000" rotWithShape="0">
               <a:srgbClr val="000000">
                 <a:alpha val="38000"/>
               </a:srgbClr>
@@ -5722,7 +6424,7 @@
         </a:effectStyle>
         <a:effectStyle>
           <a:effectLst>
-            <a:outerShdw rotWithShape="0" dir="5400000" blurRad="40000" dist="23000">
+            <a:outerShdw blurRad="40000" dist="23000" dir="5400000" rotWithShape="0">
               <a:srgbClr val="000000">
                 <a:alpha val="35000"/>
               </a:srgbClr>
@@ -5731,7 +6433,7 @@
         </a:effectStyle>
         <a:effectStyle>
           <a:effectLst>
-            <a:outerShdw rotWithShape="0" dir="5400000" blurRad="40000" dist="23000">
+            <a:outerShdw blurRad="40000" dist="23000" dir="5400000" rotWithShape="0">
               <a:srgbClr val="000000">
                 <a:alpha val="35000"/>
               </a:srgbClr>
@@ -5739,10 +6441,10 @@
           </a:effectLst>
           <a:scene3d>
             <a:camera prst="orthographicFront">
-              <a:rot rev="0" lon="0" lat="0"/>
+              <a:rot lat="0" lon="0" rev="0"/>
             </a:camera>
-            <a:lightRig dir="t" rig="threePt">
-              <a:rot rev="1200000" lon="0" lat="0"/>
+            <a:lightRig rig="threePt" dir="t">
+              <a:rot lat="0" lon="0" rev="1200000"/>
             </a:lightRig>
           </a:scene3d>
           <a:sp3d>
@@ -5777,7 +6479,7 @@
             </a:gs>
           </a:gsLst>
           <a:path path="circle">
-            <a:fillToRect t="-80000" b="180000" r="50000" l="50000"/>
+            <a:fillToRect l="50000" t="-80000" r="50000" b="180000"/>
           </a:path>
         </a:gradFill>
         <a:gradFill rotWithShape="1">
@@ -5796,60 +6498,21 @@
             </a:gs>
           </a:gsLst>
           <a:path path="circle">
-            <a:fillToRect t="50000" b="50000" r="50000" l="50000"/>
+            <a:fillToRect l="50000" t="50000" r="50000" b="50000"/>
           </a:path>
         </a:gradFill>
       </a:bgFillStyleLst>
     </a:fmtScheme>
   </a:themeElements>
-  <a:objectDefaults>
-    <a:spDef>
-      <a:spPr/>
-      <a:bodyPr/>
-      <a:lstStyle/>
-      <a:style>
-        <a:lnRef idx="1">
-          <a:schemeClr val="accent1"/>
-        </a:lnRef>
-        <a:fillRef idx="3">
-          <a:schemeClr val="accent1"/>
-        </a:fillRef>
-        <a:effectRef idx="2">
-          <a:schemeClr val="accent1"/>
-        </a:effectRef>
-        <a:fontRef idx="minor">
-          <a:schemeClr val="lt1"/>
-        </a:fontRef>
-      </a:style>
-    </a:spDef>
-    <a:lnDef>
-      <a:spPr/>
-      <a:bodyPr/>
-      <a:lstStyle/>
-      <a:style>
-        <a:lnRef idx="2">
-          <a:schemeClr val="accent1"/>
-        </a:lnRef>
-        <a:fillRef idx="0">
-          <a:schemeClr val="accent1"/>
-        </a:fillRef>
-        <a:effectRef idx="1">
-          <a:schemeClr val="accent1"/>
-        </a:effectRef>
-        <a:fontRef idx="minor">
-          <a:schemeClr val="tx1"/>
-        </a:fontRef>
-      </a:style>
-    </a:lnDef>
-  </a:objectDefaults>
+  <a:objectDefaults/>
   <a:extraClrSchemeLst/>
 </a:theme>
 </file>
 
 <file path=ppt/theme/theme2.xml><?xml version="1.0" encoding="utf-8"?>
-<a:theme xmlns:a="http://schemas.openxmlformats.org/drawingml/2006/main" xmlns:r="http://schemas.openxmlformats.org/officeDocument/2006/relationships" name="spotlight">
+<a:theme xmlns:a="http://schemas.openxmlformats.org/drawingml/2006/main" name="Custom Theme">
   <a:themeElements>
-    <a:clrScheme name="Custom 439">
+    <a:clrScheme name="Default">
       <a:dk1>
         <a:srgbClr val="000000"/>
       </a:dk1>
@@ -5857,34 +6520,34 @@
         <a:srgbClr val="FFFFFF"/>
       </a:lt1>
       <a:dk2>
-        <a:srgbClr val="5C6E95"/>
+        <a:srgbClr val="158158"/>
       </a:dk2>
       <a:lt2>
-        <a:srgbClr val="ACB4C2"/>
+        <a:srgbClr val="F3F3F3"/>
       </a:lt2>
       <a:accent1>
-        <a:srgbClr val="667E50"/>
+        <a:srgbClr val="058DC7"/>
       </a:accent1>
       <a:accent2>
-        <a:srgbClr val="CFBF73"/>
+        <a:srgbClr val="50B432"/>
       </a:accent2>
       <a:accent3>
-        <a:srgbClr val="8C7C82"/>
+        <a:srgbClr val="ED561B"/>
       </a:accent3>
       <a:accent4>
-        <a:srgbClr val="9ABF87"/>
+        <a:srgbClr val="EDEF00"/>
       </a:accent4>
       <a:accent5>
-        <a:srgbClr val="CF9462"/>
+        <a:srgbClr val="24CBE5"/>
       </a:accent5>
       <a:accent6>
-        <a:srgbClr val="A25642"/>
+        <a:srgbClr val="64E572"/>
       </a:accent6>
       <a:hlink>
-        <a:srgbClr val="5173A5"/>
+        <a:srgbClr val="2200CC"/>
       </a:hlink>
       <a:folHlink>
-        <a:srgbClr val="687282"/>
+        <a:srgbClr val="551A8B"/>
       </a:folHlink>
     </a:clrScheme>
     <a:fontScheme name="Office">
@@ -5892,69 +6555,69 @@
         <a:latin typeface="Arial"/>
         <a:ea typeface=""/>
         <a:cs typeface=""/>
-        <a:font typeface="ＭＳ Ｐゴシック" script="Jpan"/>
-        <a:font typeface="맑은 고딕" script="Hang"/>
-        <a:font typeface="宋体" script="Hans"/>
-        <a:font typeface="新細明體" script="Hant"/>
-        <a:font typeface="Times New Roman" script="Arab"/>
-        <a:font typeface="Times New Roman" script="Hebr"/>
-        <a:font typeface="Angsana New" script="Thai"/>
-        <a:font typeface="Nyala" script="Ethi"/>
-        <a:font typeface="Vrinda" script="Beng"/>
-        <a:font typeface="Shruti" script="Gujr"/>
-        <a:font typeface="MoolBoran" script="Khmr"/>
-        <a:font typeface="Tunga" script="Knda"/>
-        <a:font typeface="Raavi" script="Guru"/>
-        <a:font typeface="Euphemia" script="Cans"/>
-        <a:font typeface="Plantagenet Cherokee" script="Cher"/>
-        <a:font typeface="Microsoft Yi Baiti" script="Yiii"/>
-        <a:font typeface="Microsoft Himalaya" script="Tibt"/>
-        <a:font typeface="MV Boli" script="Thaa"/>
-        <a:font typeface="Mangal" script="Deva"/>
-        <a:font typeface="Gautami" script="Telu"/>
-        <a:font typeface="Latha" script="Taml"/>
-        <a:font typeface="Estrangelo Edessa" script="Syrc"/>
-        <a:font typeface="Kalinga" script="Orya"/>
-        <a:font typeface="Kartika" script="Mlym"/>
-        <a:font typeface="DokChampa" script="Laoo"/>
-        <a:font typeface="Iskoola Pota" script="Sinh"/>
-        <a:font typeface="Mongolian Baiti" script="Mong"/>
-        <a:font typeface="Times New Roman" script="Viet"/>
-        <a:font typeface="Microsoft Uighur" script="Uigh"/>
+        <a:font script="Jpan" typeface="ＭＳ Ｐゴシック"/>
+        <a:font script="Hang" typeface="맑은 고딕"/>
+        <a:font script="Hans" typeface="宋体"/>
+        <a:font script="Hant" typeface="新細明體"/>
+        <a:font script="Arab" typeface="Times New Roman"/>
+        <a:font script="Hebr" typeface="Times New Roman"/>
+        <a:font script="Thai" typeface="Angsana New"/>
+        <a:font script="Ethi" typeface="Nyala"/>
+        <a:font script="Beng" typeface="Vrinda"/>
+        <a:font script="Gujr" typeface="Shruti"/>
+        <a:font script="Khmr" typeface="MoolBoran"/>
+        <a:font script="Knda" typeface="Tunga"/>
+        <a:font script="Guru" typeface="Raavi"/>
+        <a:font script="Cans" typeface="Euphemia"/>
+        <a:font script="Cher" typeface="Plantagenet Cherokee"/>
+        <a:font script="Yiii" typeface="Microsoft Yi Baiti"/>
+        <a:font script="Tibt" typeface="Microsoft Himalaya"/>
+        <a:font script="Thaa" typeface="MV Boli"/>
+        <a:font script="Deva" typeface="Mangal"/>
+        <a:font script="Telu" typeface="Gautami"/>
+        <a:font script="Taml" typeface="Latha"/>
+        <a:font script="Syrc" typeface="Estrangelo Edessa"/>
+        <a:font script="Orya" typeface="Kalinga"/>
+        <a:font script="Mlym" typeface="Kartika"/>
+        <a:font script="Laoo" typeface="DokChampa"/>
+        <a:font script="Sinh" typeface="Iskoola Pota"/>
+        <a:font script="Mong" typeface="Mongolian Baiti"/>
+        <a:font script="Viet" typeface="Times New Roman"/>
+        <a:font script="Uigh" typeface="Microsoft Uighur"/>
       </a:majorFont>
       <a:minorFont>
         <a:latin typeface="Arial"/>
         <a:ea typeface=""/>
         <a:cs typeface=""/>
-        <a:font typeface="ＭＳ Ｐゴシック" script="Jpan"/>
-        <a:font typeface="맑은 고딕" script="Hang"/>
-        <a:font typeface="宋体" script="Hans"/>
-        <a:font typeface="新細明體" script="Hant"/>
-        <a:font typeface="Arial" script="Arab"/>
-        <a:font typeface="Arial" script="Hebr"/>
-        <a:font typeface="Cordia New" script="Thai"/>
-        <a:font typeface="Nyala" script="Ethi"/>
-        <a:font typeface="Vrinda" script="Beng"/>
-        <a:font typeface="Shruti" script="Gujr"/>
-        <a:font typeface="DaunPenh" script="Khmr"/>
-        <a:font typeface="Tunga" script="Knda"/>
-        <a:font typeface="Raavi" script="Guru"/>
-        <a:font typeface="Euphemia" script="Cans"/>
-        <a:font typeface="Plantagenet Cherokee" script="Cher"/>
-        <a:font typeface="Microsoft Yi Baiti" script="Yiii"/>
-        <a:font typeface="Microsoft Himalaya" script="Tibt"/>
-        <a:font typeface="MV Boli" script="Thaa"/>
-        <a:font typeface="Mangal" script="Deva"/>
-        <a:font typeface="Gautami" script="Telu"/>
-        <a:font typeface="Latha" script="Taml"/>
-        <a:font typeface="Estrangelo Edessa" script="Syrc"/>
-        <a:font typeface="Kalinga" script="Orya"/>
-        <a:font typeface="Kartika" script="Mlym"/>
-        <a:font typeface="DokChampa" script="Laoo"/>
-        <a:font typeface="Iskoola Pota" script="Sinh"/>
-        <a:font typeface="Mongolian Baiti" script="Mong"/>
-        <a:font typeface="Arial" script="Viet"/>
-        <a:font typeface="Microsoft Uighur" script="Uigh"/>
+        <a:font script="Jpan" typeface="ＭＳ Ｐゴシック"/>
+        <a:font script="Hang" typeface="맑은 고딕"/>
+        <a:font script="Hans" typeface="宋体"/>
+        <a:font script="Hant" typeface="新細明體"/>
+        <a:font script="Arab" typeface="Arial"/>
+        <a:font script="Hebr" typeface="Arial"/>
+        <a:font script="Thai" typeface="Cordia New"/>
+        <a:font script="Ethi" typeface="Nyala"/>
+        <a:font script="Beng" typeface="Vrinda"/>
+        <a:font script="Gujr" typeface="Shruti"/>
+        <a:font script="Khmr" typeface="DaunPenh"/>
+        <a:font script="Knda" typeface="Tunga"/>
+        <a:font script="Guru" typeface="Raavi"/>
+        <a:font script="Cans" typeface="Euphemia"/>
+        <a:font script="Cher" typeface="Plantagenet Cherokee"/>
+        <a:font script="Yiii" typeface="Microsoft Yi Baiti"/>
+        <a:font script="Tibt" typeface="Microsoft Himalaya"/>
+        <a:font script="Thaa" typeface="MV Boli"/>
+        <a:font script="Deva" typeface="Mangal"/>
+        <a:font script="Telu" typeface="Gautami"/>
+        <a:font script="Taml" typeface="Latha"/>
+        <a:font script="Syrc" typeface="Estrangelo Edessa"/>
+        <a:font script="Orya" typeface="Kalinga"/>
+        <a:font script="Mlym" typeface="Kartika"/>
+        <a:font script="Laoo" typeface="DokChampa"/>
+        <a:font script="Sinh" typeface="Iskoola Pota"/>
+        <a:font script="Mong" typeface="Mongolian Baiti"/>
+        <a:font script="Viet" typeface="Arial"/>
+        <a:font script="Uigh" typeface="Microsoft Uighur"/>
       </a:minorFont>
     </a:fontScheme>
     <a:fmtScheme name="Office">
@@ -6006,7 +6669,7 @@
         </a:gradFill>
       </a:fillStyleLst>
       <a:lnStyleLst>
-        <a:ln w="9525" algn="ctr" cap="flat" cmpd="sng">
+        <a:ln w="9525" cap="flat" cmpd="sng" algn="ctr">
           <a:solidFill>
             <a:schemeClr val="phClr">
               <a:shade val="95000"/>
@@ -6015,13 +6678,13 @@
           </a:solidFill>
           <a:prstDash val="solid"/>
         </a:ln>
-        <a:ln w="25400" algn="ctr" cap="flat" cmpd="sng">
+        <a:ln w="25400" cap="flat" cmpd="sng" algn="ctr">
           <a:solidFill>
             <a:schemeClr val="phClr"/>
           </a:solidFill>
           <a:prstDash val="solid"/>
         </a:ln>
-        <a:ln w="38100" algn="ctr" cap="flat" cmpd="sng">
+        <a:ln w="38100" cap="flat" cmpd="sng" algn="ctr">
           <a:solidFill>
             <a:schemeClr val="phClr"/>
           </a:solidFill>
@@ -6031,7 +6694,7 @@
       <a:effectStyleLst>
         <a:effectStyle>
           <a:effectLst>
-            <a:outerShdw rotWithShape="0" dir="5400000" blurRad="40000" dist="20000">
+            <a:outerShdw blurRad="40000" dist="20000" dir="5400000" rotWithShape="0">
               <a:srgbClr val="000000">
                 <a:alpha val="38000"/>
               </a:srgbClr>
@@ -6040,7 +6703,7 @@
         </a:effectStyle>
         <a:effectStyle>
           <a:effectLst>
-            <a:outerShdw rotWithShape="0" dir="5400000" blurRad="40000" dist="23000">
+            <a:outerShdw blurRad="40000" dist="23000" dir="5400000" rotWithShape="0">
               <a:srgbClr val="000000">
                 <a:alpha val="35000"/>
               </a:srgbClr>
@@ -6049,7 +6712,7 @@
         </a:effectStyle>
         <a:effectStyle>
           <a:effectLst>
-            <a:outerShdw rotWithShape="0" dir="5400000" blurRad="40000" dist="23000">
+            <a:outerShdw blurRad="40000" dist="23000" dir="5400000" rotWithShape="0">
               <a:srgbClr val="000000">
                 <a:alpha val="35000"/>
               </a:srgbClr>
@@ -6057,10 +6720,10 @@
           </a:effectLst>
           <a:scene3d>
             <a:camera prst="orthographicFront">
-              <a:rot rev="0" lon="0" lat="0"/>
+              <a:rot lat="0" lon="0" rev="0"/>
             </a:camera>
-            <a:lightRig dir="t" rig="threePt">
-              <a:rot rev="1200000" lon="0" lat="0"/>
+            <a:lightRig rig="threePt" dir="t">
+              <a:rot lat="0" lon="0" rev="1200000"/>
             </a:lightRig>
           </a:scene3d>
           <a:sp3d>
@@ -6095,7 +6758,7 @@
             </a:gs>
           </a:gsLst>
           <a:path path="circle">
-            <a:fillToRect t="-80000" b="180000" r="50000" l="50000"/>
+            <a:fillToRect l="50000" t="-80000" r="50000" b="180000"/>
           </a:path>
         </a:gradFill>
         <a:gradFill rotWithShape="1">
@@ -6114,288 +6777,13 @@
             </a:gs>
           </a:gsLst>
           <a:path path="circle">
-            <a:fillToRect t="50000" b="50000" r="50000" l="50000"/>
+            <a:fillToRect l="50000" t="50000" r="50000" b="50000"/>
           </a:path>
         </a:gradFill>
       </a:bgFillStyleLst>
     </a:fmtScheme>
   </a:themeElements>
-</a:theme>
-</file>
-
-<file path=ppt/theme/theme3.xml><?xml version="1.0" encoding="utf-8"?>
-<a:theme xmlns:a="http://schemas.openxmlformats.org/drawingml/2006/main" xmlns:r="http://schemas.openxmlformats.org/officeDocument/2006/relationships" name="Custom Theme">
-  <a:themeElements>
-    <a:clrScheme name="Default">
-      <a:dk1>
-        <a:srgbClr val="000000"/>
-      </a:dk1>
-      <a:lt1>
-        <a:srgbClr val="FFFFFF"/>
-      </a:lt1>
-      <a:dk2>
-        <a:srgbClr val="158158"/>
-      </a:dk2>
-      <a:lt2>
-        <a:srgbClr val="F3F3F3"/>
-      </a:lt2>
-      <a:accent1>
-        <a:srgbClr val="058DC7"/>
-      </a:accent1>
-      <a:accent2>
-        <a:srgbClr val="50B432"/>
-      </a:accent2>
-      <a:accent3>
-        <a:srgbClr val="ED561B"/>
-      </a:accent3>
-      <a:accent4>
-        <a:srgbClr val="EDEF00"/>
-      </a:accent4>
-      <a:accent5>
-        <a:srgbClr val="24CBE5"/>
-      </a:accent5>
-      <a:accent6>
-        <a:srgbClr val="64E572"/>
-      </a:accent6>
-      <a:hlink>
-        <a:srgbClr val="2200CC"/>
-      </a:hlink>
-      <a:folHlink>
-        <a:srgbClr val="551A8B"/>
-      </a:folHlink>
-    </a:clrScheme>
-    <a:fontScheme name="Office">
-      <a:majorFont>
-        <a:latin typeface="Arial"/>
-        <a:ea typeface=""/>
-        <a:cs typeface=""/>
-        <a:font typeface="ＭＳ Ｐゴシック" script="Jpan"/>
-        <a:font typeface="맑은 고딕" script="Hang"/>
-        <a:font typeface="宋体" script="Hans"/>
-        <a:font typeface="新細明體" script="Hant"/>
-        <a:font typeface="Times New Roman" script="Arab"/>
-        <a:font typeface="Times New Roman" script="Hebr"/>
-        <a:font typeface="Angsana New" script="Thai"/>
-        <a:font typeface="Nyala" script="Ethi"/>
-        <a:font typeface="Vrinda" script="Beng"/>
-        <a:font typeface="Shruti" script="Gujr"/>
-        <a:font typeface="MoolBoran" script="Khmr"/>
-        <a:font typeface="Tunga" script="Knda"/>
-        <a:font typeface="Raavi" script="Guru"/>
-        <a:font typeface="Euphemia" script="Cans"/>
-        <a:font typeface="Plantagenet Cherokee" script="Cher"/>
-        <a:font typeface="Microsoft Yi Baiti" script="Yiii"/>
-        <a:font typeface="Microsoft Himalaya" script="Tibt"/>
-        <a:font typeface="MV Boli" script="Thaa"/>
-        <a:font typeface="Mangal" script="Deva"/>
-        <a:font typeface="Gautami" script="Telu"/>
-        <a:font typeface="Latha" script="Taml"/>
-        <a:font typeface="Estrangelo Edessa" script="Syrc"/>
-        <a:font typeface="Kalinga" script="Orya"/>
-        <a:font typeface="Kartika" script="Mlym"/>
-        <a:font typeface="DokChampa" script="Laoo"/>
-        <a:font typeface="Iskoola Pota" script="Sinh"/>
-        <a:font typeface="Mongolian Baiti" script="Mong"/>
-        <a:font typeface="Times New Roman" script="Viet"/>
-        <a:font typeface="Microsoft Uighur" script="Uigh"/>
-      </a:majorFont>
-      <a:minorFont>
-        <a:latin typeface="Arial"/>
-        <a:ea typeface=""/>
-        <a:cs typeface=""/>
-        <a:font typeface="ＭＳ Ｐゴシック" script="Jpan"/>
-        <a:font typeface="맑은 고딕" script="Hang"/>
-        <a:font typeface="宋体" script="Hans"/>
-        <a:font typeface="新細明體" script="Hant"/>
-        <a:font typeface="Arial" script="Arab"/>
-        <a:font typeface="Arial" script="Hebr"/>
-        <a:font typeface="Cordia New" script="Thai"/>
-        <a:font typeface="Nyala" script="Ethi"/>
-        <a:font typeface="Vrinda" script="Beng"/>
-        <a:font typeface="Shruti" script="Gujr"/>
-        <a:font typeface="DaunPenh" script="Khmr"/>
-        <a:font typeface="Tunga" script="Knda"/>
-        <a:font typeface="Raavi" script="Guru"/>
-        <a:font typeface="Euphemia" script="Cans"/>
-        <a:font typeface="Plantagenet Cherokee" script="Cher"/>
-        <a:font typeface="Microsoft Yi Baiti" script="Yiii"/>
-        <a:font typeface="Microsoft Himalaya" script="Tibt"/>
-        <a:font typeface="MV Boli" script="Thaa"/>
-        <a:font typeface="Mangal" script="Deva"/>
-        <a:font typeface="Gautami" script="Telu"/>
-        <a:font typeface="Latha" script="Taml"/>
-        <a:font typeface="Estrangelo Edessa" script="Syrc"/>
-        <a:font typeface="Kalinga" script="Orya"/>
-        <a:font typeface="Kartika" script="Mlym"/>
-        <a:font typeface="DokChampa" script="Laoo"/>
-        <a:font typeface="Iskoola Pota" script="Sinh"/>
-        <a:font typeface="Mongolian Baiti" script="Mong"/>
-        <a:font typeface="Arial" script="Viet"/>
-        <a:font typeface="Microsoft Uighur" script="Uigh"/>
-      </a:minorFont>
-    </a:fontScheme>
-    <a:fmtScheme name="Office">
-      <a:fillStyleLst>
-        <a:solidFill>
-          <a:schemeClr val="phClr"/>
-        </a:solidFill>
-        <a:gradFill rotWithShape="1">
-          <a:gsLst>
-            <a:gs pos="0">
-              <a:schemeClr val="phClr">
-                <a:tint val="50000"/>
-                <a:satMod val="300000"/>
-              </a:schemeClr>
-            </a:gs>
-            <a:gs pos="35000">
-              <a:schemeClr val="phClr">
-                <a:tint val="37000"/>
-                <a:satMod val="300000"/>
-              </a:schemeClr>
-            </a:gs>
-            <a:gs pos="100000">
-              <a:schemeClr val="phClr">
-                <a:tint val="15000"/>
-                <a:satMod val="350000"/>
-              </a:schemeClr>
-            </a:gs>
-          </a:gsLst>
-          <a:lin ang="16200000" scaled="1"/>
-        </a:gradFill>
-        <a:gradFill rotWithShape="1">
-          <a:gsLst>
-            <a:gs pos="0">
-              <a:schemeClr val="phClr">
-                <a:tint val="100000"/>
-                <a:shade val="100000"/>
-                <a:satMod val="130000"/>
-              </a:schemeClr>
-            </a:gs>
-            <a:gs pos="100000">
-              <a:schemeClr val="phClr">
-                <a:tint val="50000"/>
-                <a:shade val="100000"/>
-                <a:satMod val="350000"/>
-              </a:schemeClr>
-            </a:gs>
-          </a:gsLst>
-          <a:lin ang="16200000" scaled="0"/>
-        </a:gradFill>
-      </a:fillStyleLst>
-      <a:lnStyleLst>
-        <a:ln w="9525" algn="ctr" cap="flat" cmpd="sng">
-          <a:solidFill>
-            <a:schemeClr val="phClr">
-              <a:shade val="95000"/>
-              <a:satMod val="105000"/>
-            </a:schemeClr>
-          </a:solidFill>
-          <a:prstDash val="solid"/>
-        </a:ln>
-        <a:ln w="25400" algn="ctr" cap="flat" cmpd="sng">
-          <a:solidFill>
-            <a:schemeClr val="phClr"/>
-          </a:solidFill>
-          <a:prstDash val="solid"/>
-        </a:ln>
-        <a:ln w="38100" algn="ctr" cap="flat" cmpd="sng">
-          <a:solidFill>
-            <a:schemeClr val="phClr"/>
-          </a:solidFill>
-          <a:prstDash val="solid"/>
-        </a:ln>
-      </a:lnStyleLst>
-      <a:effectStyleLst>
-        <a:effectStyle>
-          <a:effectLst>
-            <a:outerShdw rotWithShape="0" dir="5400000" blurRad="40000" dist="20000">
-              <a:srgbClr val="000000">
-                <a:alpha val="38000"/>
-              </a:srgbClr>
-            </a:outerShdw>
-          </a:effectLst>
-        </a:effectStyle>
-        <a:effectStyle>
-          <a:effectLst>
-            <a:outerShdw rotWithShape="0" dir="5400000" blurRad="40000" dist="23000">
-              <a:srgbClr val="000000">
-                <a:alpha val="35000"/>
-              </a:srgbClr>
-            </a:outerShdw>
-          </a:effectLst>
-        </a:effectStyle>
-        <a:effectStyle>
-          <a:effectLst>
-            <a:outerShdw rotWithShape="0" dir="5400000" blurRad="40000" dist="23000">
-              <a:srgbClr val="000000">
-                <a:alpha val="35000"/>
-              </a:srgbClr>
-            </a:outerShdw>
-          </a:effectLst>
-          <a:scene3d>
-            <a:camera prst="orthographicFront">
-              <a:rot rev="0" lon="0" lat="0"/>
-            </a:camera>
-            <a:lightRig dir="t" rig="threePt">
-              <a:rot rev="1200000" lon="0" lat="0"/>
-            </a:lightRig>
-          </a:scene3d>
-          <a:sp3d>
-            <a:bevelT w="63500" h="25400"/>
-          </a:sp3d>
-        </a:effectStyle>
-      </a:effectStyleLst>
-      <a:bgFillStyleLst>
-        <a:solidFill>
-          <a:schemeClr val="phClr"/>
-        </a:solidFill>
-        <a:gradFill rotWithShape="1">
-          <a:gsLst>
-            <a:gs pos="0">
-              <a:schemeClr val="phClr">
-                <a:tint val="40000"/>
-                <a:satMod val="350000"/>
-              </a:schemeClr>
-            </a:gs>
-            <a:gs pos="40000">
-              <a:schemeClr val="phClr">
-                <a:tint val="45000"/>
-                <a:shade val="99000"/>
-                <a:satMod val="350000"/>
-              </a:schemeClr>
-            </a:gs>
-            <a:gs pos="100000">
-              <a:schemeClr val="phClr">
-                <a:shade val="20000"/>
-                <a:satMod val="255000"/>
-              </a:schemeClr>
-            </a:gs>
-          </a:gsLst>
-          <a:path path="circle">
-            <a:fillToRect t="-80000" b="180000" r="50000" l="50000"/>
-          </a:path>
-        </a:gradFill>
-        <a:gradFill rotWithShape="1">
-          <a:gsLst>
-            <a:gs pos="0">
-              <a:schemeClr val="phClr">
-                <a:tint val="80000"/>
-                <a:satMod val="300000"/>
-              </a:schemeClr>
-            </a:gs>
-            <a:gs pos="100000">
-              <a:schemeClr val="phClr">
-                <a:shade val="30000"/>
-                <a:satMod val="200000"/>
-              </a:schemeClr>
-            </a:gs>
-          </a:gsLst>
-          <a:path path="circle">
-            <a:fillToRect t="50000" b="50000" r="50000" l="50000"/>
-          </a:path>
-        </a:gradFill>
-      </a:bgFillStyleLst>
-    </a:fmtScheme>
-  </a:themeElements>
+  <a:objectDefaults/>
+  <a:extraClrSchemeLst/>
 </a:theme>
 </file>
--- a/Presentation.pptx
+++ b/Presentation.pptx
@@ -1053,8 +1053,8 @@
         </p:nvSpPr>
         <p:spPr>
           <a:xfrm>
-            <a:off x="381187" y="685800"/>
-            <a:ext cx="6096299" cy="3429000"/>
+            <a:off x="381000" y="685800"/>
+            <a:ext cx="6096000" cy="3429000"/>
           </a:xfrm>
           <a:custGeom>
             <a:avLst/>
@@ -5968,16 +5968,25 @@
               <a:buNone/>
             </a:pPr>
             <a:r>
-              <a:rPr lang="en" dirty="0"/>
-              <a:t>Tracability Matrix</a:t>
+              <a:rPr lang="en" dirty="0">
+                <a:hlinkClick r:id="rId3" action="ppaction://hlinkfile"/>
+              </a:rPr>
+              <a:t>Tracability </a:t>
             </a:r>
+            <a:r>
+              <a:rPr lang="en" dirty="0" smtClean="0">
+                <a:hlinkClick r:id="rId3" action="ppaction://hlinkfile"/>
+              </a:rPr>
+              <a:t>Matrix</a:t>
+            </a:r>
+            <a:endParaRPr lang="en" dirty="0" smtClean="0"/>
           </a:p>
           <a:p>
             <a:pPr lvl="0" rtl="0">
               <a:buNone/>
             </a:pPr>
             <a:r>
-              <a:rPr lang="en" dirty="0"/>
+              <a:rPr lang="en" sz="2500" dirty="0" smtClean="0"/>
               <a:t>URS - SRS</a:t>
             </a:r>
           </a:p>
@@ -5986,7 +5995,16 @@
               <a:buNone/>
             </a:pPr>
             <a:r>
-              <a:rPr lang="en" dirty="0"/>
+              <a:rPr lang="en" sz="2500" dirty="0" smtClean="0"/>
+              <a:t>URS – Use case</a:t>
+            </a:r>
+          </a:p>
+          <a:p>
+            <a:pPr lvl="0" rtl="0">
+              <a:buNone/>
+            </a:pPr>
+            <a:r>
+              <a:rPr lang="en" sz="2500" dirty="0" smtClean="0"/>
               <a:t>URS - Class Diagram</a:t>
             </a:r>
           </a:p>
@@ -5995,9 +6013,19 @@
               <a:buNone/>
             </a:pPr>
             <a:r>
-              <a:rPr lang="en" dirty="0"/>
-              <a:t>URS - </a:t>
+              <a:rPr lang="en" sz="2500" dirty="0" smtClean="0"/>
+              <a:t>URS – Sequence Diagram</a:t>
             </a:r>
+          </a:p>
+          <a:p>
+            <a:pPr>
+              <a:buNone/>
+            </a:pPr>
+            <a:r>
+              <a:rPr lang="en" sz="2500" dirty="0" smtClean="0"/>
+              <a:t>Summary</a:t>
+            </a:r>
+            <a:endParaRPr lang="en" sz="2500" dirty="0"/>
           </a:p>
         </p:txBody>
       </p:sp>
